--- a/Кузьмин презентация.pptx
+++ b/Кузьмин презентация.pptx
@@ -265,7 +265,7 @@
           <a:p>
             <a:fld id="{6D913171-EE1C-46F5-8A66-985EB9AE93EB}" type="datetimeFigureOut">
               <a:rPr lang="ru-RU" smtClean="0"/>
-              <a:t>17.05.2023</a:t>
+              <a:t>18.05.2023</a:t>
             </a:fld>
             <a:endParaRPr lang="ru-RU"/>
           </a:p>
@@ -435,7 +435,7 @@
           <a:p>
             <a:fld id="{6D913171-EE1C-46F5-8A66-985EB9AE93EB}" type="datetimeFigureOut">
               <a:rPr lang="ru-RU" smtClean="0"/>
-              <a:t>17.05.2023</a:t>
+              <a:t>18.05.2023</a:t>
             </a:fld>
             <a:endParaRPr lang="ru-RU"/>
           </a:p>
@@ -615,7 +615,7 @@
           <a:p>
             <a:fld id="{6D913171-EE1C-46F5-8A66-985EB9AE93EB}" type="datetimeFigureOut">
               <a:rPr lang="ru-RU" smtClean="0"/>
-              <a:t>17.05.2023</a:t>
+              <a:t>18.05.2023</a:t>
             </a:fld>
             <a:endParaRPr lang="ru-RU"/>
           </a:p>
@@ -785,7 +785,7 @@
           <a:p>
             <a:fld id="{6D913171-EE1C-46F5-8A66-985EB9AE93EB}" type="datetimeFigureOut">
               <a:rPr lang="ru-RU" smtClean="0"/>
-              <a:t>17.05.2023</a:t>
+              <a:t>18.05.2023</a:t>
             </a:fld>
             <a:endParaRPr lang="ru-RU"/>
           </a:p>
@@ -1029,7 +1029,7 @@
           <a:p>
             <a:fld id="{6D913171-EE1C-46F5-8A66-985EB9AE93EB}" type="datetimeFigureOut">
               <a:rPr lang="ru-RU" smtClean="0"/>
-              <a:t>17.05.2023</a:t>
+              <a:t>18.05.2023</a:t>
             </a:fld>
             <a:endParaRPr lang="ru-RU"/>
           </a:p>
@@ -1261,7 +1261,7 @@
           <a:p>
             <a:fld id="{6D913171-EE1C-46F5-8A66-985EB9AE93EB}" type="datetimeFigureOut">
               <a:rPr lang="ru-RU" smtClean="0"/>
-              <a:t>17.05.2023</a:t>
+              <a:t>18.05.2023</a:t>
             </a:fld>
             <a:endParaRPr lang="ru-RU"/>
           </a:p>
@@ -1628,7 +1628,7 @@
           <a:p>
             <a:fld id="{6D913171-EE1C-46F5-8A66-985EB9AE93EB}" type="datetimeFigureOut">
               <a:rPr lang="ru-RU" smtClean="0"/>
-              <a:t>17.05.2023</a:t>
+              <a:t>18.05.2023</a:t>
             </a:fld>
             <a:endParaRPr lang="ru-RU"/>
           </a:p>
@@ -1746,7 +1746,7 @@
           <a:p>
             <a:fld id="{6D913171-EE1C-46F5-8A66-985EB9AE93EB}" type="datetimeFigureOut">
               <a:rPr lang="ru-RU" smtClean="0"/>
-              <a:t>17.05.2023</a:t>
+              <a:t>18.05.2023</a:t>
             </a:fld>
             <a:endParaRPr lang="ru-RU"/>
           </a:p>
@@ -1841,7 +1841,7 @@
           <a:p>
             <a:fld id="{6D913171-EE1C-46F5-8A66-985EB9AE93EB}" type="datetimeFigureOut">
               <a:rPr lang="ru-RU" smtClean="0"/>
-              <a:t>17.05.2023</a:t>
+              <a:t>18.05.2023</a:t>
             </a:fld>
             <a:endParaRPr lang="ru-RU"/>
           </a:p>
@@ -2118,7 +2118,7 @@
           <a:p>
             <a:fld id="{6D913171-EE1C-46F5-8A66-985EB9AE93EB}" type="datetimeFigureOut">
               <a:rPr lang="ru-RU" smtClean="0"/>
-              <a:t>17.05.2023</a:t>
+              <a:t>18.05.2023</a:t>
             </a:fld>
             <a:endParaRPr lang="ru-RU"/>
           </a:p>
@@ -2375,7 +2375,7 @@
           <a:p>
             <a:fld id="{6D913171-EE1C-46F5-8A66-985EB9AE93EB}" type="datetimeFigureOut">
               <a:rPr lang="ru-RU" smtClean="0"/>
-              <a:t>17.05.2023</a:t>
+              <a:t>18.05.2023</a:t>
             </a:fld>
             <a:endParaRPr lang="ru-RU"/>
           </a:p>
@@ -2588,7 +2588,7 @@
           <a:p>
             <a:fld id="{6D913171-EE1C-46F5-8A66-985EB9AE93EB}" type="datetimeFigureOut">
               <a:rPr lang="ru-RU" smtClean="0"/>
-              <a:t>17.05.2023</a:t>
+              <a:t>18.05.2023</a:t>
             </a:fld>
             <a:endParaRPr lang="ru-RU"/>
           </a:p>
@@ -3187,7 +3187,7 @@
           <p:cNvPr id="4" name="TextBox 3">
             <a:extLst>
               <a:ext uri="{FF2B5EF4-FFF2-40B4-BE49-F238E27FC236}">
-                <a16:creationId xmlns="" xmlns:a16="http://schemas.microsoft.com/office/drawing/2014/main" id="{B7C4C22B-F077-3D1F-547F-944EFA374D1C}"/>
+                <a16:creationId xmlns:a16="http://schemas.microsoft.com/office/drawing/2014/main" xmlns="" id="{B7C4C22B-F077-3D1F-547F-944EFA374D1C}"/>
               </a:ext>
             </a:extLst>
           </p:cNvPr>
@@ -3741,7 +3741,7 @@
           <p:cNvPr id="6" name="TextBox 5">
             <a:extLst>
               <a:ext uri="{FF2B5EF4-FFF2-40B4-BE49-F238E27FC236}">
-                <a16:creationId xmlns="" xmlns:a16="http://schemas.microsoft.com/office/drawing/2014/main" id="{3C9CF4A2-79CA-F1C9-46BA-C86037CFA5D6}"/>
+                <a16:creationId xmlns:a16="http://schemas.microsoft.com/office/drawing/2014/main" xmlns="" id="{3C9CF4A2-79CA-F1C9-46BA-C86037CFA5D6}"/>
               </a:ext>
             </a:extLst>
           </p:cNvPr>
@@ -4428,7 +4428,7 @@
         <p:spPr>
           <a:xfrm>
             <a:off x="121381" y="1495185"/>
-            <a:ext cx="8787950" cy="5362815"/>
+            <a:ext cx="8787950" cy="4570482"/>
           </a:xfrm>
           <a:prstGeom prst="rect">
             <a:avLst/>
@@ -4560,27 +4560,18 @@
               <a:buChar char="•"/>
             </a:pPr>
             <a:r>
+              <a:rPr lang="ru-RU" dirty="0" smtClean="0">
+                <a:latin typeface="Times New Roman"/>
+                <a:cs typeface="Times New Roman"/>
+              </a:rPr>
+              <a:t>Предоставлять </a:t>
+            </a:r>
+            <a:r>
               <a:rPr lang="ru-RU" dirty="0">
                 <a:latin typeface="Times New Roman"/>
                 <a:cs typeface="Times New Roman"/>
               </a:rPr>
-              <a:t>Поддерживать несколько языков, что позволит использовать его пользователям в разных регионах мира.</a:t>
-            </a:r>
-          </a:p>
-          <a:p>
-            <a:pPr marL="571500" indent="-285750" algn="just">
-              <a:lnSpc>
-                <a:spcPct val="150000"/>
-              </a:lnSpc>
-              <a:buFont typeface="Arial" panose="020B0604020202020204" pitchFamily="34" charset="0"/>
-              <a:buChar char="•"/>
-            </a:pPr>
-            <a:r>
-              <a:rPr lang="ru-RU" dirty="0">
-                <a:latin typeface="Times New Roman"/>
-                <a:cs typeface="Times New Roman"/>
-              </a:rPr>
-              <a:t>Предоставлять актуальные и точные данные о погоде на текущий момент </a:t>
+              <a:t>актуальные и точные данные о погоде на текущий момент </a:t>
             </a:r>
             <a:r>
               <a:rPr lang="ru-RU" dirty="0" smtClean="0">
@@ -6793,7 +6784,7 @@
         <p:spPr>
           <a:xfrm>
             <a:off x="153589" y="1335929"/>
-            <a:ext cx="8658637" cy="3046988"/>
+            <a:ext cx="8658637" cy="3000821"/>
           </a:xfrm>
           <a:prstGeom prst="rect">
             <a:avLst/>
@@ -6812,13 +6803,13 @@
               </a:lnSpc>
             </a:pPr>
             <a:r>
-              <a:rPr lang="ru-RU" sz="1600" dirty="0">
+              <a:rPr lang="ru-RU" dirty="0">
                 <a:latin typeface="Times New Roman"/>
                 <a:cs typeface="Times New Roman"/>
               </a:rPr>
               <a:t>Моя программа должна выполнять такие функции как:</a:t>
             </a:r>
-            <a:endParaRPr lang="ru-RU" sz="2000" dirty="0"/>
+            <a:endParaRPr lang="ru-RU" sz="2400" dirty="0"/>
           </a:p>
           <a:p>
             <a:pPr marL="571500" indent="-285750" algn="just">
@@ -6829,7 +6820,7 @@
               <a:buChar char="•"/>
             </a:pPr>
             <a:r>
-              <a:rPr lang="ru-RU" sz="1600" dirty="0">
+              <a:rPr lang="ru-RU" dirty="0">
                 <a:latin typeface="Times New Roman"/>
                 <a:cs typeface="Times New Roman"/>
               </a:rPr>
@@ -6845,7 +6836,7 @@
               <a:buChar char="•"/>
             </a:pPr>
             <a:r>
-              <a:rPr lang="ru-RU" sz="1600" dirty="0">
+              <a:rPr lang="ru-RU" dirty="0">
                 <a:latin typeface="Times New Roman"/>
                 <a:cs typeface="Times New Roman"/>
               </a:rPr>
@@ -6861,25 +6852,32 @@
               <a:buChar char="•"/>
             </a:pPr>
             <a:r>
-              <a:rPr lang="ru-RU" sz="1600" dirty="0">
+              <a:rPr lang="ru-RU" dirty="0">
                 <a:latin typeface="Times New Roman"/>
                 <a:cs typeface="Times New Roman"/>
               </a:rPr>
               <a:t>Принимать данные из </a:t>
             </a:r>
             <a:r>
-              <a:rPr lang="en-US" sz="1600" dirty="0">
+              <a:rPr lang="en-US" dirty="0">
                 <a:latin typeface="Times New Roman"/>
                 <a:cs typeface="Times New Roman"/>
               </a:rPr>
               <a:t>API</a:t>
             </a:r>
             <a:r>
-              <a:rPr lang="ru-RU" sz="1600" dirty="0">
-                <a:latin typeface="Times New Roman"/>
-                <a:cs typeface="Times New Roman"/>
-              </a:rPr>
-              <a:t> сайтов.</a:t>
+              <a:rPr lang="ru-RU" dirty="0">
+                <a:latin typeface="Times New Roman"/>
+                <a:cs typeface="Times New Roman"/>
+              </a:rPr>
+              <a:t> сайтов</a:t>
+            </a:r>
+            <a:r>
+              <a:rPr lang="ru-RU" dirty="0" smtClean="0">
+                <a:latin typeface="Times New Roman"/>
+                <a:cs typeface="Times New Roman"/>
+              </a:rPr>
+              <a:t>.</a:t>
             </a:r>
           </a:p>
           <a:p>
@@ -6891,36 +6889,27 @@
               <a:buChar char="•"/>
             </a:pPr>
             <a:r>
-              <a:rPr lang="ru-RU" sz="1600" dirty="0">
-                <a:latin typeface="Times New Roman"/>
-                <a:cs typeface="Times New Roman"/>
-              </a:rPr>
-              <a:t>Поддерживать несколько языков, что позволит использовать его пользователям в разных регионах мира.</a:t>
-            </a:r>
-          </a:p>
-          <a:p>
-            <a:pPr marL="571500" indent="-285750" algn="just">
-              <a:lnSpc>
-                <a:spcPct val="150000"/>
-              </a:lnSpc>
-              <a:buFont typeface="Arial" panose="020B0604020202020204" pitchFamily="34" charset="0"/>
-              <a:buChar char="•"/>
-            </a:pPr>
-            <a:r>
-              <a:rPr lang="ru-RU" sz="1600" dirty="0">
-                <a:latin typeface="Times New Roman"/>
-                <a:cs typeface="Times New Roman"/>
-              </a:rPr>
-              <a:t>Предоставлять актуальные и точные данные о погоде на текущий момент </a:t>
-            </a:r>
-            <a:r>
-              <a:rPr lang="ru-RU" sz="1600" dirty="0" smtClean="0">
+              <a:rPr lang="ru-RU" dirty="0" smtClean="0">
+                <a:latin typeface="Times New Roman"/>
+                <a:cs typeface="Times New Roman"/>
+              </a:rPr>
+              <a:t>Предоставлять </a:t>
+            </a:r>
+            <a:r>
+              <a:rPr lang="ru-RU" dirty="0">
+                <a:latin typeface="Times New Roman"/>
+                <a:cs typeface="Times New Roman"/>
+              </a:rPr>
+              <a:t>актуальные и точные данные о погоде на текущий момент </a:t>
+            </a:r>
+            <a:r>
+              <a:rPr lang="ru-RU" dirty="0" smtClean="0">
                 <a:latin typeface="Times New Roman"/>
                 <a:cs typeface="Times New Roman"/>
               </a:rPr>
               <a:t>времени.</a:t>
             </a:r>
-            <a:endParaRPr lang="ru-RU" sz="1400" dirty="0">
+            <a:endParaRPr lang="ru-RU" sz="1600" dirty="0">
               <a:latin typeface="Times New Roman" panose="02020603050405020304" pitchFamily="18" charset="0"/>
               <a:cs typeface="Times New Roman" panose="02020603050405020304" pitchFamily="18" charset="0"/>
             </a:endParaRPr>
@@ -6943,7 +6932,7 @@
         </p:blipFill>
         <p:spPr>
           <a:xfrm>
-            <a:off x="934549" y="4489330"/>
+            <a:off x="934549" y="4562157"/>
             <a:ext cx="7508736" cy="1494303"/>
           </a:xfrm>
           <a:prstGeom prst="rect">

--- a/Кузьмин презентация.pptx
+++ b/Кузьмин презентация.pptx
@@ -8,16 +8,17 @@
     <p:sldId id="256" r:id="rId2"/>
     <p:sldId id="258" r:id="rId3"/>
     <p:sldId id="261" r:id="rId4"/>
-    <p:sldId id="263" r:id="rId5"/>
-    <p:sldId id="264" r:id="rId6"/>
-    <p:sldId id="265" r:id="rId7"/>
-    <p:sldId id="267" r:id="rId8"/>
-    <p:sldId id="268" r:id="rId9"/>
-    <p:sldId id="269" r:id="rId10"/>
-    <p:sldId id="270" r:id="rId11"/>
-    <p:sldId id="272" r:id="rId12"/>
-    <p:sldId id="273" r:id="rId13"/>
-    <p:sldId id="260" r:id="rId14"/>
+    <p:sldId id="274" r:id="rId5"/>
+    <p:sldId id="263" r:id="rId6"/>
+    <p:sldId id="264" r:id="rId7"/>
+    <p:sldId id="265" r:id="rId8"/>
+    <p:sldId id="267" r:id="rId9"/>
+    <p:sldId id="268" r:id="rId10"/>
+    <p:sldId id="269" r:id="rId11"/>
+    <p:sldId id="270" r:id="rId12"/>
+    <p:sldId id="272" r:id="rId13"/>
+    <p:sldId id="273" r:id="rId14"/>
+    <p:sldId id="260" r:id="rId15"/>
   </p:sldIdLst>
   <p:sldSz cx="9144000" cy="6858000" type="screen4x3"/>
   <p:notesSz cx="6858000" cy="9144000"/>
@@ -265,7 +266,7 @@
           <a:p>
             <a:fld id="{6D913171-EE1C-46F5-8A66-985EB9AE93EB}" type="datetimeFigureOut">
               <a:rPr lang="ru-RU" smtClean="0"/>
-              <a:t>18.05.2023</a:t>
+              <a:t>19.05.2023</a:t>
             </a:fld>
             <a:endParaRPr lang="ru-RU"/>
           </a:p>
@@ -435,7 +436,7 @@
           <a:p>
             <a:fld id="{6D913171-EE1C-46F5-8A66-985EB9AE93EB}" type="datetimeFigureOut">
               <a:rPr lang="ru-RU" smtClean="0"/>
-              <a:t>18.05.2023</a:t>
+              <a:t>19.05.2023</a:t>
             </a:fld>
             <a:endParaRPr lang="ru-RU"/>
           </a:p>
@@ -615,7 +616,7 @@
           <a:p>
             <a:fld id="{6D913171-EE1C-46F5-8A66-985EB9AE93EB}" type="datetimeFigureOut">
               <a:rPr lang="ru-RU" smtClean="0"/>
-              <a:t>18.05.2023</a:t>
+              <a:t>19.05.2023</a:t>
             </a:fld>
             <a:endParaRPr lang="ru-RU"/>
           </a:p>
@@ -785,7 +786,7 @@
           <a:p>
             <a:fld id="{6D913171-EE1C-46F5-8A66-985EB9AE93EB}" type="datetimeFigureOut">
               <a:rPr lang="ru-RU" smtClean="0"/>
-              <a:t>18.05.2023</a:t>
+              <a:t>19.05.2023</a:t>
             </a:fld>
             <a:endParaRPr lang="ru-RU"/>
           </a:p>
@@ -1029,7 +1030,7 @@
           <a:p>
             <a:fld id="{6D913171-EE1C-46F5-8A66-985EB9AE93EB}" type="datetimeFigureOut">
               <a:rPr lang="ru-RU" smtClean="0"/>
-              <a:t>18.05.2023</a:t>
+              <a:t>19.05.2023</a:t>
             </a:fld>
             <a:endParaRPr lang="ru-RU"/>
           </a:p>
@@ -1261,7 +1262,7 @@
           <a:p>
             <a:fld id="{6D913171-EE1C-46F5-8A66-985EB9AE93EB}" type="datetimeFigureOut">
               <a:rPr lang="ru-RU" smtClean="0"/>
-              <a:t>18.05.2023</a:t>
+              <a:t>19.05.2023</a:t>
             </a:fld>
             <a:endParaRPr lang="ru-RU"/>
           </a:p>
@@ -1628,7 +1629,7 @@
           <a:p>
             <a:fld id="{6D913171-EE1C-46F5-8A66-985EB9AE93EB}" type="datetimeFigureOut">
               <a:rPr lang="ru-RU" smtClean="0"/>
-              <a:t>18.05.2023</a:t>
+              <a:t>19.05.2023</a:t>
             </a:fld>
             <a:endParaRPr lang="ru-RU"/>
           </a:p>
@@ -1746,7 +1747,7 @@
           <a:p>
             <a:fld id="{6D913171-EE1C-46F5-8A66-985EB9AE93EB}" type="datetimeFigureOut">
               <a:rPr lang="ru-RU" smtClean="0"/>
-              <a:t>18.05.2023</a:t>
+              <a:t>19.05.2023</a:t>
             </a:fld>
             <a:endParaRPr lang="ru-RU"/>
           </a:p>
@@ -1841,7 +1842,7 @@
           <a:p>
             <a:fld id="{6D913171-EE1C-46F5-8A66-985EB9AE93EB}" type="datetimeFigureOut">
               <a:rPr lang="ru-RU" smtClean="0"/>
-              <a:t>18.05.2023</a:t>
+              <a:t>19.05.2023</a:t>
             </a:fld>
             <a:endParaRPr lang="ru-RU"/>
           </a:p>
@@ -2118,7 +2119,7 @@
           <a:p>
             <a:fld id="{6D913171-EE1C-46F5-8A66-985EB9AE93EB}" type="datetimeFigureOut">
               <a:rPr lang="ru-RU" smtClean="0"/>
-              <a:t>18.05.2023</a:t>
+              <a:t>19.05.2023</a:t>
             </a:fld>
             <a:endParaRPr lang="ru-RU"/>
           </a:p>
@@ -2375,7 +2376,7 @@
           <a:p>
             <a:fld id="{6D913171-EE1C-46F5-8A66-985EB9AE93EB}" type="datetimeFigureOut">
               <a:rPr lang="ru-RU" smtClean="0"/>
-              <a:t>18.05.2023</a:t>
+              <a:t>19.05.2023</a:t>
             </a:fld>
             <a:endParaRPr lang="ru-RU"/>
           </a:p>
@@ -2588,7 +2589,7 @@
           <a:p>
             <a:fld id="{6D913171-EE1C-46F5-8A66-985EB9AE93EB}" type="datetimeFigureOut">
               <a:rPr lang="ru-RU" smtClean="0"/>
-              <a:t>18.05.2023</a:t>
+              <a:t>19.05.2023</a:t>
             </a:fld>
             <a:endParaRPr lang="ru-RU"/>
           </a:p>
@@ -3019,7 +3020,7 @@
         </p:nvSpPr>
         <p:spPr>
           <a:xfrm>
-            <a:off x="-154196" y="2153517"/>
+            <a:off x="0" y="1481878"/>
             <a:ext cx="4152714" cy="1562858"/>
           </a:xfrm>
         </p:spPr>
@@ -3031,13 +3032,11 @@
           <a:p>
             <a:r>
               <a:rPr lang="ru-RU" sz="2800" dirty="0">
-                <a:latin typeface="Times New Roman"/>
                 <a:cs typeface="Times New Roman"/>
               </a:rPr>
               <a:t>СОЗДАНИЕ ПРИЛОЖЕНИЯ «МОНИТОРИНГ ПОГОДЫ»</a:t>
             </a:r>
             <a:endParaRPr lang="ru-RU" sz="2800" dirty="0">
-              <a:latin typeface="Times New Roman" panose="02020603050405020304" pitchFamily="18" charset="0"/>
               <a:cs typeface="Times New Roman" panose="02020603050405020304" pitchFamily="18" charset="0"/>
             </a:endParaRPr>
           </a:p>
@@ -3055,31 +3054,29 @@
         </p:nvSpPr>
         <p:spPr>
           <a:xfrm>
-            <a:off x="153301" y="5505702"/>
-            <a:ext cx="4545237" cy="1226635"/>
+            <a:off x="80472" y="4914983"/>
+            <a:ext cx="4545237" cy="1716440"/>
           </a:xfrm>
         </p:spPr>
         <p:txBody>
           <a:bodyPr vert="horz" lIns="91440" tIns="45720" rIns="91440" bIns="45720" rtlCol="0" anchor="t">
-            <a:normAutofit/>
+            <a:noAutofit/>
           </a:bodyPr>
           <a:lstStyle/>
           <a:p>
             <a:pPr algn="l"/>
             <a:r>
-              <a:rPr lang="ru-RU" sz="1400" dirty="0">
-                <a:latin typeface="Times New Roman"/>
+              <a:rPr lang="ru-RU" sz="2000" dirty="0">
                 <a:cs typeface="Times New Roman"/>
               </a:rPr>
               <a:t>Кузьмин Артем Сергеевич</a:t>
             </a:r>
-            <a:endParaRPr lang="ru-RU" dirty="0"/>
+            <a:endParaRPr lang="ru-RU" sz="2000" dirty="0"/>
           </a:p>
           <a:p>
             <a:pPr algn="l"/>
             <a:r>
-              <a:rPr lang="ru-RU" sz="1400" dirty="0">
-                <a:latin typeface="Times New Roman" panose="02020603050405020304" pitchFamily="18" charset="0"/>
+              <a:rPr lang="ru-RU" sz="2000" dirty="0">
                 <a:cs typeface="Times New Roman" panose="02020603050405020304" pitchFamily="18" charset="0"/>
               </a:rPr>
               <a:t>Студент ИС 1.20 </a:t>
@@ -3088,12 +3085,32 @@
           <a:p>
             <a:pPr algn="l"/>
             <a:r>
-              <a:rPr lang="ru-RU" sz="1400" dirty="0">
-                <a:latin typeface="Times New Roman" panose="02020603050405020304" pitchFamily="18" charset="0"/>
+              <a:rPr lang="ru-RU" sz="2000" dirty="0">
                 <a:cs typeface="Times New Roman" panose="02020603050405020304" pitchFamily="18" charset="0"/>
               </a:rPr>
-              <a:t>Нефтеюганский политехнический колледж</a:t>
-            </a:r>
+              <a:t>Нефтеюганский политехнический </a:t>
+            </a:r>
+            <a:r>
+              <a:rPr lang="ru-RU" sz="2000" dirty="0" smtClean="0">
+                <a:cs typeface="Times New Roman" panose="02020603050405020304" pitchFamily="18" charset="0"/>
+              </a:rPr>
+              <a:t>колледж</a:t>
+            </a:r>
+            <a:endParaRPr lang="en-US" sz="2000" dirty="0" smtClean="0">
+              <a:cs typeface="Times New Roman" panose="02020603050405020304" pitchFamily="18" charset="0"/>
+            </a:endParaRPr>
+          </a:p>
+          <a:p>
+            <a:pPr algn="l"/>
+            <a:r>
+              <a:rPr lang="ru-RU" sz="2000" dirty="0" smtClean="0">
+                <a:cs typeface="Times New Roman" panose="02020603050405020304" pitchFamily="18" charset="0"/>
+              </a:rPr>
+              <a:t>Руководитель: Козырева В.В.</a:t>
+            </a:r>
+            <a:endParaRPr lang="ru-RU" sz="2000" dirty="0">
+              <a:cs typeface="Times New Roman" panose="02020603050405020304" pitchFamily="18" charset="0"/>
+            </a:endParaRPr>
           </a:p>
         </p:txBody>
       </p:sp>
@@ -3153,8 +3170,8 @@
         </p:nvSpPr>
         <p:spPr>
           <a:xfrm>
-            <a:off x="3698117" y="114300"/>
-            <a:ext cx="6319525" cy="1115216"/>
+            <a:off x="3698116" y="114300"/>
+            <a:ext cx="5903084" cy="1115216"/>
           </a:xfrm>
         </p:spPr>
         <p:txBody>
@@ -3169,35 +3186,30 @@
                 <a:solidFill>
                   <a:schemeClr val="bg1"/>
                 </a:solidFill>
-                <a:latin typeface="Times New Roman"/>
-                <a:cs typeface="Times New Roman"/>
-              </a:rPr>
-              <a:t>Текст программы с описанием</a:t>
+                <a:latin typeface="+mj-lt"/>
+                <a:cs typeface="Times New Roman"/>
+              </a:rPr>
+              <a:t>Проектирование программного продукта</a:t>
             </a:r>
             <a:endParaRPr lang="ru-RU" sz="4000" dirty="0">
               <a:solidFill>
                 <a:schemeClr val="bg1"/>
               </a:solidFill>
+              <a:latin typeface="+mj-lt"/>
             </a:endParaRPr>
           </a:p>
         </p:txBody>
       </p:sp>
       <p:sp>
         <p:nvSpPr>
-          <p:cNvPr id="4" name="TextBox 3">
-            <a:extLst>
-              <a:ext uri="{FF2B5EF4-FFF2-40B4-BE49-F238E27FC236}">
-                <a16:creationId xmlns:a16="http://schemas.microsoft.com/office/drawing/2014/main" xmlns="" id="{B7C4C22B-F077-3D1F-547F-944EFA374D1C}"/>
-              </a:ext>
-            </a:extLst>
-          </p:cNvPr>
+          <p:cNvPr id="5" name="TextBox 4"/>
           <p:cNvSpPr txBox="1"/>
           <p:nvPr/>
         </p:nvSpPr>
         <p:spPr>
           <a:xfrm>
-            <a:off x="4549336" y="1569773"/>
-            <a:ext cx="4303351" cy="3970318"/>
+            <a:off x="299404" y="1761332"/>
+            <a:ext cx="8561375" cy="1061829"/>
           </a:xfrm>
           <a:prstGeom prst="rect">
             <a:avLst/>
@@ -3210,560 +3222,6 @@
           </a:bodyPr>
           <a:lstStyle/>
           <a:p>
-            <a:pPr algn="just"/>
-            <a:r>
-              <a:rPr lang="ru-RU" dirty="0" smtClean="0">
-                <a:latin typeface="Times New Roman"/>
-                <a:ea typeface="+mn-lt"/>
-                <a:cs typeface="Times New Roman"/>
-              </a:rPr>
-              <a:t>Вставляем </a:t>
-            </a:r>
-            <a:r>
-              <a:rPr lang="en-US" dirty="0" smtClean="0">
-                <a:latin typeface="Times New Roman"/>
-                <a:ea typeface="+mn-lt"/>
-                <a:cs typeface="Times New Roman"/>
-              </a:rPr>
-              <a:t>API </a:t>
-            </a:r>
-            <a:r>
-              <a:rPr lang="ru-RU" dirty="0" smtClean="0">
-                <a:latin typeface="Times New Roman"/>
-                <a:ea typeface="+mn-lt"/>
-                <a:cs typeface="Times New Roman"/>
-              </a:rPr>
-              <a:t>ключ, который будет выводить нам информацию о погоде с сайта </a:t>
-            </a:r>
-            <a:r>
-              <a:rPr lang="en-US" dirty="0" err="1" smtClean="0">
-                <a:latin typeface="Times New Roman"/>
-                <a:ea typeface="+mn-lt"/>
-                <a:cs typeface="Times New Roman"/>
-              </a:rPr>
-              <a:t>OpenWeather</a:t>
-            </a:r>
-            <a:endParaRPr lang="en-US" dirty="0" smtClean="0">
-              <a:latin typeface="Times New Roman"/>
-              <a:ea typeface="+mn-lt"/>
-              <a:cs typeface="Times New Roman"/>
-            </a:endParaRPr>
-          </a:p>
-          <a:p>
-            <a:pPr algn="just"/>
-            <a:endParaRPr lang="ru-RU" dirty="0" smtClean="0">
-              <a:latin typeface="Times New Roman"/>
-              <a:ea typeface="+mn-lt"/>
-              <a:cs typeface="Times New Roman"/>
-            </a:endParaRPr>
-          </a:p>
-          <a:p>
-            <a:pPr algn="just"/>
-            <a:r>
-              <a:rPr lang="ru-RU" sz="1400" dirty="0" err="1" smtClean="0">
-                <a:solidFill>
-                  <a:srgbClr val="569CD6"/>
-                </a:solidFill>
-                <a:latin typeface="Times New Roman"/>
-                <a:ea typeface="+mn-lt"/>
-                <a:cs typeface="Times New Roman"/>
-              </a:rPr>
-              <a:t>const</a:t>
-            </a:r>
-            <a:r>
-              <a:rPr lang="ru-RU" sz="1400" dirty="0" smtClean="0">
-                <a:solidFill>
-                  <a:srgbClr val="D4D4D4"/>
-                </a:solidFill>
-                <a:latin typeface="Times New Roman"/>
-                <a:ea typeface="+mn-lt"/>
-                <a:cs typeface="Times New Roman"/>
-              </a:rPr>
-              <a:t> </a:t>
-            </a:r>
-            <a:r>
-              <a:rPr lang="ru-RU" sz="1400" dirty="0" err="1">
-                <a:solidFill>
-                  <a:srgbClr val="4FC1FF"/>
-                </a:solidFill>
-                <a:latin typeface="Times New Roman"/>
-                <a:ea typeface="+mn-lt"/>
-                <a:cs typeface="Times New Roman"/>
-              </a:rPr>
-              <a:t>apiKey</a:t>
-            </a:r>
-            <a:r>
-              <a:rPr lang="ru-RU" sz="1400" dirty="0">
-                <a:solidFill>
-                  <a:srgbClr val="D4D4D4"/>
-                </a:solidFill>
-                <a:latin typeface="Times New Roman"/>
-                <a:ea typeface="+mn-lt"/>
-                <a:cs typeface="Times New Roman"/>
-              </a:rPr>
-              <a:t> = </a:t>
-            </a:r>
-            <a:r>
-              <a:rPr lang="ru-RU" sz="1400" dirty="0">
-                <a:solidFill>
-                  <a:srgbClr val="CE9178"/>
-                </a:solidFill>
-                <a:latin typeface="Times New Roman"/>
-                <a:ea typeface="+mn-lt"/>
-                <a:cs typeface="Times New Roman"/>
-              </a:rPr>
-              <a:t>'e9a5d3b74bf84418b11193028231901</a:t>
-            </a:r>
-            <a:r>
-              <a:rPr lang="ru-RU" sz="1400" dirty="0" smtClean="0">
-                <a:solidFill>
-                  <a:srgbClr val="CE9178"/>
-                </a:solidFill>
-                <a:latin typeface="Times New Roman"/>
-                <a:ea typeface="+mn-lt"/>
-                <a:cs typeface="Times New Roman"/>
-              </a:rPr>
-              <a:t>'</a:t>
-            </a:r>
-            <a:r>
-              <a:rPr lang="ru-RU" sz="1400" dirty="0" smtClean="0">
-                <a:solidFill>
-                  <a:srgbClr val="D4D4D4"/>
-                </a:solidFill>
-                <a:latin typeface="Times New Roman"/>
-                <a:ea typeface="+mn-lt"/>
-                <a:cs typeface="Times New Roman"/>
-              </a:rPr>
-              <a:t>;</a:t>
-            </a:r>
-            <a:endParaRPr lang="en-US" sz="1400" dirty="0" smtClean="0">
-              <a:solidFill>
-                <a:srgbClr val="D4D4D4"/>
-              </a:solidFill>
-              <a:latin typeface="Times New Roman"/>
-              <a:ea typeface="+mn-lt"/>
-              <a:cs typeface="Times New Roman"/>
-            </a:endParaRPr>
-          </a:p>
-          <a:p>
-            <a:pPr algn="just"/>
-            <a:endParaRPr lang="ru-RU" sz="1400" dirty="0">
-              <a:latin typeface="Calibri"/>
-              <a:ea typeface="+mn-lt"/>
-              <a:cs typeface="Calibri"/>
-            </a:endParaRPr>
-          </a:p>
-          <a:p>
-            <a:pPr algn="just"/>
-            <a:r>
-              <a:rPr lang="ru-RU" dirty="0" smtClean="0">
-                <a:latin typeface="Calibri"/>
-                <a:ea typeface="+mn-lt"/>
-                <a:cs typeface="Calibri"/>
-              </a:rPr>
-              <a:t>Функция удаления предыдущей карточки, после нового запроса прогноза погоды.</a:t>
-            </a:r>
-            <a:endParaRPr lang="en-US" dirty="0" smtClean="0">
-              <a:latin typeface="Calibri"/>
-              <a:ea typeface="+mn-lt"/>
-              <a:cs typeface="Calibri"/>
-            </a:endParaRPr>
-          </a:p>
-          <a:p>
-            <a:pPr algn="just"/>
-            <a:endParaRPr lang="ru-RU" dirty="0">
-              <a:latin typeface="Calibri"/>
-              <a:ea typeface="+mn-lt"/>
-              <a:cs typeface="Calibri"/>
-            </a:endParaRPr>
-          </a:p>
-          <a:p>
-            <a:pPr algn="just"/>
-            <a:r>
-              <a:rPr lang="ru-RU" sz="1400" dirty="0" err="1">
-                <a:solidFill>
-                  <a:srgbClr val="569CD6"/>
-                </a:solidFill>
-                <a:latin typeface="Times New Roman"/>
-                <a:ea typeface="+mn-lt"/>
-                <a:cs typeface="Times New Roman"/>
-              </a:rPr>
-              <a:t>function</a:t>
-            </a:r>
-            <a:r>
-              <a:rPr lang="ru-RU" sz="1400" dirty="0">
-                <a:solidFill>
-                  <a:srgbClr val="D4D4D4"/>
-                </a:solidFill>
-                <a:latin typeface="Times New Roman"/>
-                <a:ea typeface="+mn-lt"/>
-                <a:cs typeface="Times New Roman"/>
-              </a:rPr>
-              <a:t> </a:t>
-            </a:r>
-            <a:r>
-              <a:rPr lang="ru-RU" sz="1400" dirty="0" err="1">
-                <a:solidFill>
-                  <a:srgbClr val="DCDCAA"/>
-                </a:solidFill>
-                <a:latin typeface="Times New Roman"/>
-                <a:ea typeface="+mn-lt"/>
-                <a:cs typeface="Times New Roman"/>
-              </a:rPr>
-              <a:t>removeCard</a:t>
-            </a:r>
-            <a:r>
-              <a:rPr lang="ru-RU" sz="1400" dirty="0">
-                <a:solidFill>
-                  <a:srgbClr val="D4D4D4"/>
-                </a:solidFill>
-                <a:latin typeface="Times New Roman"/>
-                <a:ea typeface="+mn-lt"/>
-                <a:cs typeface="Times New Roman"/>
-              </a:rPr>
-              <a:t>() {</a:t>
-            </a:r>
-          </a:p>
-          <a:p>
-            <a:pPr algn="just"/>
-            <a:r>
-              <a:rPr lang="ru-RU" sz="1400" dirty="0">
-                <a:solidFill>
-                  <a:srgbClr val="D4D4D4"/>
-                </a:solidFill>
-                <a:latin typeface="Times New Roman"/>
-                <a:ea typeface="+mn-lt"/>
-                <a:cs typeface="Times New Roman"/>
-              </a:rPr>
-              <a:t>    </a:t>
-            </a:r>
-            <a:r>
-              <a:rPr lang="ru-RU" sz="1400" dirty="0" err="1">
-                <a:solidFill>
-                  <a:srgbClr val="569CD6"/>
-                </a:solidFill>
-                <a:latin typeface="Times New Roman"/>
-                <a:ea typeface="+mn-lt"/>
-                <a:cs typeface="Times New Roman"/>
-              </a:rPr>
-              <a:t>const</a:t>
-            </a:r>
-            <a:r>
-              <a:rPr lang="ru-RU" sz="1400" dirty="0">
-                <a:solidFill>
-                  <a:srgbClr val="D4D4D4"/>
-                </a:solidFill>
-                <a:latin typeface="Times New Roman"/>
-                <a:ea typeface="+mn-lt"/>
-                <a:cs typeface="Times New Roman"/>
-              </a:rPr>
-              <a:t> </a:t>
-            </a:r>
-            <a:r>
-              <a:rPr lang="ru-RU" sz="1400" dirty="0" err="1">
-                <a:solidFill>
-                  <a:srgbClr val="4FC1FF"/>
-                </a:solidFill>
-                <a:latin typeface="Times New Roman"/>
-                <a:ea typeface="+mn-lt"/>
-                <a:cs typeface="Times New Roman"/>
-              </a:rPr>
-              <a:t>prevCard</a:t>
-            </a:r>
-            <a:r>
-              <a:rPr lang="ru-RU" sz="1400" dirty="0">
-                <a:solidFill>
-                  <a:srgbClr val="D4D4D4"/>
-                </a:solidFill>
-                <a:latin typeface="Times New Roman"/>
-                <a:ea typeface="+mn-lt"/>
-                <a:cs typeface="Times New Roman"/>
-              </a:rPr>
-              <a:t> = </a:t>
-            </a:r>
-            <a:r>
-              <a:rPr lang="ru-RU" sz="1400" dirty="0" err="1">
-                <a:solidFill>
-                  <a:srgbClr val="9CDCFE"/>
-                </a:solidFill>
-                <a:latin typeface="Times New Roman"/>
-                <a:ea typeface="+mn-lt"/>
-                <a:cs typeface="Times New Roman"/>
-              </a:rPr>
-              <a:t>document</a:t>
-            </a:r>
-            <a:r>
-              <a:rPr lang="ru-RU" sz="1400" dirty="0" err="1">
-                <a:solidFill>
-                  <a:srgbClr val="D4D4D4"/>
-                </a:solidFill>
-                <a:latin typeface="Times New Roman"/>
-                <a:ea typeface="+mn-lt"/>
-                <a:cs typeface="Times New Roman"/>
-              </a:rPr>
-              <a:t>.</a:t>
-            </a:r>
-            <a:r>
-              <a:rPr lang="ru-RU" sz="1400" dirty="0" err="1">
-                <a:solidFill>
-                  <a:srgbClr val="DCDCAA"/>
-                </a:solidFill>
-                <a:latin typeface="Times New Roman"/>
-                <a:ea typeface="+mn-lt"/>
-                <a:cs typeface="Times New Roman"/>
-              </a:rPr>
-              <a:t>querySelector</a:t>
-            </a:r>
-            <a:r>
-              <a:rPr lang="ru-RU" sz="1400" dirty="0">
-                <a:solidFill>
-                  <a:srgbClr val="D4D4D4"/>
-                </a:solidFill>
-                <a:latin typeface="Times New Roman"/>
-                <a:ea typeface="+mn-lt"/>
-                <a:cs typeface="Times New Roman"/>
-              </a:rPr>
-              <a:t>(</a:t>
-            </a:r>
-            <a:r>
-              <a:rPr lang="ru-RU" sz="1400" dirty="0">
-                <a:solidFill>
-                  <a:srgbClr val="CE9178"/>
-                </a:solidFill>
-                <a:latin typeface="Times New Roman"/>
-                <a:ea typeface="+mn-lt"/>
-                <a:cs typeface="Times New Roman"/>
-              </a:rPr>
-              <a:t>'.</a:t>
-            </a:r>
-            <a:r>
-              <a:rPr lang="ru-RU" sz="1400" dirty="0" err="1">
-                <a:solidFill>
-                  <a:srgbClr val="CE9178"/>
-                </a:solidFill>
-                <a:latin typeface="Times New Roman"/>
-                <a:ea typeface="+mn-lt"/>
-                <a:cs typeface="Times New Roman"/>
-              </a:rPr>
-              <a:t>card</a:t>
-            </a:r>
-            <a:r>
-              <a:rPr lang="ru-RU" sz="1400" dirty="0">
-                <a:solidFill>
-                  <a:srgbClr val="CE9178"/>
-                </a:solidFill>
-                <a:latin typeface="Times New Roman"/>
-                <a:ea typeface="+mn-lt"/>
-                <a:cs typeface="Times New Roman"/>
-              </a:rPr>
-              <a:t>'</a:t>
-            </a:r>
-            <a:r>
-              <a:rPr lang="ru-RU" sz="1400" dirty="0">
-                <a:solidFill>
-                  <a:srgbClr val="D4D4D4"/>
-                </a:solidFill>
-                <a:latin typeface="Times New Roman"/>
-                <a:ea typeface="+mn-lt"/>
-                <a:cs typeface="Times New Roman"/>
-              </a:rPr>
-              <a:t>);</a:t>
-            </a:r>
-            <a:endParaRPr lang="ru-RU" sz="1400" dirty="0">
-              <a:solidFill>
-                <a:srgbClr val="D4D4D4"/>
-              </a:solidFill>
-              <a:latin typeface="Times New Roman"/>
-              <a:cs typeface="Times New Roman"/>
-            </a:endParaRPr>
-          </a:p>
-          <a:p>
-            <a:pPr algn="just"/>
-            <a:r>
-              <a:rPr lang="ru-RU" sz="1400" dirty="0">
-                <a:solidFill>
-                  <a:srgbClr val="D4D4D4"/>
-                </a:solidFill>
-                <a:latin typeface="Times New Roman"/>
-                <a:ea typeface="+mn-lt"/>
-                <a:cs typeface="Times New Roman"/>
-              </a:rPr>
-              <a:t>    </a:t>
-            </a:r>
-            <a:r>
-              <a:rPr lang="ru-RU" sz="1400" dirty="0" err="1">
-                <a:solidFill>
-                  <a:srgbClr val="C586C0"/>
-                </a:solidFill>
-                <a:latin typeface="Times New Roman"/>
-                <a:ea typeface="+mn-lt"/>
-                <a:cs typeface="Times New Roman"/>
-              </a:rPr>
-              <a:t>if</a:t>
-            </a:r>
-            <a:r>
-              <a:rPr lang="ru-RU" sz="1400" dirty="0">
-                <a:solidFill>
-                  <a:srgbClr val="D4D4D4"/>
-                </a:solidFill>
-                <a:latin typeface="Times New Roman"/>
-                <a:ea typeface="+mn-lt"/>
-                <a:cs typeface="Times New Roman"/>
-              </a:rPr>
-              <a:t> (</a:t>
-            </a:r>
-            <a:r>
-              <a:rPr lang="ru-RU" sz="1400" dirty="0" err="1">
-                <a:solidFill>
-                  <a:srgbClr val="4FC1FF"/>
-                </a:solidFill>
-                <a:latin typeface="Times New Roman"/>
-                <a:ea typeface="+mn-lt"/>
-                <a:cs typeface="Times New Roman"/>
-              </a:rPr>
-              <a:t>prevCard</a:t>
-            </a:r>
-            <a:r>
-              <a:rPr lang="ru-RU" sz="1400" dirty="0">
-                <a:solidFill>
-                  <a:srgbClr val="D4D4D4"/>
-                </a:solidFill>
-                <a:latin typeface="Times New Roman"/>
-                <a:ea typeface="+mn-lt"/>
-                <a:cs typeface="Times New Roman"/>
-              </a:rPr>
-              <a:t>) </a:t>
-            </a:r>
-            <a:r>
-              <a:rPr lang="ru-RU" sz="1400" dirty="0" err="1">
-                <a:solidFill>
-                  <a:srgbClr val="4FC1FF"/>
-                </a:solidFill>
-                <a:latin typeface="Times New Roman"/>
-                <a:ea typeface="+mn-lt"/>
-                <a:cs typeface="Times New Roman"/>
-              </a:rPr>
-              <a:t>prevCard</a:t>
-            </a:r>
-            <a:r>
-              <a:rPr lang="ru-RU" sz="1400" dirty="0" err="1">
-                <a:solidFill>
-                  <a:srgbClr val="D4D4D4"/>
-                </a:solidFill>
-                <a:latin typeface="Times New Roman"/>
-                <a:ea typeface="+mn-lt"/>
-                <a:cs typeface="Times New Roman"/>
-              </a:rPr>
-              <a:t>.</a:t>
-            </a:r>
-            <a:r>
-              <a:rPr lang="ru-RU" sz="1400" dirty="0" err="1">
-                <a:solidFill>
-                  <a:srgbClr val="DCDCAA"/>
-                </a:solidFill>
-                <a:latin typeface="Times New Roman"/>
-                <a:ea typeface="+mn-lt"/>
-                <a:cs typeface="Times New Roman"/>
-              </a:rPr>
-              <a:t>remove</a:t>
-            </a:r>
-            <a:r>
-              <a:rPr lang="ru-RU" sz="1400" dirty="0" smtClean="0">
-                <a:solidFill>
-                  <a:srgbClr val="D4D4D4"/>
-                </a:solidFill>
-                <a:latin typeface="Times New Roman"/>
-                <a:ea typeface="+mn-lt"/>
-                <a:cs typeface="Times New Roman"/>
-              </a:rPr>
-              <a:t>();</a:t>
-            </a:r>
-            <a:endParaRPr lang="ru-RU" sz="1400" dirty="0">
-              <a:solidFill>
-                <a:srgbClr val="D4D4D4"/>
-              </a:solidFill>
-              <a:latin typeface="Times New Roman"/>
-              <a:ea typeface="+mn-lt"/>
-              <a:cs typeface="Times New Roman"/>
-            </a:endParaRPr>
-          </a:p>
-          <a:p>
-            <a:pPr algn="just"/>
-            <a:r>
-              <a:rPr lang="ru-RU" sz="1000" dirty="0" smtClean="0">
-                <a:solidFill>
-                  <a:srgbClr val="D4D4D4"/>
-                </a:solidFill>
-                <a:latin typeface="Times New Roman"/>
-                <a:ea typeface="+mn-lt"/>
-                <a:cs typeface="Times New Roman"/>
-              </a:rPr>
-              <a:t>}</a:t>
-            </a:r>
-            <a:endParaRPr lang="en-US" sz="1000" dirty="0" smtClean="0">
-              <a:solidFill>
-                <a:srgbClr val="D4D4D4"/>
-              </a:solidFill>
-              <a:latin typeface="Times New Roman"/>
-              <a:ea typeface="+mn-lt"/>
-              <a:cs typeface="Times New Roman"/>
-            </a:endParaRPr>
-          </a:p>
-          <a:p>
-            <a:pPr algn="just"/>
-            <a:endParaRPr lang="ru-RU" sz="1000" dirty="0">
-              <a:latin typeface="Calibri"/>
-              <a:ea typeface="+mn-lt"/>
-              <a:cs typeface="Calibri"/>
-            </a:endParaRPr>
-          </a:p>
-          <a:p>
-            <a:pPr algn="just"/>
-            <a:endParaRPr lang="ru-RU" sz="1000" dirty="0">
-              <a:solidFill>
-                <a:srgbClr val="6A9955"/>
-              </a:solidFill>
-              <a:latin typeface="Times New Roman"/>
-              <a:cs typeface="Times New Roman"/>
-            </a:endParaRPr>
-          </a:p>
-          <a:p>
-            <a:pPr algn="just"/>
-            <a:endParaRPr lang="ru-RU" sz="800" b="1" dirty="0">
-              <a:latin typeface="Times New Roman" panose="02020603050405020304" pitchFamily="18" charset="0"/>
-              <a:cs typeface="Times New Roman"/>
-            </a:endParaRPr>
-          </a:p>
-        </p:txBody>
-      </p:sp>
-      <p:sp>
-        <p:nvSpPr>
-          <p:cNvPr id="6" name="TextBox 5">
-            <a:extLst>
-              <a:ext uri="{FF2B5EF4-FFF2-40B4-BE49-F238E27FC236}">
-                <a16:creationId xmlns:a16="http://schemas.microsoft.com/office/drawing/2014/main" xmlns="" id="{3C9CF4A2-79CA-F1C9-46BA-C86037CFA5D6}"/>
-              </a:ext>
-            </a:extLst>
-          </p:cNvPr>
-          <p:cNvSpPr txBox="1"/>
-          <p:nvPr/>
-        </p:nvSpPr>
-        <p:spPr>
-          <a:xfrm>
-            <a:off x="166745" y="1424115"/>
-            <a:ext cx="4308151" cy="4939814"/>
-          </a:xfrm>
-          <a:prstGeom prst="rect">
-            <a:avLst/>
-          </a:prstGeom>
-          <a:noFill/>
-        </p:spPr>
-        <p:txBody>
-          <a:bodyPr wrap="square" lIns="91440" tIns="45720" rIns="91440" bIns="45720" rtlCol="0" anchor="t">
-            <a:spAutoFit/>
-          </a:bodyPr>
-          <a:lstStyle/>
-          <a:p>
             <a:pPr algn="just">
               <a:lnSpc>
                 <a:spcPct val="150000"/>
@@ -3771,310 +3229,11 @@
             </a:pPr>
             <a:r>
               <a:rPr lang="ru-RU" sz="1400" dirty="0">
-                <a:latin typeface="Times New Roman"/>
-                <a:ea typeface="+mn-lt"/>
-                <a:cs typeface="Times New Roman"/>
-              </a:rPr>
-              <a:t>Программный продукт «Мониторинг погоды» выводит данные о погоде с сайта </a:t>
-            </a:r>
-            <a:r>
-              <a:rPr lang="en-US" sz="1400" dirty="0" err="1">
-                <a:latin typeface="Times New Roman"/>
-                <a:ea typeface="+mn-lt"/>
-                <a:cs typeface="Times New Roman"/>
-              </a:rPr>
-              <a:t>OpenWeather</a:t>
-            </a:r>
-            <a:r>
-              <a:rPr lang="ru-RU" sz="1400" dirty="0">
-                <a:latin typeface="Times New Roman"/>
-                <a:ea typeface="+mn-lt"/>
-                <a:cs typeface="Times New Roman"/>
-              </a:rPr>
-              <a:t> в соответствии с местоположением пользователя.</a:t>
+                <a:cs typeface="Times New Roman"/>
+              </a:rPr>
+              <a:t>При создании приложения «Мониторинг погоды» был использован следующий прием – модульное программирование.</a:t>
             </a:r>
             <a:endParaRPr lang="ru-RU" dirty="0"/>
-          </a:p>
-          <a:p>
-            <a:pPr algn="just">
-              <a:lnSpc>
-                <a:spcPct val="150000"/>
-              </a:lnSpc>
-            </a:pPr>
-            <a:r>
-              <a:rPr lang="ru-RU" sz="1400" dirty="0">
-                <a:latin typeface="Times New Roman"/>
-                <a:ea typeface="+mn-lt"/>
-                <a:cs typeface="Times New Roman"/>
-              </a:rPr>
-              <a:t>В своей программе я использовал:</a:t>
-            </a:r>
-            <a:endParaRPr lang="ru-RU" sz="1400" dirty="0">
-              <a:latin typeface="Times New Roman"/>
-              <a:cs typeface="Times New Roman"/>
-            </a:endParaRPr>
-          </a:p>
-          <a:p>
-            <a:pPr marL="571500" indent="-285750" algn="just">
-              <a:lnSpc>
-                <a:spcPct val="150000"/>
-              </a:lnSpc>
-              <a:buFont typeface="Arial" panose="020B0604020202020204" pitchFamily="34" charset="0"/>
-              <a:buChar char="•"/>
-            </a:pPr>
-            <a:r>
-              <a:rPr lang="ru-RU" sz="1400" dirty="0">
-                <a:latin typeface="Times New Roman"/>
-                <a:ea typeface="+mn-lt"/>
-                <a:cs typeface="Times New Roman"/>
-              </a:rPr>
-              <a:t>Язык программирования </a:t>
-            </a:r>
-            <a:r>
-              <a:rPr lang="en-US" sz="1400" dirty="0">
-                <a:latin typeface="Times New Roman"/>
-                <a:ea typeface="+mn-lt"/>
-                <a:cs typeface="Times New Roman"/>
-              </a:rPr>
-              <a:t>JavaScript</a:t>
-            </a:r>
-            <a:endParaRPr lang="ru-RU" sz="1400" dirty="0">
-              <a:latin typeface="Times New Roman"/>
-              <a:cs typeface="Times New Roman"/>
-            </a:endParaRPr>
-          </a:p>
-          <a:p>
-            <a:pPr marL="571500" indent="-285750" algn="just">
-              <a:lnSpc>
-                <a:spcPct val="150000"/>
-              </a:lnSpc>
-              <a:buFont typeface="Arial" panose="020B0604020202020204" pitchFamily="34" charset="0"/>
-              <a:buChar char="•"/>
-            </a:pPr>
-            <a:r>
-              <a:rPr lang="ru-RU" sz="1400" dirty="0">
-                <a:latin typeface="Times New Roman"/>
-                <a:ea typeface="+mn-lt"/>
-                <a:cs typeface="Times New Roman"/>
-              </a:rPr>
-              <a:t>Язык разметки </a:t>
-            </a:r>
-            <a:r>
-              <a:rPr lang="en-US" sz="1400" dirty="0">
-                <a:latin typeface="Times New Roman"/>
-                <a:ea typeface="+mn-lt"/>
-                <a:cs typeface="Times New Roman"/>
-              </a:rPr>
-              <a:t>HTML</a:t>
-            </a:r>
-            <a:endParaRPr lang="ru-RU" sz="1400" dirty="0">
-              <a:latin typeface="Times New Roman"/>
-              <a:ea typeface="+mn-lt"/>
-              <a:cs typeface="Times New Roman"/>
-            </a:endParaRPr>
-          </a:p>
-          <a:p>
-            <a:pPr marL="571500" indent="-285750" algn="just">
-              <a:lnSpc>
-                <a:spcPct val="150000"/>
-              </a:lnSpc>
-              <a:buFont typeface="Arial" panose="020B0604020202020204" pitchFamily="34" charset="0"/>
-              <a:buChar char="•"/>
-            </a:pPr>
-            <a:r>
-              <a:rPr lang="ru-RU" sz="1400" dirty="0">
-                <a:latin typeface="Times New Roman"/>
-                <a:ea typeface="+mn-lt"/>
-                <a:cs typeface="Times New Roman"/>
-              </a:rPr>
-              <a:t>Язык </a:t>
-            </a:r>
-            <a:r>
-              <a:rPr lang="ru-RU" sz="1400" dirty="0" smtClean="0">
-                <a:latin typeface="Times New Roman"/>
-                <a:ea typeface="+mn-lt"/>
-                <a:cs typeface="Times New Roman"/>
-              </a:rPr>
-              <a:t>стилей </a:t>
-            </a:r>
-            <a:r>
-              <a:rPr lang="en-US" sz="1400" dirty="0" smtClean="0">
-                <a:latin typeface="Times New Roman"/>
-                <a:ea typeface="+mn-lt"/>
-                <a:cs typeface="Times New Roman"/>
-              </a:rPr>
-              <a:t>CSS</a:t>
-            </a:r>
-            <a:endParaRPr lang="ru-RU" sz="1400" dirty="0">
-              <a:latin typeface="Times New Roman"/>
-              <a:ea typeface="+mn-lt"/>
-              <a:cs typeface="Times New Roman"/>
-            </a:endParaRPr>
-          </a:p>
-          <a:p>
-            <a:pPr marL="571500" indent="-285750" algn="just">
-              <a:lnSpc>
-                <a:spcPct val="150000"/>
-              </a:lnSpc>
-              <a:buFont typeface="Arial" panose="020B0604020202020204" pitchFamily="34" charset="0"/>
-              <a:buChar char="•"/>
-            </a:pPr>
-            <a:r>
-              <a:rPr lang="ru-RU" sz="1400" dirty="0">
-                <a:latin typeface="Times New Roman"/>
-                <a:cs typeface="Times New Roman"/>
-              </a:rPr>
-              <a:t>Текстовый редактор – </a:t>
-            </a:r>
-            <a:r>
-              <a:rPr lang="en-US" sz="1400" dirty="0">
-                <a:latin typeface="Times New Roman"/>
-                <a:cs typeface="Times New Roman"/>
-              </a:rPr>
-              <a:t>Visual Studio Code</a:t>
-            </a:r>
-          </a:p>
-          <a:p>
-            <a:pPr algn="just">
-              <a:lnSpc>
-                <a:spcPct val="150000"/>
-              </a:lnSpc>
-            </a:pPr>
-            <a:r>
-              <a:rPr lang="ru-RU" sz="1400" dirty="0">
-                <a:latin typeface="Times New Roman"/>
-                <a:cs typeface="Times New Roman"/>
-              </a:rPr>
-              <a:t>Плагины:</a:t>
-            </a:r>
-            <a:endParaRPr lang="en-US" sz="1400" dirty="0">
-              <a:latin typeface="Times New Roman"/>
-              <a:cs typeface="Times New Roman"/>
-            </a:endParaRPr>
-          </a:p>
-          <a:p>
-            <a:pPr marL="285750" indent="-285750" algn="just">
-              <a:lnSpc>
-                <a:spcPct val="150000"/>
-              </a:lnSpc>
-              <a:buFont typeface="Arial" panose="020B0604020202020204" pitchFamily="34" charset="0"/>
-              <a:buChar char="•"/>
-            </a:pPr>
-            <a:r>
-              <a:rPr lang="ru-RU" sz="1400" dirty="0">
-                <a:latin typeface="Times New Roman"/>
-                <a:cs typeface="Times New Roman"/>
-              </a:rPr>
-              <a:t>Live Server </a:t>
-            </a:r>
-            <a:endParaRPr lang="en-US" sz="1400" dirty="0">
-              <a:latin typeface="Times New Roman"/>
-              <a:cs typeface="Times New Roman"/>
-            </a:endParaRPr>
-          </a:p>
-          <a:p>
-            <a:pPr marL="285750" indent="-285750" algn="just">
-              <a:lnSpc>
-                <a:spcPct val="150000"/>
-              </a:lnSpc>
-              <a:buFont typeface="Arial" panose="020B0604020202020204" pitchFamily="34" charset="0"/>
-              <a:buChar char="•"/>
-            </a:pPr>
-            <a:r>
-              <a:rPr lang="ru-RU" sz="1400" dirty="0">
-                <a:latin typeface="Times New Roman"/>
-                <a:cs typeface="Times New Roman"/>
-              </a:rPr>
-              <a:t>Prettier – </a:t>
-            </a:r>
-            <a:r>
-              <a:rPr lang="en-US" sz="1400" dirty="0">
-                <a:latin typeface="Times New Roman"/>
-                <a:cs typeface="Times New Roman"/>
-              </a:rPr>
-              <a:t>Code</a:t>
-            </a:r>
-            <a:r>
-              <a:rPr lang="ru-RU" sz="1400" dirty="0">
-                <a:latin typeface="Times New Roman"/>
-                <a:cs typeface="Times New Roman"/>
-              </a:rPr>
-              <a:t> </a:t>
-            </a:r>
-            <a:r>
-              <a:rPr lang="en-US" sz="1400" dirty="0">
-                <a:latin typeface="Times New Roman"/>
-                <a:cs typeface="Times New Roman"/>
-              </a:rPr>
-              <a:t>Formatter</a:t>
-            </a:r>
-            <a:r>
-              <a:rPr lang="ru-RU" sz="1400" dirty="0">
-                <a:latin typeface="Times New Roman"/>
-                <a:cs typeface="Times New Roman"/>
-              </a:rPr>
-              <a:t> </a:t>
-            </a:r>
-            <a:endParaRPr lang="en-US" sz="1400" dirty="0">
-              <a:latin typeface="Times New Roman"/>
-              <a:cs typeface="Times New Roman"/>
-            </a:endParaRPr>
-          </a:p>
-          <a:p>
-            <a:pPr algn="just">
-              <a:lnSpc>
-                <a:spcPct val="150000"/>
-              </a:lnSpc>
-            </a:pPr>
-            <a:r>
-              <a:rPr lang="ru-RU" sz="1400" dirty="0" smtClean="0">
-                <a:latin typeface="Times New Roman" panose="02020603050405020304" pitchFamily="18" charset="0"/>
-                <a:cs typeface="Times New Roman" panose="02020603050405020304" pitchFamily="18" charset="0"/>
-              </a:rPr>
-              <a:t>Размер </a:t>
-            </a:r>
-            <a:r>
-              <a:rPr lang="ru-RU" sz="1400" dirty="0">
-                <a:latin typeface="Times New Roman" panose="02020603050405020304" pitchFamily="18" charset="0"/>
-                <a:cs typeface="Times New Roman" panose="02020603050405020304" pitchFamily="18" charset="0"/>
-              </a:rPr>
-              <a:t>- 18,7 МБ (19 650 091 байт)</a:t>
-            </a:r>
-            <a:endParaRPr lang="en-US" sz="1400" dirty="0">
-              <a:latin typeface="Times New Roman" panose="02020603050405020304" pitchFamily="18" charset="0"/>
-              <a:cs typeface="Times New Roman" panose="02020603050405020304" pitchFamily="18" charset="0"/>
-            </a:endParaRPr>
-          </a:p>
-          <a:p>
-            <a:pPr algn="just">
-              <a:lnSpc>
-                <a:spcPct val="150000"/>
-              </a:lnSpc>
-            </a:pPr>
-            <a:r>
-              <a:rPr lang="ru-RU" sz="1400" dirty="0">
-                <a:latin typeface="Times New Roman" panose="02020603050405020304" pitchFamily="18" charset="0"/>
-                <a:cs typeface="Times New Roman" panose="02020603050405020304" pitchFamily="18" charset="0"/>
-              </a:rPr>
-              <a:t>На диске - 18,7 МБ (19 685 376 байт)</a:t>
-            </a:r>
-            <a:endParaRPr lang="en-US" sz="1400" dirty="0">
-              <a:latin typeface="Times New Roman" panose="02020603050405020304" pitchFamily="18" charset="0"/>
-              <a:cs typeface="Times New Roman" panose="02020603050405020304" pitchFamily="18" charset="0"/>
-            </a:endParaRPr>
-          </a:p>
-          <a:p>
-            <a:pPr marL="285750" algn="just">
-              <a:lnSpc>
-                <a:spcPct val="150000"/>
-              </a:lnSpc>
-              <a:buFont typeface="Symbol"/>
-              <a:buChar char="•"/>
-            </a:pPr>
-            <a:endParaRPr lang="en-US" sz="1400" dirty="0">
-              <a:latin typeface="Times New Roman" panose="02020603050405020304" pitchFamily="18" charset="0"/>
-              <a:cs typeface="Times New Roman" panose="02020603050405020304" pitchFamily="18" charset="0"/>
-            </a:endParaRPr>
           </a:p>
           <a:p>
             <a:pPr algn="just">
@@ -4083,16 +3242,39 @@
               </a:lnSpc>
             </a:pPr>
             <a:endParaRPr lang="ru-RU" sz="1400" dirty="0">
-              <a:latin typeface="Times New Roman" panose="02020603050405020304" pitchFamily="18" charset="0"/>
               <a:cs typeface="Times New Roman" panose="02020603050405020304" pitchFamily="18" charset="0"/>
             </a:endParaRPr>
           </a:p>
         </p:txBody>
       </p:sp>
+      <p:pic>
+        <p:nvPicPr>
+          <p:cNvPr id="3" name="Рисунок 2"/>
+          <p:cNvPicPr>
+            <a:picLocks noChangeAspect="1"/>
+          </p:cNvPicPr>
+          <p:nvPr/>
+        </p:nvPicPr>
+        <p:blipFill>
+          <a:blip r:embed="rId3"/>
+          <a:stretch>
+            <a:fillRect/>
+          </a:stretch>
+        </p:blipFill>
+        <p:spPr>
+          <a:xfrm>
+            <a:off x="2267722" y="2636263"/>
+            <a:ext cx="4124987" cy="3557941"/>
+          </a:xfrm>
+          <a:prstGeom prst="rect">
+            <a:avLst/>
+          </a:prstGeom>
+        </p:spPr>
+      </p:pic>
     </p:spTree>
     <p:extLst>
       <p:ext uri="{BB962C8B-B14F-4D97-AF65-F5344CB8AC3E}">
-        <p14:creationId xmlns:p14="http://schemas.microsoft.com/office/powerpoint/2010/main" val="2482637325"/>
+        <p14:creationId xmlns:p14="http://schemas.microsoft.com/office/powerpoint/2010/main" val="3899551562"/>
       </p:ext>
     </p:extLst>
   </p:cSld>
@@ -4145,8 +3327,8 @@
         </p:nvSpPr>
         <p:spPr>
           <a:xfrm>
-            <a:off x="3309698" y="106208"/>
-            <a:ext cx="5903084" cy="1115216"/>
+            <a:off x="3698117" y="114300"/>
+            <a:ext cx="6319525" cy="1115216"/>
           </a:xfrm>
         </p:spPr>
         <p:txBody>
@@ -4161,29 +3343,36 @@
                 <a:solidFill>
                   <a:schemeClr val="bg1"/>
                 </a:solidFill>
-                <a:latin typeface="Times New Roman"/>
-                <a:cs typeface="Times New Roman"/>
-              </a:rPr>
-              <a:t>Тестирование и отладка</a:t>
-            </a:r>
-            <a:endParaRPr lang="ru-RU" dirty="0">
+                <a:latin typeface="+mj-lt"/>
+                <a:cs typeface="Times New Roman"/>
+              </a:rPr>
+              <a:t>Текст программы с описанием</a:t>
+            </a:r>
+            <a:endParaRPr lang="ru-RU" sz="4000" dirty="0">
               <a:solidFill>
                 <a:schemeClr val="bg1"/>
               </a:solidFill>
+              <a:latin typeface="+mj-lt"/>
             </a:endParaRPr>
           </a:p>
         </p:txBody>
       </p:sp>
       <p:sp>
         <p:nvSpPr>
-          <p:cNvPr id="5" name="TextBox 4"/>
+          <p:cNvPr id="4" name="TextBox 3">
+            <a:extLst>
+              <a:ext uri="{FF2B5EF4-FFF2-40B4-BE49-F238E27FC236}">
+                <a16:creationId xmlns="" xmlns:a16="http://schemas.microsoft.com/office/drawing/2014/main" id="{B7C4C22B-F077-3D1F-547F-944EFA374D1C}"/>
+              </a:ext>
+            </a:extLst>
+          </p:cNvPr>
           <p:cNvSpPr txBox="1"/>
           <p:nvPr/>
         </p:nvSpPr>
         <p:spPr>
           <a:xfrm>
-            <a:off x="115972" y="1518571"/>
-            <a:ext cx="8704348" cy="3323987"/>
+            <a:off x="4549336" y="1569773"/>
+            <a:ext cx="4303351" cy="3970318"/>
           </a:xfrm>
           <a:prstGeom prst="rect">
             <a:avLst/>
@@ -4196,6 +3385,509 @@
           </a:bodyPr>
           <a:lstStyle/>
           <a:p>
+            <a:pPr algn="just"/>
+            <a:r>
+              <a:rPr lang="ru-RU" dirty="0" smtClean="0">
+                <a:ea typeface="+mn-lt"/>
+                <a:cs typeface="Times New Roman"/>
+              </a:rPr>
+              <a:t>Вставляем </a:t>
+            </a:r>
+            <a:r>
+              <a:rPr lang="en-US" dirty="0" smtClean="0">
+                <a:ea typeface="+mn-lt"/>
+                <a:cs typeface="Times New Roman"/>
+              </a:rPr>
+              <a:t>API </a:t>
+            </a:r>
+            <a:r>
+              <a:rPr lang="ru-RU" dirty="0" smtClean="0">
+                <a:ea typeface="+mn-lt"/>
+                <a:cs typeface="Times New Roman"/>
+              </a:rPr>
+              <a:t>ключ, который будет выводить нам информацию о погоде с сайта </a:t>
+            </a:r>
+            <a:r>
+              <a:rPr lang="en-US" dirty="0" err="1" smtClean="0">
+                <a:ea typeface="+mn-lt"/>
+                <a:cs typeface="Times New Roman"/>
+              </a:rPr>
+              <a:t>OpenWeather</a:t>
+            </a:r>
+            <a:endParaRPr lang="en-US" dirty="0" smtClean="0">
+              <a:ea typeface="+mn-lt"/>
+              <a:cs typeface="Times New Roman"/>
+            </a:endParaRPr>
+          </a:p>
+          <a:p>
+            <a:pPr algn="just"/>
+            <a:endParaRPr lang="ru-RU" dirty="0" smtClean="0">
+              <a:ea typeface="+mn-lt"/>
+              <a:cs typeface="Times New Roman"/>
+            </a:endParaRPr>
+          </a:p>
+          <a:p>
+            <a:pPr algn="just"/>
+            <a:r>
+              <a:rPr lang="ru-RU" sz="1400" dirty="0" err="1" smtClean="0">
+                <a:solidFill>
+                  <a:srgbClr val="569CD6"/>
+                </a:solidFill>
+                <a:ea typeface="+mn-lt"/>
+                <a:cs typeface="Times New Roman"/>
+              </a:rPr>
+              <a:t>const</a:t>
+            </a:r>
+            <a:r>
+              <a:rPr lang="ru-RU" sz="1400" dirty="0" smtClean="0">
+                <a:solidFill>
+                  <a:srgbClr val="D4D4D4"/>
+                </a:solidFill>
+                <a:ea typeface="+mn-lt"/>
+                <a:cs typeface="Times New Roman"/>
+              </a:rPr>
+              <a:t> </a:t>
+            </a:r>
+            <a:r>
+              <a:rPr lang="ru-RU" sz="1400" dirty="0" err="1">
+                <a:solidFill>
+                  <a:srgbClr val="4FC1FF"/>
+                </a:solidFill>
+                <a:ea typeface="+mn-lt"/>
+                <a:cs typeface="Times New Roman"/>
+              </a:rPr>
+              <a:t>apiKey</a:t>
+            </a:r>
+            <a:r>
+              <a:rPr lang="ru-RU" sz="1400" dirty="0">
+                <a:solidFill>
+                  <a:srgbClr val="D4D4D4"/>
+                </a:solidFill>
+                <a:ea typeface="+mn-lt"/>
+                <a:cs typeface="Times New Roman"/>
+              </a:rPr>
+              <a:t> = </a:t>
+            </a:r>
+            <a:r>
+              <a:rPr lang="ru-RU" sz="1400" dirty="0">
+                <a:solidFill>
+                  <a:srgbClr val="CE9178"/>
+                </a:solidFill>
+                <a:ea typeface="+mn-lt"/>
+                <a:cs typeface="Times New Roman"/>
+              </a:rPr>
+              <a:t>'e9a5d3b74bf84418b11193028231901</a:t>
+            </a:r>
+            <a:r>
+              <a:rPr lang="ru-RU" sz="1400" dirty="0" smtClean="0">
+                <a:solidFill>
+                  <a:srgbClr val="CE9178"/>
+                </a:solidFill>
+                <a:ea typeface="+mn-lt"/>
+                <a:cs typeface="Times New Roman"/>
+              </a:rPr>
+              <a:t>'</a:t>
+            </a:r>
+            <a:r>
+              <a:rPr lang="ru-RU" sz="1400" dirty="0" smtClean="0">
+                <a:solidFill>
+                  <a:srgbClr val="D4D4D4"/>
+                </a:solidFill>
+                <a:ea typeface="+mn-lt"/>
+                <a:cs typeface="Times New Roman"/>
+              </a:rPr>
+              <a:t>;</a:t>
+            </a:r>
+            <a:endParaRPr lang="en-US" sz="1400" dirty="0" smtClean="0">
+              <a:solidFill>
+                <a:srgbClr val="D4D4D4"/>
+              </a:solidFill>
+              <a:ea typeface="+mn-lt"/>
+              <a:cs typeface="Times New Roman"/>
+            </a:endParaRPr>
+          </a:p>
+          <a:p>
+            <a:pPr algn="just"/>
+            <a:endParaRPr lang="ru-RU" sz="1400" dirty="0">
+              <a:ea typeface="+mn-lt"/>
+              <a:cs typeface="Calibri"/>
+            </a:endParaRPr>
+          </a:p>
+          <a:p>
+            <a:pPr algn="just"/>
+            <a:r>
+              <a:rPr lang="ru-RU" dirty="0" smtClean="0">
+                <a:ea typeface="+mn-lt"/>
+                <a:cs typeface="Calibri"/>
+              </a:rPr>
+              <a:t>Функция удаления предыдущей карточки, после нового запроса прогноза погоды.</a:t>
+            </a:r>
+            <a:endParaRPr lang="en-US" dirty="0" smtClean="0">
+              <a:ea typeface="+mn-lt"/>
+              <a:cs typeface="Calibri"/>
+            </a:endParaRPr>
+          </a:p>
+          <a:p>
+            <a:pPr algn="just"/>
+            <a:endParaRPr lang="ru-RU" dirty="0">
+              <a:ea typeface="+mn-lt"/>
+              <a:cs typeface="Calibri"/>
+            </a:endParaRPr>
+          </a:p>
+          <a:p>
+            <a:pPr algn="just"/>
+            <a:r>
+              <a:rPr lang="ru-RU" sz="1400" dirty="0" err="1">
+                <a:solidFill>
+                  <a:srgbClr val="569CD6"/>
+                </a:solidFill>
+                <a:ea typeface="+mn-lt"/>
+                <a:cs typeface="Times New Roman"/>
+              </a:rPr>
+              <a:t>function</a:t>
+            </a:r>
+            <a:r>
+              <a:rPr lang="ru-RU" sz="1400" dirty="0">
+                <a:solidFill>
+                  <a:srgbClr val="D4D4D4"/>
+                </a:solidFill>
+                <a:ea typeface="+mn-lt"/>
+                <a:cs typeface="Times New Roman"/>
+              </a:rPr>
+              <a:t> </a:t>
+            </a:r>
+            <a:r>
+              <a:rPr lang="ru-RU" sz="1400" dirty="0" err="1">
+                <a:solidFill>
+                  <a:srgbClr val="DCDCAA"/>
+                </a:solidFill>
+                <a:ea typeface="+mn-lt"/>
+                <a:cs typeface="Times New Roman"/>
+              </a:rPr>
+              <a:t>removeCard</a:t>
+            </a:r>
+            <a:r>
+              <a:rPr lang="ru-RU" sz="1400" dirty="0">
+                <a:solidFill>
+                  <a:srgbClr val="D4D4D4"/>
+                </a:solidFill>
+                <a:ea typeface="+mn-lt"/>
+                <a:cs typeface="Times New Roman"/>
+              </a:rPr>
+              <a:t>() {</a:t>
+            </a:r>
+          </a:p>
+          <a:p>
+            <a:pPr algn="just"/>
+            <a:r>
+              <a:rPr lang="ru-RU" sz="1400" dirty="0">
+                <a:solidFill>
+                  <a:srgbClr val="D4D4D4"/>
+                </a:solidFill>
+                <a:ea typeface="+mn-lt"/>
+                <a:cs typeface="Times New Roman"/>
+              </a:rPr>
+              <a:t>    </a:t>
+            </a:r>
+            <a:r>
+              <a:rPr lang="ru-RU" sz="1400" dirty="0" err="1">
+                <a:solidFill>
+                  <a:srgbClr val="569CD6"/>
+                </a:solidFill>
+                <a:ea typeface="+mn-lt"/>
+                <a:cs typeface="Times New Roman"/>
+              </a:rPr>
+              <a:t>const</a:t>
+            </a:r>
+            <a:r>
+              <a:rPr lang="ru-RU" sz="1400" dirty="0">
+                <a:solidFill>
+                  <a:srgbClr val="D4D4D4"/>
+                </a:solidFill>
+                <a:ea typeface="+mn-lt"/>
+                <a:cs typeface="Times New Roman"/>
+              </a:rPr>
+              <a:t> </a:t>
+            </a:r>
+            <a:r>
+              <a:rPr lang="ru-RU" sz="1400" dirty="0" err="1">
+                <a:solidFill>
+                  <a:srgbClr val="4FC1FF"/>
+                </a:solidFill>
+                <a:ea typeface="+mn-lt"/>
+                <a:cs typeface="Times New Roman"/>
+              </a:rPr>
+              <a:t>prevCard</a:t>
+            </a:r>
+            <a:r>
+              <a:rPr lang="ru-RU" sz="1400" dirty="0">
+                <a:solidFill>
+                  <a:srgbClr val="D4D4D4"/>
+                </a:solidFill>
+                <a:ea typeface="+mn-lt"/>
+                <a:cs typeface="Times New Roman"/>
+              </a:rPr>
+              <a:t> = </a:t>
+            </a:r>
+            <a:r>
+              <a:rPr lang="ru-RU" sz="1400" dirty="0" err="1">
+                <a:solidFill>
+                  <a:srgbClr val="9CDCFE"/>
+                </a:solidFill>
+                <a:ea typeface="+mn-lt"/>
+                <a:cs typeface="Times New Roman"/>
+              </a:rPr>
+              <a:t>document</a:t>
+            </a:r>
+            <a:r>
+              <a:rPr lang="ru-RU" sz="1400" dirty="0" err="1">
+                <a:solidFill>
+                  <a:srgbClr val="D4D4D4"/>
+                </a:solidFill>
+                <a:ea typeface="+mn-lt"/>
+                <a:cs typeface="Times New Roman"/>
+              </a:rPr>
+              <a:t>.</a:t>
+            </a:r>
+            <a:r>
+              <a:rPr lang="ru-RU" sz="1400" dirty="0" err="1">
+                <a:solidFill>
+                  <a:srgbClr val="DCDCAA"/>
+                </a:solidFill>
+                <a:ea typeface="+mn-lt"/>
+                <a:cs typeface="Times New Roman"/>
+              </a:rPr>
+              <a:t>querySelector</a:t>
+            </a:r>
+            <a:r>
+              <a:rPr lang="ru-RU" sz="1400" dirty="0">
+                <a:solidFill>
+                  <a:srgbClr val="D4D4D4"/>
+                </a:solidFill>
+                <a:ea typeface="+mn-lt"/>
+                <a:cs typeface="Times New Roman"/>
+              </a:rPr>
+              <a:t>(</a:t>
+            </a:r>
+            <a:r>
+              <a:rPr lang="ru-RU" sz="1400" dirty="0">
+                <a:solidFill>
+                  <a:srgbClr val="CE9178"/>
+                </a:solidFill>
+                <a:ea typeface="+mn-lt"/>
+                <a:cs typeface="Times New Roman"/>
+              </a:rPr>
+              <a:t>'.</a:t>
+            </a:r>
+            <a:r>
+              <a:rPr lang="ru-RU" sz="1400" dirty="0" err="1">
+                <a:solidFill>
+                  <a:srgbClr val="CE9178"/>
+                </a:solidFill>
+                <a:ea typeface="+mn-lt"/>
+                <a:cs typeface="Times New Roman"/>
+              </a:rPr>
+              <a:t>card</a:t>
+            </a:r>
+            <a:r>
+              <a:rPr lang="ru-RU" sz="1400" dirty="0">
+                <a:solidFill>
+                  <a:srgbClr val="CE9178"/>
+                </a:solidFill>
+                <a:ea typeface="+mn-lt"/>
+                <a:cs typeface="Times New Roman"/>
+              </a:rPr>
+              <a:t>'</a:t>
+            </a:r>
+            <a:r>
+              <a:rPr lang="ru-RU" sz="1400" dirty="0">
+                <a:solidFill>
+                  <a:srgbClr val="D4D4D4"/>
+                </a:solidFill>
+                <a:ea typeface="+mn-lt"/>
+                <a:cs typeface="Times New Roman"/>
+              </a:rPr>
+              <a:t>);</a:t>
+            </a:r>
+            <a:endParaRPr lang="ru-RU" sz="1400" dirty="0">
+              <a:solidFill>
+                <a:srgbClr val="D4D4D4"/>
+              </a:solidFill>
+              <a:cs typeface="Times New Roman"/>
+            </a:endParaRPr>
+          </a:p>
+          <a:p>
+            <a:pPr algn="just"/>
+            <a:r>
+              <a:rPr lang="ru-RU" sz="1400" dirty="0">
+                <a:solidFill>
+                  <a:srgbClr val="D4D4D4"/>
+                </a:solidFill>
+                <a:ea typeface="+mn-lt"/>
+                <a:cs typeface="Times New Roman"/>
+              </a:rPr>
+              <a:t>    </a:t>
+            </a:r>
+            <a:r>
+              <a:rPr lang="ru-RU" sz="1400" dirty="0" err="1">
+                <a:solidFill>
+                  <a:srgbClr val="C586C0"/>
+                </a:solidFill>
+                <a:ea typeface="+mn-lt"/>
+                <a:cs typeface="Times New Roman"/>
+              </a:rPr>
+              <a:t>if</a:t>
+            </a:r>
+            <a:r>
+              <a:rPr lang="ru-RU" sz="1400" dirty="0">
+                <a:solidFill>
+                  <a:srgbClr val="D4D4D4"/>
+                </a:solidFill>
+                <a:ea typeface="+mn-lt"/>
+                <a:cs typeface="Times New Roman"/>
+              </a:rPr>
+              <a:t> (</a:t>
+            </a:r>
+            <a:r>
+              <a:rPr lang="ru-RU" sz="1400" dirty="0" err="1">
+                <a:solidFill>
+                  <a:srgbClr val="4FC1FF"/>
+                </a:solidFill>
+                <a:ea typeface="+mn-lt"/>
+                <a:cs typeface="Times New Roman"/>
+              </a:rPr>
+              <a:t>prevCard</a:t>
+            </a:r>
+            <a:r>
+              <a:rPr lang="ru-RU" sz="1400" dirty="0">
+                <a:solidFill>
+                  <a:srgbClr val="D4D4D4"/>
+                </a:solidFill>
+                <a:ea typeface="+mn-lt"/>
+                <a:cs typeface="Times New Roman"/>
+              </a:rPr>
+              <a:t>) </a:t>
+            </a:r>
+            <a:r>
+              <a:rPr lang="ru-RU" sz="1400" dirty="0" err="1">
+                <a:solidFill>
+                  <a:srgbClr val="4FC1FF"/>
+                </a:solidFill>
+                <a:ea typeface="+mn-lt"/>
+                <a:cs typeface="Times New Roman"/>
+              </a:rPr>
+              <a:t>prevCard</a:t>
+            </a:r>
+            <a:r>
+              <a:rPr lang="ru-RU" sz="1400" dirty="0" err="1">
+                <a:solidFill>
+                  <a:srgbClr val="D4D4D4"/>
+                </a:solidFill>
+                <a:ea typeface="+mn-lt"/>
+                <a:cs typeface="Times New Roman"/>
+              </a:rPr>
+              <a:t>.</a:t>
+            </a:r>
+            <a:r>
+              <a:rPr lang="ru-RU" sz="1400" dirty="0" err="1">
+                <a:solidFill>
+                  <a:srgbClr val="DCDCAA"/>
+                </a:solidFill>
+                <a:ea typeface="+mn-lt"/>
+                <a:cs typeface="Times New Roman"/>
+              </a:rPr>
+              <a:t>remove</a:t>
+            </a:r>
+            <a:r>
+              <a:rPr lang="ru-RU" sz="1400" dirty="0" smtClean="0">
+                <a:solidFill>
+                  <a:srgbClr val="D4D4D4"/>
+                </a:solidFill>
+                <a:ea typeface="+mn-lt"/>
+                <a:cs typeface="Times New Roman"/>
+              </a:rPr>
+              <a:t>();</a:t>
+            </a:r>
+            <a:endParaRPr lang="ru-RU" sz="1400" dirty="0">
+              <a:solidFill>
+                <a:srgbClr val="D4D4D4"/>
+              </a:solidFill>
+              <a:ea typeface="+mn-lt"/>
+              <a:cs typeface="Times New Roman"/>
+            </a:endParaRPr>
+          </a:p>
+          <a:p>
+            <a:pPr algn="just"/>
+            <a:r>
+              <a:rPr lang="ru-RU" sz="1000" dirty="0" smtClean="0">
+                <a:solidFill>
+                  <a:srgbClr val="D4D4D4"/>
+                </a:solidFill>
+                <a:ea typeface="+mn-lt"/>
+                <a:cs typeface="Times New Roman"/>
+              </a:rPr>
+              <a:t>}</a:t>
+            </a:r>
+            <a:endParaRPr lang="en-US" sz="1000" dirty="0" smtClean="0">
+              <a:solidFill>
+                <a:srgbClr val="D4D4D4"/>
+              </a:solidFill>
+              <a:ea typeface="+mn-lt"/>
+              <a:cs typeface="Times New Roman"/>
+            </a:endParaRPr>
+          </a:p>
+          <a:p>
+            <a:pPr algn="just"/>
+            <a:endParaRPr lang="ru-RU" sz="1000" dirty="0">
+              <a:ea typeface="+mn-lt"/>
+              <a:cs typeface="Calibri"/>
+            </a:endParaRPr>
+          </a:p>
+          <a:p>
+            <a:pPr algn="just"/>
+            <a:endParaRPr lang="ru-RU" sz="1000" dirty="0">
+              <a:solidFill>
+                <a:srgbClr val="6A9955"/>
+              </a:solidFill>
+              <a:cs typeface="Times New Roman"/>
+            </a:endParaRPr>
+          </a:p>
+          <a:p>
+            <a:pPr algn="just"/>
+            <a:endParaRPr lang="ru-RU" sz="800" b="1" dirty="0">
+              <a:cs typeface="Times New Roman"/>
+            </a:endParaRPr>
+          </a:p>
+        </p:txBody>
+      </p:sp>
+      <p:sp>
+        <p:nvSpPr>
+          <p:cNvPr id="6" name="TextBox 5">
+            <a:extLst>
+              <a:ext uri="{FF2B5EF4-FFF2-40B4-BE49-F238E27FC236}">
+                <a16:creationId xmlns="" xmlns:a16="http://schemas.microsoft.com/office/drawing/2014/main" id="{3C9CF4A2-79CA-F1C9-46BA-C86037CFA5D6}"/>
+              </a:ext>
+            </a:extLst>
+          </p:cNvPr>
+          <p:cNvSpPr txBox="1"/>
+          <p:nvPr/>
+        </p:nvSpPr>
+        <p:spPr>
+          <a:xfrm>
+            <a:off x="166745" y="1424115"/>
+            <a:ext cx="4308151" cy="4939814"/>
+          </a:xfrm>
+          <a:prstGeom prst="rect">
+            <a:avLst/>
+          </a:prstGeom>
+          <a:noFill/>
+        </p:spPr>
+        <p:txBody>
+          <a:bodyPr wrap="square" lIns="91440" tIns="45720" rIns="91440" bIns="45720" rtlCol="0" anchor="t">
+            <a:spAutoFit/>
+          </a:bodyPr>
+          <a:lstStyle/>
+          <a:p>
             <a:pPr algn="just">
               <a:lnSpc>
                 <a:spcPct val="150000"/>
@@ -4203,10 +3895,24 @@
             </a:pPr>
             <a:r>
               <a:rPr lang="ru-RU" sz="1400" dirty="0">
-                <a:latin typeface="Times New Roman"/>
-                <a:cs typeface="Times New Roman"/>
-              </a:rPr>
-              <a:t>Отладка — этап разработки компьютерной программы, на котором обнаруживают, локализуют и устраняют ошибки.</a:t>
+                <a:ea typeface="+mn-lt"/>
+                <a:cs typeface="Times New Roman"/>
+              </a:rPr>
+              <a:t>Программный продукт «Мониторинг погоды» выводит данные о погоде с сайта </a:t>
+            </a:r>
+            <a:r>
+              <a:rPr lang="en-US" sz="1400" dirty="0" err="1">
+                <a:ea typeface="+mn-lt"/>
+                <a:cs typeface="Times New Roman"/>
+              </a:rPr>
+              <a:t>OpenWeather</a:t>
+            </a:r>
+            <a:r>
+              <a:rPr lang="ru-RU" sz="1400" dirty="0">
+                <a:ea typeface="+mn-lt"/>
+                <a:cs typeface="Times New Roman"/>
+              </a:rPr>
+              <a:t> в соответствии с местоположением пользователя.</a:t>
             </a:r>
             <a:endParaRPr lang="ru-RU" dirty="0"/>
           </a:p>
@@ -4218,20 +3924,136 @@
             </a:pPr>
             <a:r>
               <a:rPr lang="ru-RU" sz="1400" dirty="0">
-                <a:latin typeface="Times New Roman"/>
-                <a:cs typeface="Times New Roman"/>
-              </a:rPr>
-              <a:t>Для тестирования и отладки приложения для мониторинга погоды можно использовать различные подходы и </a:t>
+                <a:ea typeface="+mn-lt"/>
+                <a:cs typeface="Times New Roman"/>
+              </a:rPr>
+              <a:t>В своей программе я использовал:</a:t>
+            </a:r>
+            <a:endParaRPr lang="ru-RU" sz="1400" dirty="0">
+              <a:cs typeface="Times New Roman"/>
+            </a:endParaRPr>
+          </a:p>
+          <a:p>
+            <a:pPr marL="571500" indent="-285750" algn="just">
+              <a:lnSpc>
+                <a:spcPct val="150000"/>
+              </a:lnSpc>
+              <a:buFont typeface="Arial" panose="020B0604020202020204" pitchFamily="34" charset="0"/>
+              <a:buChar char="•"/>
+            </a:pPr>
+            <a:r>
+              <a:rPr lang="ru-RU" sz="1400" dirty="0">
+                <a:ea typeface="+mn-lt"/>
+                <a:cs typeface="Times New Roman"/>
+              </a:rPr>
+              <a:t>Язык программирования </a:t>
+            </a:r>
+            <a:r>
+              <a:rPr lang="en-US" sz="1400" dirty="0">
+                <a:ea typeface="+mn-lt"/>
+                <a:cs typeface="Times New Roman"/>
+              </a:rPr>
+              <a:t>JavaScript</a:t>
+            </a:r>
+            <a:endParaRPr lang="ru-RU" sz="1400" dirty="0">
+              <a:cs typeface="Times New Roman"/>
+            </a:endParaRPr>
+          </a:p>
+          <a:p>
+            <a:pPr marL="571500" indent="-285750" algn="just">
+              <a:lnSpc>
+                <a:spcPct val="150000"/>
+              </a:lnSpc>
+              <a:buFont typeface="Arial" panose="020B0604020202020204" pitchFamily="34" charset="0"/>
+              <a:buChar char="•"/>
+            </a:pPr>
+            <a:r>
+              <a:rPr lang="ru-RU" sz="1400" dirty="0">
+                <a:ea typeface="+mn-lt"/>
+                <a:cs typeface="Times New Roman"/>
+              </a:rPr>
+              <a:t>Язык разметки </a:t>
+            </a:r>
+            <a:r>
+              <a:rPr lang="en-US" sz="1400" dirty="0">
+                <a:ea typeface="+mn-lt"/>
+                <a:cs typeface="Times New Roman"/>
+              </a:rPr>
+              <a:t>HTML</a:t>
+            </a:r>
+            <a:endParaRPr lang="ru-RU" sz="1400" dirty="0">
+              <a:ea typeface="+mn-lt"/>
+              <a:cs typeface="Times New Roman"/>
+            </a:endParaRPr>
+          </a:p>
+          <a:p>
+            <a:pPr marL="571500" indent="-285750" algn="just">
+              <a:lnSpc>
+                <a:spcPct val="150000"/>
+              </a:lnSpc>
+              <a:buFont typeface="Arial" panose="020B0604020202020204" pitchFamily="34" charset="0"/>
+              <a:buChar char="•"/>
+            </a:pPr>
+            <a:r>
+              <a:rPr lang="ru-RU" sz="1400" dirty="0">
+                <a:ea typeface="+mn-lt"/>
+                <a:cs typeface="Times New Roman"/>
+              </a:rPr>
+              <a:t>Язык </a:t>
             </a:r>
             <a:r>
               <a:rPr lang="ru-RU" sz="1400" dirty="0" smtClean="0">
-                <a:latin typeface="Times New Roman"/>
-                <a:cs typeface="Times New Roman"/>
-              </a:rPr>
-              <a:t>техники.</a:t>
-            </a:r>
-            <a:endParaRPr lang="en-US" sz="1400" dirty="0" smtClean="0">
-              <a:latin typeface="Times New Roman"/>
+                <a:ea typeface="+mn-lt"/>
+                <a:cs typeface="Times New Roman"/>
+              </a:rPr>
+              <a:t>стилей </a:t>
+            </a:r>
+            <a:r>
+              <a:rPr lang="en-US" sz="1400" dirty="0" smtClean="0">
+                <a:ea typeface="+mn-lt"/>
+                <a:cs typeface="Times New Roman"/>
+              </a:rPr>
+              <a:t>CSS</a:t>
+            </a:r>
+            <a:endParaRPr lang="ru-RU" sz="1400" dirty="0">
+              <a:ea typeface="+mn-lt"/>
+              <a:cs typeface="Times New Roman"/>
+            </a:endParaRPr>
+          </a:p>
+          <a:p>
+            <a:pPr marL="571500" indent="-285750" algn="just">
+              <a:lnSpc>
+                <a:spcPct val="150000"/>
+              </a:lnSpc>
+              <a:buFont typeface="Arial" panose="020B0604020202020204" pitchFamily="34" charset="0"/>
+              <a:buChar char="•"/>
+            </a:pPr>
+            <a:r>
+              <a:rPr lang="ru-RU" sz="1400" dirty="0">
+                <a:cs typeface="Times New Roman"/>
+              </a:rPr>
+              <a:t>Текстовый редактор – </a:t>
+            </a:r>
+            <a:r>
+              <a:rPr lang="en-US" sz="1400" dirty="0">
+                <a:cs typeface="Times New Roman"/>
+              </a:rPr>
+              <a:t>Visual Studio Code</a:t>
+            </a:r>
+          </a:p>
+          <a:p>
+            <a:pPr algn="just">
+              <a:lnSpc>
+                <a:spcPct val="150000"/>
+              </a:lnSpc>
+            </a:pPr>
+            <a:r>
+              <a:rPr lang="ru-RU" sz="1400" dirty="0">
+                <a:cs typeface="Times New Roman"/>
+              </a:rPr>
+              <a:t>Плагины:</a:t>
+            </a:r>
+            <a:endParaRPr lang="en-US" sz="1400" dirty="0">
               <a:cs typeface="Times New Roman"/>
             </a:endParaRPr>
           </a:p>
@@ -4244,28 +4066,12 @@
               <a:buChar char="•"/>
             </a:pPr>
             <a:r>
-              <a:rPr lang="ru-RU" sz="1400" dirty="0" smtClean="0">
-                <a:latin typeface="Times New Roman"/>
-                <a:cs typeface="Times New Roman"/>
-              </a:rPr>
-              <a:t>Функциональное </a:t>
-            </a:r>
-            <a:r>
               <a:rPr lang="ru-RU" sz="1400" dirty="0">
-                <a:latin typeface="Times New Roman"/>
-                <a:cs typeface="Times New Roman"/>
-              </a:rPr>
-              <a:t>тестирование. Проверка корректности работы каждой функции приложения и достижения ожидаемого результата. Например, тестирование определения текущей </a:t>
-            </a:r>
-            <a:r>
-              <a:rPr lang="ru-RU" sz="1400" dirty="0" smtClean="0">
-                <a:latin typeface="Times New Roman"/>
-                <a:cs typeface="Times New Roman"/>
-              </a:rPr>
-              <a:t>погоды.</a:t>
-            </a:r>
-            <a:endParaRPr lang="en-US" sz="1400" dirty="0" smtClean="0">
-              <a:latin typeface="Times New Roman"/>
+                <a:cs typeface="Times New Roman"/>
+              </a:rPr>
+              <a:t>Live Server </a:t>
+            </a:r>
+            <a:endParaRPr lang="en-US" sz="1400" dirty="0">
               <a:cs typeface="Times New Roman"/>
             </a:endParaRPr>
           </a:p>
@@ -4278,62 +4084,96 @@
               <a:buChar char="•"/>
             </a:pPr>
             <a:r>
-              <a:rPr lang="ru-RU" sz="1400" dirty="0" smtClean="0">
-                <a:latin typeface="Times New Roman"/>
-                <a:cs typeface="Times New Roman"/>
-              </a:rPr>
-              <a:t>Тестирование </a:t>
-            </a:r>
-            <a:r>
               <a:rPr lang="ru-RU" sz="1400" dirty="0">
-                <a:latin typeface="Times New Roman"/>
-                <a:cs typeface="Times New Roman"/>
-              </a:rPr>
-              <a:t>производительности. Проверка скорости работы приложения и его отклика на запросы пользователя. Например, определение времени ответа приложения при загрузке данных о </a:t>
-            </a:r>
-            <a:r>
-              <a:rPr lang="ru-RU" sz="1400" dirty="0" smtClean="0">
-                <a:latin typeface="Times New Roman"/>
-                <a:cs typeface="Times New Roman"/>
-              </a:rPr>
-              <a:t>погоде.</a:t>
-            </a:r>
-            <a:endParaRPr lang="en-US" sz="1400" dirty="0" smtClean="0">
-              <a:latin typeface="Times New Roman"/>
+                <a:cs typeface="Times New Roman"/>
+              </a:rPr>
+              <a:t>Prettier – </a:t>
+            </a:r>
+            <a:r>
+              <a:rPr lang="en-US" sz="1400" dirty="0">
+                <a:cs typeface="Times New Roman"/>
+              </a:rPr>
+              <a:t>Code</a:t>
+            </a:r>
+            <a:r>
+              <a:rPr lang="ru-RU" sz="1400" dirty="0">
+                <a:cs typeface="Times New Roman"/>
+              </a:rPr>
+              <a:t> </a:t>
+            </a:r>
+            <a:r>
+              <a:rPr lang="en-US" sz="1400" dirty="0">
+                <a:cs typeface="Times New Roman"/>
+              </a:rPr>
+              <a:t>Formatter</a:t>
+            </a:r>
+            <a:r>
+              <a:rPr lang="ru-RU" sz="1400" dirty="0">
+                <a:cs typeface="Times New Roman"/>
+              </a:rPr>
+              <a:t> </a:t>
+            </a:r>
+            <a:endParaRPr lang="en-US" sz="1400" dirty="0">
               <a:cs typeface="Times New Roman"/>
             </a:endParaRPr>
           </a:p>
           <a:p>
-            <a:pPr marL="285750" indent="-285750" algn="just">
+            <a:pPr algn="just">
               <a:lnSpc>
                 <a:spcPct val="150000"/>
               </a:lnSpc>
-              <a:buFont typeface="Arial" panose="020B0604020202020204" pitchFamily="34" charset="0"/>
+            </a:pPr>
+            <a:r>
+              <a:rPr lang="ru-RU" sz="1400" dirty="0" smtClean="0">
+                <a:cs typeface="Times New Roman" panose="02020603050405020304" pitchFamily="18" charset="0"/>
+              </a:rPr>
+              <a:t>Размер </a:t>
+            </a:r>
+            <a:r>
+              <a:rPr lang="ru-RU" sz="1400" dirty="0">
+                <a:cs typeface="Times New Roman" panose="02020603050405020304" pitchFamily="18" charset="0"/>
+              </a:rPr>
+              <a:t>- 18,7 МБ (19 650 091 байт)</a:t>
+            </a:r>
+            <a:endParaRPr lang="en-US" sz="1400" dirty="0">
+              <a:cs typeface="Times New Roman" panose="02020603050405020304" pitchFamily="18" charset="0"/>
+            </a:endParaRPr>
+          </a:p>
+          <a:p>
+            <a:pPr algn="just">
+              <a:lnSpc>
+                <a:spcPct val="150000"/>
+              </a:lnSpc>
+            </a:pPr>
+            <a:r>
+              <a:rPr lang="ru-RU" sz="1400" dirty="0">
+                <a:cs typeface="Times New Roman" panose="02020603050405020304" pitchFamily="18" charset="0"/>
+              </a:rPr>
+              <a:t>На диске - 18,7 МБ (19 685 376 байт)</a:t>
+            </a:r>
+            <a:endParaRPr lang="en-US" sz="1400" dirty="0">
+              <a:cs typeface="Times New Roman" panose="02020603050405020304" pitchFamily="18" charset="0"/>
+            </a:endParaRPr>
+          </a:p>
+          <a:p>
+            <a:pPr marL="285750" algn="just">
+              <a:lnSpc>
+                <a:spcPct val="150000"/>
+              </a:lnSpc>
+              <a:buFont typeface="Symbol"/>
               <a:buChar char="•"/>
             </a:pPr>
-            <a:r>
-              <a:rPr lang="ru-RU" sz="1400" dirty="0" smtClean="0">
-                <a:latin typeface="Times New Roman"/>
-                <a:cs typeface="Times New Roman"/>
-              </a:rPr>
-              <a:t>Тестирование </a:t>
-            </a:r>
-            <a:r>
-              <a:rPr lang="ru-RU" sz="1400" dirty="0">
-                <a:latin typeface="Times New Roman"/>
-                <a:cs typeface="Times New Roman"/>
-              </a:rPr>
-              <a:t>при различных условиях. Перед выпуском приложения важно также проверить его работы, что оно будет работать корректно на всех </a:t>
-            </a:r>
-            <a:r>
-              <a:rPr lang="ru-RU" sz="1400" dirty="0" smtClean="0">
-                <a:latin typeface="Times New Roman"/>
-                <a:cs typeface="Times New Roman"/>
-              </a:rPr>
-              <a:t>устройствах.</a:t>
-            </a:r>
+            <a:endParaRPr lang="en-US" sz="1400" dirty="0">
+              <a:cs typeface="Times New Roman" panose="02020603050405020304" pitchFamily="18" charset="0"/>
+            </a:endParaRPr>
+          </a:p>
+          <a:p>
+            <a:pPr algn="just">
+              <a:lnSpc>
+                <a:spcPct val="150000"/>
+              </a:lnSpc>
+            </a:pPr>
             <a:endParaRPr lang="ru-RU" sz="1400" dirty="0">
-              <a:latin typeface="Times New Roman" panose="02020603050405020304" pitchFamily="18" charset="0"/>
               <a:cs typeface="Times New Roman" panose="02020603050405020304" pitchFamily="18" charset="0"/>
             </a:endParaRPr>
           </a:p>
@@ -4342,7 +4182,7 @@
     </p:spTree>
     <p:extLst>
       <p:ext uri="{BB962C8B-B14F-4D97-AF65-F5344CB8AC3E}">
-        <p14:creationId xmlns:p14="http://schemas.microsoft.com/office/powerpoint/2010/main" val="486506308"/>
+        <p14:creationId xmlns:p14="http://schemas.microsoft.com/office/powerpoint/2010/main" val="2482637325"/>
       </p:ext>
     </p:extLst>
   </p:cSld>
@@ -4395,7 +4235,7 @@
         </p:nvSpPr>
         <p:spPr>
           <a:xfrm>
-            <a:off x="3698116" y="114300"/>
+            <a:off x="3544367" y="106208"/>
             <a:ext cx="5903084" cy="1115216"/>
           </a:xfrm>
         </p:spPr>
@@ -4411,11 +4251,17 @@
                 <a:solidFill>
                   <a:schemeClr val="bg1"/>
                 </a:solidFill>
-                <a:latin typeface="Times New Roman"/>
-                <a:cs typeface="Times New Roman"/>
-              </a:rPr>
-              <a:t>Заключение</a:t>
-            </a:r>
+                <a:latin typeface="+mj-lt"/>
+                <a:cs typeface="Times New Roman"/>
+              </a:rPr>
+              <a:t>Тестирование и отладка</a:t>
+            </a:r>
+            <a:endParaRPr lang="ru-RU" dirty="0">
+              <a:solidFill>
+                <a:schemeClr val="bg1"/>
+              </a:solidFill>
+              <a:latin typeface="+mj-lt"/>
+            </a:endParaRPr>
           </a:p>
         </p:txBody>
       </p:sp>
@@ -4427,8 +4273,8 @@
         </p:nvSpPr>
         <p:spPr>
           <a:xfrm>
-            <a:off x="121381" y="1495185"/>
-            <a:ext cx="8787950" cy="4570482"/>
+            <a:off x="115972" y="1518571"/>
+            <a:ext cx="8704348" cy="4247317"/>
           </a:xfrm>
           <a:prstGeom prst="rect">
             <a:avLst/>
@@ -4441,159 +4287,153 @@
           </a:bodyPr>
           <a:lstStyle/>
           <a:p>
-            <a:pPr algn="just">
-              <a:lnSpc>
-                <a:spcPct val="150000"/>
-              </a:lnSpc>
-            </a:pPr>
-            <a:r>
-              <a:rPr lang="ru-RU" dirty="0">
-                <a:latin typeface="Times New Roman"/>
-                <a:cs typeface="Times New Roman"/>
-              </a:rPr>
-              <a:t>Выводы проделанной мной работы:</a:t>
-            </a:r>
-          </a:p>
-          <a:p>
-            <a:pPr marL="285750" algn="just">
-              <a:lnSpc>
-                <a:spcPct val="150000"/>
-              </a:lnSpc>
-            </a:pPr>
-            <a:r>
-              <a:rPr lang="ru-RU" dirty="0">
-                <a:latin typeface="Times New Roman"/>
-                <a:cs typeface="Times New Roman"/>
-              </a:rPr>
-              <a:t>Был проведен анализ приложений, имеющихся в общем доступе и соответствующих тематике погодных приложений.</a:t>
-            </a:r>
-          </a:p>
-          <a:p>
-            <a:pPr marL="285750" algn="just">
-              <a:lnSpc>
-                <a:spcPct val="150000"/>
-              </a:lnSpc>
-            </a:pPr>
-            <a:r>
-              <a:rPr lang="ru-RU" dirty="0">
-                <a:latin typeface="Times New Roman"/>
-                <a:cs typeface="Times New Roman"/>
-              </a:rPr>
-              <a:t>Я сделал приложение, которое реализует следующие функции:</a:t>
-            </a:r>
-          </a:p>
-          <a:p>
-            <a:pPr marL="571500" indent="-285750" algn="just">
-              <a:lnSpc>
-                <a:spcPct val="150000"/>
-              </a:lnSpc>
+            <a:pPr marL="285750" indent="-285750" algn="just">
               <a:buFont typeface="Arial" panose="020B0604020202020204" pitchFamily="34" charset="0"/>
               <a:buChar char="•"/>
             </a:pPr>
             <a:r>
+              <a:rPr lang="ru-RU" dirty="0" smtClean="0">
+                <a:cs typeface="Times New Roman"/>
+              </a:rPr>
+              <a:t>Функциональное </a:t>
+            </a:r>
+            <a:r>
               <a:rPr lang="ru-RU" dirty="0">
-                <a:latin typeface="Times New Roman"/>
-                <a:cs typeface="Times New Roman"/>
-              </a:rPr>
-              <a:t>Иметь простой и интуитивно понятный интерфейс, позволяющий быстро и легко получать информацию о погоде.</a:t>
-            </a:r>
-          </a:p>
-          <a:p>
-            <a:pPr marL="571500" indent="-285750" algn="just">
-              <a:lnSpc>
-                <a:spcPct val="150000"/>
-              </a:lnSpc>
-              <a:buFont typeface="Arial" panose="020B0604020202020204" pitchFamily="34" charset="0"/>
-              <a:buChar char="•"/>
+                <a:cs typeface="Times New Roman"/>
+              </a:rPr>
+              <a:t>тестирование. Проверка корректности работы каждой функции приложения и достижения ожидаемого результата. Например, тестирование определения текущей </a:t>
+            </a:r>
+            <a:r>
+              <a:rPr lang="ru-RU" dirty="0" smtClean="0">
+                <a:cs typeface="Times New Roman"/>
+              </a:rPr>
+              <a:t>погоды</a:t>
+            </a:r>
+            <a:r>
+              <a:rPr lang="ru-RU" dirty="0" smtClean="0">
+                <a:cs typeface="Times New Roman"/>
+              </a:rPr>
+              <a:t>.</a:t>
+            </a:r>
+          </a:p>
+          <a:p>
+            <a:pPr marL="342900" indent="-342900" algn="just">
+              <a:buFont typeface="+mj-lt"/>
+              <a:buAutoNum type="arabicPeriod"/>
             </a:pPr>
             <a:r>
+              <a:rPr lang="ru-RU" dirty="0">
+                <a:cs typeface="Times New Roman" panose="02020603050405020304" pitchFamily="18" charset="0"/>
+              </a:rPr>
+              <a:t>Проверка корректности ввода данных: при запуске приложения пользователь </a:t>
+            </a:r>
+            <a:r>
               <a:rPr lang="ru-RU" dirty="0" smtClean="0">
-                <a:latin typeface="Times New Roman"/>
-                <a:cs typeface="Times New Roman"/>
-              </a:rPr>
-              <a:t>Принимать значения, введенные пользователем и после обрабатывать их.</a:t>
-            </a:r>
-          </a:p>
-          <a:p>
-            <a:pPr marL="571500" indent="-285750" algn="just">
-              <a:lnSpc>
-                <a:spcPct val="150000"/>
-              </a:lnSpc>
-              <a:buFont typeface="Arial" panose="020B0604020202020204" pitchFamily="34" charset="0"/>
-              <a:buChar char="•"/>
-            </a:pPr>
+                <a:cs typeface="Times New Roman" panose="02020603050405020304" pitchFamily="18" charset="0"/>
+              </a:rPr>
+              <a:t>должен</a:t>
+            </a:r>
+            <a:r>
+              <a:rPr lang="en-US" dirty="0" smtClean="0">
+                <a:cs typeface="Times New Roman" panose="02020603050405020304" pitchFamily="18" charset="0"/>
+              </a:rPr>
+              <a:t> </a:t>
+            </a:r>
             <a:r>
               <a:rPr lang="ru-RU" dirty="0" smtClean="0">
-                <a:latin typeface="Times New Roman"/>
-                <a:cs typeface="Times New Roman"/>
-              </a:rPr>
-              <a:t>Принимать </a:t>
-            </a:r>
-            <a:r>
-              <a:rPr lang="ru-RU" dirty="0">
-                <a:latin typeface="Times New Roman"/>
-                <a:cs typeface="Times New Roman"/>
-              </a:rPr>
-              <a:t>данные из </a:t>
-            </a:r>
-            <a:r>
-              <a:rPr lang="en-US" dirty="0">
-                <a:latin typeface="Times New Roman"/>
-                <a:cs typeface="Times New Roman"/>
-              </a:rPr>
-              <a:t>API</a:t>
-            </a:r>
-            <a:r>
-              <a:rPr lang="ru-RU" dirty="0">
-                <a:latin typeface="Times New Roman"/>
-                <a:cs typeface="Times New Roman"/>
-              </a:rPr>
-              <a:t> сайтов.</a:t>
-            </a:r>
-          </a:p>
-          <a:p>
-            <a:pPr marL="571500" indent="-285750" algn="just">
-              <a:lnSpc>
-                <a:spcPct val="150000"/>
-              </a:lnSpc>
-              <a:buFont typeface="Arial" panose="020B0604020202020204" pitchFamily="34" charset="0"/>
-              <a:buChar char="•"/>
-            </a:pPr>
-            <a:r>
-              <a:rPr lang="ru-RU" dirty="0" smtClean="0">
-                <a:latin typeface="Times New Roman"/>
-                <a:cs typeface="Times New Roman"/>
-              </a:rPr>
-              <a:t>Предоставлять </a:t>
-            </a:r>
-            <a:r>
-              <a:rPr lang="ru-RU" dirty="0">
-                <a:latin typeface="Times New Roman"/>
-                <a:cs typeface="Times New Roman"/>
-              </a:rPr>
-              <a:t>актуальные и точные данные о погоде на текущий момент </a:t>
-            </a:r>
-            <a:r>
-              <a:rPr lang="ru-RU" dirty="0" smtClean="0">
-                <a:latin typeface="Times New Roman"/>
-                <a:cs typeface="Times New Roman"/>
-              </a:rPr>
-              <a:t>времени.</a:t>
+                <a:cs typeface="Times New Roman" panose="02020603050405020304" pitchFamily="18" charset="0"/>
+              </a:rPr>
+              <a:t>ввести желаемый город для получения информации о погоде.</a:t>
             </a:r>
             <a:endParaRPr lang="ru-RU" dirty="0">
-              <a:latin typeface="Times New Roman"/>
               <a:cs typeface="Times New Roman"/>
             </a:endParaRPr>
           </a:p>
           <a:p>
-            <a:pPr algn="just">
-              <a:lnSpc>
-                <a:spcPct val="150000"/>
-              </a:lnSpc>
+            <a:pPr marL="342900" indent="-342900" algn="just">
+              <a:buFont typeface="+mj-lt"/>
+              <a:buAutoNum type="arabicPeriod"/>
             </a:pPr>
-            <a:endParaRPr lang="ru-RU" sz="1400" dirty="0">
-              <a:latin typeface="Times New Roman" panose="02020603050405020304" pitchFamily="18" charset="0"/>
+            <a:r>
+              <a:rPr lang="ru-RU" dirty="0">
+                <a:cs typeface="Times New Roman" panose="02020603050405020304" pitchFamily="18" charset="0"/>
+              </a:rPr>
+              <a:t>Проверка вывода результата</a:t>
+            </a:r>
+            <a:r>
+              <a:rPr lang="ru-RU" dirty="0" smtClean="0">
+                <a:cs typeface="Times New Roman" panose="02020603050405020304" pitchFamily="18" charset="0"/>
+              </a:rPr>
+              <a:t>: приложение должно корректно вывести данные о погоде введенного населенного пункта.</a:t>
+            </a:r>
+          </a:p>
+          <a:p>
+            <a:pPr marL="342900" indent="-342900" algn="just">
+              <a:buFont typeface="+mj-lt"/>
+              <a:buAutoNum type="arabicPeriod"/>
+            </a:pPr>
+            <a:r>
+              <a:rPr lang="ru-RU" dirty="0">
+                <a:cs typeface="Times New Roman" panose="02020603050405020304" pitchFamily="18" charset="0"/>
+              </a:rPr>
+              <a:t>Проверка обработки ошибок: приложение должно корректно обрабатывать ошибки, например, если пользователь вводит </a:t>
+            </a:r>
+            <a:r>
+              <a:rPr lang="ru-RU" dirty="0" smtClean="0">
+                <a:cs typeface="Times New Roman" panose="02020603050405020304" pitchFamily="18" charset="0"/>
+              </a:rPr>
+              <a:t>некорректный населенный пункт. </a:t>
+            </a:r>
+            <a:r>
+              <a:rPr lang="ru-RU" dirty="0">
+                <a:cs typeface="Times New Roman" panose="02020603050405020304" pitchFamily="18" charset="0"/>
+              </a:rPr>
+              <a:t>Необходимо проверить, что приложение выводит </a:t>
+            </a:r>
+            <a:r>
+              <a:rPr lang="ru-RU" dirty="0" smtClean="0">
+                <a:cs typeface="Times New Roman" panose="02020603050405020304" pitchFamily="18" charset="0"/>
+              </a:rPr>
+              <a:t>сообщение </a:t>
+            </a:r>
+            <a:r>
+              <a:rPr lang="ru-RU" dirty="0">
+                <a:cs typeface="Times New Roman" panose="02020603050405020304" pitchFamily="18" charset="0"/>
+              </a:rPr>
+              <a:t>об </a:t>
+            </a:r>
+            <a:r>
+              <a:rPr lang="ru-RU" dirty="0" smtClean="0">
+                <a:cs typeface="Times New Roman" panose="02020603050405020304" pitchFamily="18" charset="0"/>
+              </a:rPr>
+              <a:t>ошибке.</a:t>
+            </a:r>
+            <a:endParaRPr lang="ru-RU" dirty="0">
               <a:cs typeface="Times New Roman" panose="02020603050405020304" pitchFamily="18" charset="0"/>
+            </a:endParaRPr>
+          </a:p>
+          <a:p>
+            <a:pPr marL="342900" indent="-342900" algn="just">
+              <a:buFont typeface="+mj-lt"/>
+              <a:buAutoNum type="arabicPeriod"/>
+            </a:pPr>
+            <a:r>
+              <a:rPr lang="ru-RU" dirty="0">
+                <a:cs typeface="Times New Roman" panose="02020603050405020304" pitchFamily="18" charset="0"/>
+              </a:rPr>
+              <a:t>Проверка отладки: приложение должно быть отлажено перед выпуском, чтобы гарантировать его корректную работу. Необходимо провести тестирование на разных устройствах и в разных условиях, чтобы выявить и исправить все возможные ошибки и проблемы.</a:t>
+            </a:r>
+            <a:endParaRPr lang="ru-RU" dirty="0" smtClean="0">
+              <a:cs typeface="Times New Roman" panose="02020603050405020304" pitchFamily="18" charset="0"/>
+            </a:endParaRPr>
+          </a:p>
+          <a:p>
+            <a:pPr marL="342900" indent="-342900" algn="just">
+              <a:buFont typeface="+mj-lt"/>
+              <a:buAutoNum type="arabicPeriod"/>
+            </a:pPr>
+            <a:endParaRPr lang="en-US" dirty="0" smtClean="0">
+              <a:cs typeface="Times New Roman"/>
             </a:endParaRPr>
           </a:p>
         </p:txBody>
@@ -4601,7 +4441,7 @@
     </p:spTree>
     <p:extLst>
       <p:ext uri="{BB962C8B-B14F-4D97-AF65-F5344CB8AC3E}">
-        <p14:creationId xmlns:p14="http://schemas.microsoft.com/office/powerpoint/2010/main" val="220995682"/>
+        <p14:creationId xmlns:p14="http://schemas.microsoft.com/office/powerpoint/2010/main" val="486506308"/>
       </p:ext>
     </p:extLst>
   </p:cSld>
@@ -4649,28 +4489,275 @@
             <a:spLocks noGrp="1"/>
           </p:cNvSpPr>
           <p:nvPr>
-            <p:ph type="ctrTitle"/>
+            <p:ph type="title"/>
           </p:nvPr>
         </p:nvSpPr>
         <p:spPr>
           <a:xfrm>
-            <a:off x="-150091" y="1578983"/>
-            <a:ext cx="4152714" cy="2450495"/>
+            <a:off x="3698116" y="114300"/>
+            <a:ext cx="5903084" cy="1115216"/>
           </a:xfrm>
         </p:spPr>
         <p:txBody>
           <a:bodyPr>
-            <a:normAutofit/>
+            <a:noAutofit/>
           </a:bodyPr>
           <a:lstStyle/>
           <a:p>
-            <a:r>
-              <a:rPr lang="ru-RU" sz="4000" dirty="0">
-                <a:latin typeface="Times New Roman" panose="02020603050405020304" pitchFamily="18" charset="0"/>
-                <a:cs typeface="Times New Roman" panose="02020603050405020304" pitchFamily="18" charset="0"/>
-              </a:rPr>
-              <a:t>Спасибо за внимание</a:t>
-            </a:r>
+            <a:pPr lvl="1"/>
+            <a:r>
+              <a:rPr lang="ru-RU" sz="4000" b="1" dirty="0">
+                <a:solidFill>
+                  <a:schemeClr val="bg1"/>
+                </a:solidFill>
+                <a:latin typeface="+mj-lt"/>
+                <a:cs typeface="Times New Roman"/>
+              </a:rPr>
+              <a:t>Заключение</a:t>
+            </a:r>
+          </a:p>
+        </p:txBody>
+      </p:sp>
+      <p:sp>
+        <p:nvSpPr>
+          <p:cNvPr id="5" name="TextBox 4"/>
+          <p:cNvSpPr txBox="1"/>
+          <p:nvPr/>
+        </p:nvSpPr>
+        <p:spPr>
+          <a:xfrm>
+            <a:off x="137565" y="1325253"/>
+            <a:ext cx="8787950" cy="3801041"/>
+          </a:xfrm>
+          <a:prstGeom prst="rect">
+            <a:avLst/>
+          </a:prstGeom>
+          <a:noFill/>
+        </p:spPr>
+        <p:txBody>
+          <a:bodyPr wrap="square" lIns="91440" tIns="45720" rIns="91440" bIns="45720" rtlCol="0" anchor="t">
+            <a:spAutoFit/>
+          </a:bodyPr>
+          <a:lstStyle/>
+          <a:p>
+            <a:pPr algn="just"/>
+            <a:r>
+              <a:rPr lang="ru-RU" sz="2000" dirty="0">
+                <a:cs typeface="Times New Roman"/>
+              </a:rPr>
+              <a:t>Выводы проделанной мной работы:</a:t>
+            </a:r>
+          </a:p>
+          <a:p>
+            <a:pPr marL="285750" algn="just"/>
+            <a:r>
+              <a:rPr lang="ru-RU" sz="2000" dirty="0">
+                <a:cs typeface="Times New Roman"/>
+              </a:rPr>
+              <a:t>Был проведен анализ приложений, имеющихся в общем доступе и соответствующих тематике погодных приложений.</a:t>
+            </a:r>
+          </a:p>
+          <a:p>
+            <a:pPr marL="285750" algn="just"/>
+            <a:r>
+              <a:rPr lang="ru-RU" sz="2000" dirty="0">
+                <a:cs typeface="Times New Roman"/>
+              </a:rPr>
+              <a:t>Я сделал приложение, которое реализует следующие функции:</a:t>
+            </a:r>
+          </a:p>
+          <a:p>
+            <a:pPr marL="571500" indent="-285750" algn="just">
+              <a:buFont typeface="Arial" panose="020B0604020202020204" pitchFamily="34" charset="0"/>
+              <a:buChar char="•"/>
+            </a:pPr>
+            <a:r>
+              <a:rPr lang="ru-RU" sz="2000" dirty="0" smtClean="0">
+                <a:cs typeface="Times New Roman"/>
+              </a:rPr>
+              <a:t>Имеет </a:t>
+            </a:r>
+            <a:r>
+              <a:rPr lang="ru-RU" sz="2000" dirty="0">
+                <a:cs typeface="Times New Roman"/>
+              </a:rPr>
+              <a:t>простой и интуитивно понятный интерфейс, позволяющий быстро и легко получать информацию о погоде.</a:t>
+            </a:r>
+          </a:p>
+          <a:p>
+            <a:pPr marL="571500" indent="-285750" algn="just">
+              <a:buFont typeface="Arial" panose="020B0604020202020204" pitchFamily="34" charset="0"/>
+              <a:buChar char="•"/>
+            </a:pPr>
+            <a:r>
+              <a:rPr lang="ru-RU" sz="2000" dirty="0" smtClean="0">
+                <a:cs typeface="Times New Roman"/>
+              </a:rPr>
+              <a:t>Принимает </a:t>
+            </a:r>
+            <a:r>
+              <a:rPr lang="ru-RU" sz="2000" dirty="0" smtClean="0">
+                <a:cs typeface="Times New Roman"/>
+              </a:rPr>
+              <a:t>значения, введенные пользователем и после </a:t>
+            </a:r>
+            <a:r>
+              <a:rPr lang="ru-RU" sz="2000" dirty="0" smtClean="0">
+                <a:cs typeface="Times New Roman"/>
+              </a:rPr>
+              <a:t>обрабатывает </a:t>
+            </a:r>
+            <a:r>
+              <a:rPr lang="ru-RU" sz="2000" dirty="0" smtClean="0">
+                <a:cs typeface="Times New Roman"/>
+              </a:rPr>
+              <a:t>их.</a:t>
+            </a:r>
+          </a:p>
+          <a:p>
+            <a:pPr marL="571500" indent="-285750" algn="just">
+              <a:buFont typeface="Arial" panose="020B0604020202020204" pitchFamily="34" charset="0"/>
+              <a:buChar char="•"/>
+            </a:pPr>
+            <a:r>
+              <a:rPr lang="ru-RU" sz="2000" dirty="0" smtClean="0">
+                <a:cs typeface="Times New Roman"/>
+              </a:rPr>
+              <a:t>Принимает </a:t>
+            </a:r>
+            <a:r>
+              <a:rPr lang="ru-RU" sz="2000" dirty="0">
+                <a:cs typeface="Times New Roman"/>
+              </a:rPr>
+              <a:t>данные из </a:t>
+            </a:r>
+            <a:r>
+              <a:rPr lang="en-US" sz="2000" dirty="0">
+                <a:cs typeface="Times New Roman"/>
+              </a:rPr>
+              <a:t>API</a:t>
+            </a:r>
+            <a:r>
+              <a:rPr lang="ru-RU" sz="2000" dirty="0">
+                <a:cs typeface="Times New Roman"/>
+              </a:rPr>
+              <a:t> сайтов.</a:t>
+            </a:r>
+          </a:p>
+          <a:p>
+            <a:pPr marL="571500" indent="-285750" algn="just">
+              <a:buFont typeface="Arial" panose="020B0604020202020204" pitchFamily="34" charset="0"/>
+              <a:buChar char="•"/>
+            </a:pPr>
+            <a:r>
+              <a:rPr lang="ru-RU" sz="2000" dirty="0" smtClean="0">
+                <a:cs typeface="Times New Roman"/>
+              </a:rPr>
+              <a:t>Предоставляет </a:t>
+            </a:r>
+            <a:r>
+              <a:rPr lang="ru-RU" sz="2000" dirty="0">
+                <a:cs typeface="Times New Roman"/>
+              </a:rPr>
+              <a:t>актуальные и точные данные о погоде на текущий момент </a:t>
+            </a:r>
+            <a:r>
+              <a:rPr lang="ru-RU" sz="2000" dirty="0" smtClean="0">
+                <a:cs typeface="Times New Roman"/>
+              </a:rPr>
+              <a:t>времени.</a:t>
+            </a:r>
+            <a:endParaRPr lang="ru-RU" sz="2000" dirty="0">
+              <a:cs typeface="Times New Roman"/>
+            </a:endParaRPr>
+          </a:p>
+          <a:p>
+            <a:pPr algn="just">
+              <a:lnSpc>
+                <a:spcPct val="150000"/>
+              </a:lnSpc>
+            </a:pPr>
+            <a:endParaRPr lang="ru-RU" sz="1400" dirty="0">
+              <a:cs typeface="Times New Roman" panose="02020603050405020304" pitchFamily="18" charset="0"/>
+            </a:endParaRPr>
+          </a:p>
+        </p:txBody>
+      </p:sp>
+    </p:spTree>
+    <p:extLst>
+      <p:ext uri="{BB962C8B-B14F-4D97-AF65-F5344CB8AC3E}">
+        <p14:creationId xmlns:p14="http://schemas.microsoft.com/office/powerpoint/2010/main" val="220995682"/>
+      </p:ext>
+    </p:extLst>
+  </p:cSld>
+  <p:clrMapOvr>
+    <a:masterClrMapping/>
+  </p:clrMapOvr>
+</p:sld>
+</file>
+
+<file path=ppt/slides/slide14.xml><?xml version="1.0" encoding="utf-8"?>
+<p:sld xmlns:a="http://schemas.openxmlformats.org/drawingml/2006/main" xmlns:r="http://schemas.openxmlformats.org/officeDocument/2006/relationships" xmlns:p="http://schemas.openxmlformats.org/presentationml/2006/main">
+  <p:cSld>
+    <p:bg>
+      <p:bgPr>
+        <a:blipFill dpi="0" rotWithShape="1">
+          <a:blip r:embed="rId2">
+            <a:lum/>
+          </a:blip>
+          <a:srcRect/>
+          <a:stretch>
+            <a:fillRect/>
+          </a:stretch>
+        </a:blipFill>
+        <a:effectLst/>
+      </p:bgPr>
+    </p:bg>
+    <p:spTree>
+      <p:nvGrpSpPr>
+        <p:cNvPr id="1" name=""/>
+        <p:cNvGrpSpPr/>
+        <p:nvPr/>
+      </p:nvGrpSpPr>
+      <p:grpSpPr>
+        <a:xfrm>
+          <a:off x="0" y="0"/>
+          <a:ext cx="0" cy="0"/>
+          <a:chOff x="0" y="0"/>
+          <a:chExt cx="0" cy="0"/>
+        </a:xfrm>
+      </p:grpSpPr>
+      <p:sp>
+        <p:nvSpPr>
+          <p:cNvPr id="4" name="Заголовок 1"/>
+          <p:cNvSpPr>
+            <a:spLocks noGrp="1"/>
+          </p:cNvSpPr>
+          <p:nvPr>
+            <p:ph type="ctrTitle"/>
+          </p:nvPr>
+        </p:nvSpPr>
+        <p:spPr>
+          <a:xfrm>
+            <a:off x="0" y="1643719"/>
+            <a:ext cx="4152714" cy="1562858"/>
+          </a:xfrm>
+        </p:spPr>
+        <p:txBody>
+          <a:bodyPr>
+            <a:noAutofit/>
+          </a:bodyPr>
+          <a:lstStyle/>
+          <a:p>
+            <a:r>
+              <a:rPr lang="ru-RU" sz="2800" dirty="0">
+                <a:cs typeface="Times New Roman"/>
+              </a:rPr>
+              <a:t>СОЗДАНИЕ ПРИЛОЖЕНИЯ «МОНИТОРИНГ ПОГОДЫ»</a:t>
+            </a:r>
+            <a:endParaRPr lang="ru-RU" sz="2800" dirty="0">
+              <a:cs typeface="Times New Roman" panose="02020603050405020304" pitchFamily="18" charset="0"/>
+            </a:endParaRPr>
           </a:p>
         </p:txBody>
       </p:sp>
@@ -4745,7 +4832,6 @@
                 <a:solidFill>
                   <a:schemeClr val="bg1"/>
                 </a:solidFill>
-                <a:latin typeface="Times New Roman" panose="02020603050405020304" pitchFamily="18" charset="0"/>
                 <a:cs typeface="Times New Roman" panose="02020603050405020304" pitchFamily="18" charset="0"/>
               </a:rPr>
               <a:t>Актуальность</a:t>
@@ -4777,14 +4863,12 @@
           <a:p>
             <a:r>
               <a:rPr lang="ru-RU" sz="2800" b="1" dirty="0">
-                <a:latin typeface="Times New Roman"/>
                 <a:cs typeface="Times New Roman"/>
               </a:rPr>
               <a:t>Актуальность</a:t>
             </a:r>
             <a:r>
               <a:rPr lang="ru-RU" sz="2800" dirty="0">
-                <a:latin typeface="Times New Roman"/>
                 <a:cs typeface="Times New Roman"/>
               </a:rPr>
               <a:t> данного проекта подтверждается тем, погодные приложения помогают нам принимать более обоснованные решения на работе, дома или в путешествиях, и снижать возможные риски для здоровья и безопасности. Например, приложения для мониторинга погоды могут предупреждать о неблагоприятных погодных условиях, таких как сильные дожди, снегопады или грозы, предоставлять информацию об уровне загрязнения воздуха, показывать температуру и влажность воздуха, а также обеспечивать прогнозы на долгосрочный период.</a:t>
@@ -4864,7 +4948,6 @@
                 <a:solidFill>
                   <a:schemeClr val="bg1"/>
                 </a:solidFill>
-                <a:latin typeface="Times New Roman" panose="02020603050405020304" pitchFamily="18" charset="0"/>
                 <a:cs typeface="Times New Roman" panose="02020603050405020304" pitchFamily="18" charset="0"/>
               </a:rPr>
               <a:t>Содержание</a:t>
@@ -4881,7 +4964,7 @@
         <p:spPr>
           <a:xfrm>
             <a:off x="173293" y="1508273"/>
-            <a:ext cx="8606565" cy="5062924"/>
+            <a:ext cx="8606565" cy="3631763"/>
           </a:xfrm>
           <a:prstGeom prst="rect">
             <a:avLst/>
@@ -4900,46 +4983,42 @@
               </a:lnSpc>
             </a:pPr>
             <a:r>
-              <a:rPr lang="ru-RU" sz="1600" b="1" dirty="0">
+              <a:rPr lang="ru-RU" sz="2400" b="1" dirty="0">
                 <a:solidFill>
                   <a:srgbClr val="000000"/>
                 </a:solidFill>
-                <a:latin typeface="Times New Roman"/>
                 <a:cs typeface="Times New Roman"/>
               </a:rPr>
               <a:t>Объект исследования:</a:t>
             </a:r>
             <a:r>
-              <a:rPr lang="ru-RU" sz="1600" dirty="0">
+              <a:rPr lang="ru-RU" sz="2400" dirty="0">
                 <a:solidFill>
                   <a:srgbClr val="000000"/>
                 </a:solidFill>
-                <a:latin typeface="Times New Roman"/>
                 <a:cs typeface="Times New Roman"/>
               </a:rPr>
               <a:t> </a:t>
             </a:r>
             <a:r>
-              <a:rPr lang="ru-RU" sz="1600" dirty="0" smtClean="0">
+              <a:rPr lang="ru-RU" sz="2400" dirty="0" smtClean="0">
                 <a:solidFill>
                   <a:srgbClr val="000000"/>
                 </a:solidFill>
-                <a:latin typeface="Times New Roman"/>
                 <a:cs typeface="Times New Roman"/>
               </a:rPr>
               <a:t>приложение </a:t>
             </a:r>
             <a:r>
-              <a:rPr lang="ru-RU" sz="1600" dirty="0">
+              <a:rPr lang="ru-RU" sz="2400" dirty="0">
                 <a:solidFill>
                   <a:srgbClr val="000000"/>
                 </a:solidFill>
-                <a:latin typeface="Times New Roman"/>
                 <a:cs typeface="Times New Roman"/>
               </a:rPr>
               <a:t>для мониторинга прогноза погоды.</a:t>
             </a:r>
-            <a:endParaRPr lang="ru-RU" sz="1600" dirty="0"/>
+            <a:endParaRPr lang="ru-RU" sz="2400" dirty="0"/>
           </a:p>
           <a:p>
             <a:pPr algn="just">
@@ -4947,13 +5026,132 @@
                 <a:spcPct val="150000"/>
               </a:lnSpc>
             </a:pPr>
-            <a:endParaRPr lang="ru-RU" sz="1600" dirty="0">
-              <a:solidFill>
-                <a:srgbClr val="000000"/>
-              </a:solidFill>
-              <a:latin typeface="Times New Roman"/>
-              <a:cs typeface="Times New Roman"/>
-            </a:endParaRPr>
+            <a:r>
+              <a:rPr lang="ru-RU" sz="2400" b="1" dirty="0" smtClean="0">
+                <a:solidFill>
+                  <a:srgbClr val="000000"/>
+                </a:solidFill>
+                <a:cs typeface="Times New Roman"/>
+              </a:rPr>
+              <a:t>Предмет </a:t>
+            </a:r>
+            <a:r>
+              <a:rPr lang="ru-RU" sz="2400" b="1" dirty="0">
+                <a:solidFill>
+                  <a:srgbClr val="000000"/>
+                </a:solidFill>
+                <a:cs typeface="Times New Roman"/>
+              </a:rPr>
+              <a:t>исследования: </a:t>
+            </a:r>
+            <a:r>
+              <a:rPr lang="ru-RU" sz="2400" dirty="0">
+                <a:solidFill>
+                  <a:srgbClr val="000000"/>
+                </a:solidFill>
+                <a:cs typeface="Times New Roman"/>
+              </a:rPr>
+              <a:t>р</a:t>
+            </a:r>
+            <a:r>
+              <a:rPr lang="ru-RU" sz="2400" dirty="0" smtClean="0">
+                <a:solidFill>
+                  <a:srgbClr val="000000"/>
+                </a:solidFill>
+                <a:cs typeface="Times New Roman"/>
+              </a:rPr>
+              <a:t>азработка </a:t>
+            </a:r>
+            <a:r>
+              <a:rPr lang="ru-RU" sz="2400" dirty="0" smtClean="0">
+                <a:solidFill>
+                  <a:srgbClr val="000000"/>
+                </a:solidFill>
+                <a:cs typeface="Times New Roman"/>
+              </a:rPr>
+              <a:t>приложения</a:t>
+            </a:r>
+            <a:r>
+              <a:rPr lang="en-US" sz="2400" dirty="0" smtClean="0">
+                <a:solidFill>
+                  <a:srgbClr val="000000"/>
+                </a:solidFill>
+                <a:cs typeface="Times New Roman"/>
+              </a:rPr>
+              <a:t> </a:t>
+            </a:r>
+            <a:r>
+              <a:rPr lang="ru-RU" sz="2400" dirty="0">
+                <a:solidFill>
+                  <a:srgbClr val="000000"/>
+                </a:solidFill>
+                <a:cs typeface="Times New Roman"/>
+              </a:rPr>
+              <a:t>для мониторинга прогноза погоды </a:t>
+            </a:r>
+            <a:r>
+              <a:rPr lang="ru-RU" sz="2400" dirty="0">
+                <a:solidFill>
+                  <a:srgbClr val="000000"/>
+                </a:solidFill>
+                <a:cs typeface="Times New Roman"/>
+              </a:rPr>
+              <a:t>с помощью </a:t>
+            </a:r>
+            <a:r>
+              <a:rPr lang="en-US" sz="2400" dirty="0">
+                <a:solidFill>
+                  <a:srgbClr val="000000"/>
+                </a:solidFill>
+                <a:cs typeface="Times New Roman"/>
+              </a:rPr>
+              <a:t>HTML</a:t>
+            </a:r>
+            <a:r>
+              <a:rPr lang="ru-RU" sz="2400" dirty="0">
+                <a:solidFill>
+                  <a:srgbClr val="000000"/>
+                </a:solidFill>
+                <a:cs typeface="Times New Roman"/>
+              </a:rPr>
+              <a:t>, </a:t>
+            </a:r>
+            <a:r>
+              <a:rPr lang="en-US" sz="2400" dirty="0">
+                <a:solidFill>
+                  <a:srgbClr val="000000"/>
+                </a:solidFill>
+                <a:cs typeface="Times New Roman"/>
+              </a:rPr>
+              <a:t>CSS</a:t>
+            </a:r>
+            <a:r>
+              <a:rPr lang="ru-RU" sz="2400" dirty="0">
+                <a:solidFill>
+                  <a:srgbClr val="000000"/>
+                </a:solidFill>
+                <a:cs typeface="Times New Roman"/>
+              </a:rPr>
+              <a:t>, </a:t>
+            </a:r>
+            <a:r>
+              <a:rPr lang="en-US" sz="2400" dirty="0">
+                <a:solidFill>
+                  <a:srgbClr val="000000"/>
+                </a:solidFill>
+                <a:cs typeface="Times New Roman"/>
+              </a:rPr>
+              <a:t>JS</a:t>
+            </a:r>
+            <a:r>
+              <a:rPr lang="ru-RU" sz="2400" dirty="0">
+                <a:solidFill>
+                  <a:srgbClr val="000000"/>
+                </a:solidFill>
+                <a:cs typeface="Times New Roman"/>
+              </a:rPr>
+              <a:t>.</a:t>
+            </a:r>
           </a:p>
           <a:p>
             <a:pPr algn="just">
@@ -4961,106 +5159,12 @@
                 <a:spcPct val="150000"/>
               </a:lnSpc>
             </a:pPr>
-            <a:r>
-              <a:rPr lang="ru-RU" sz="1600" b="1" dirty="0">
-                <a:solidFill>
-                  <a:srgbClr val="000000"/>
-                </a:solidFill>
-                <a:latin typeface="Times New Roman"/>
-                <a:cs typeface="Times New Roman"/>
-              </a:rPr>
-              <a:t>Предмет исследования: </a:t>
-            </a:r>
-            <a:r>
-              <a:rPr lang="ru-RU" sz="1600" dirty="0">
-                <a:solidFill>
-                  <a:srgbClr val="000000"/>
-                </a:solidFill>
-                <a:latin typeface="Times New Roman"/>
-                <a:cs typeface="Times New Roman"/>
-              </a:rPr>
-              <a:t>р</a:t>
-            </a:r>
-            <a:r>
-              <a:rPr lang="ru-RU" sz="1600" dirty="0" smtClean="0">
-                <a:solidFill>
-                  <a:srgbClr val="000000"/>
-                </a:solidFill>
-                <a:latin typeface="Times New Roman"/>
-                <a:cs typeface="Times New Roman"/>
-              </a:rPr>
-              <a:t>азработка </a:t>
-            </a:r>
-            <a:r>
-              <a:rPr lang="ru-RU" sz="1600" dirty="0">
-                <a:solidFill>
-                  <a:srgbClr val="000000"/>
-                </a:solidFill>
-                <a:latin typeface="Times New Roman"/>
-                <a:cs typeface="Times New Roman"/>
-              </a:rPr>
-              <a:t>приложения с помощью </a:t>
-            </a:r>
-            <a:r>
-              <a:rPr lang="en-US" sz="1600" dirty="0">
-                <a:solidFill>
-                  <a:srgbClr val="000000"/>
-                </a:solidFill>
-                <a:latin typeface="Times New Roman"/>
-                <a:cs typeface="Times New Roman"/>
-              </a:rPr>
-              <a:t>HTML</a:t>
-            </a:r>
-            <a:r>
-              <a:rPr lang="ru-RU" sz="1600" dirty="0">
-                <a:solidFill>
-                  <a:srgbClr val="000000"/>
-                </a:solidFill>
-                <a:latin typeface="Times New Roman"/>
-                <a:cs typeface="Times New Roman"/>
-              </a:rPr>
-              <a:t>, </a:t>
-            </a:r>
-            <a:r>
-              <a:rPr lang="en-US" sz="1600" dirty="0">
-                <a:solidFill>
-                  <a:srgbClr val="000000"/>
-                </a:solidFill>
-                <a:latin typeface="Times New Roman"/>
-                <a:cs typeface="Times New Roman"/>
-              </a:rPr>
-              <a:t>CSS</a:t>
-            </a:r>
-            <a:r>
-              <a:rPr lang="ru-RU" sz="1600" dirty="0">
-                <a:solidFill>
-                  <a:srgbClr val="000000"/>
-                </a:solidFill>
-                <a:latin typeface="Times New Roman"/>
-                <a:cs typeface="Times New Roman"/>
-              </a:rPr>
-              <a:t>, </a:t>
-            </a:r>
-            <a:r>
-              <a:rPr lang="en-US" sz="1600" dirty="0">
-                <a:solidFill>
-                  <a:srgbClr val="000000"/>
-                </a:solidFill>
-                <a:latin typeface="Times New Roman"/>
-                <a:cs typeface="Times New Roman"/>
-              </a:rPr>
-              <a:t>JS</a:t>
-            </a:r>
-            <a:r>
-              <a:rPr lang="ru-RU" sz="1600" dirty="0">
-                <a:solidFill>
-                  <a:srgbClr val="000000"/>
-                </a:solidFill>
-                <a:latin typeface="Times New Roman"/>
-                <a:cs typeface="Times New Roman"/>
-              </a:rPr>
-              <a:t>.</a:t>
-            </a:r>
+            <a:endParaRPr lang="ru-RU" sz="2400" dirty="0">
+              <a:solidFill>
+                <a:srgbClr val="000000"/>
+              </a:solidFill>
+              <a:cs typeface="Times New Roman"/>
+            </a:endParaRPr>
           </a:p>
           <a:p>
             <a:pPr algn="just">
@@ -5068,305 +5172,72 @@
                 <a:spcPct val="150000"/>
               </a:lnSpc>
             </a:pPr>
-            <a:endParaRPr lang="ru-RU" sz="1600" dirty="0">
+            <a:endParaRPr lang="ru-RU" sz="2000" dirty="0">
               <a:solidFill>
                 <a:srgbClr val="000000"/>
               </a:solidFill>
-              <a:latin typeface="Times New Roman"/>
-              <a:cs typeface="Times New Roman"/>
+              <a:cs typeface="Times New Roman" panose="02020603050405020304" pitchFamily="18" charset="0"/>
             </a:endParaRPr>
           </a:p>
           <a:p>
-            <a:pPr algn="just">
-              <a:lnSpc>
-                <a:spcPct val="150000"/>
-              </a:lnSpc>
-            </a:pPr>
-            <a:r>
-              <a:rPr lang="ru-RU" sz="1600" b="1" dirty="0">
-                <a:solidFill>
-                  <a:srgbClr val="000000"/>
-                </a:solidFill>
-                <a:latin typeface="Times New Roman"/>
-                <a:cs typeface="Times New Roman"/>
-              </a:rPr>
-              <a:t>Цель: </a:t>
-            </a:r>
-            <a:r>
-              <a:rPr lang="ru-RU" sz="1600" dirty="0">
-                <a:solidFill>
-                  <a:srgbClr val="000000"/>
-                </a:solidFill>
-                <a:latin typeface="Times New Roman"/>
-                <a:cs typeface="Times New Roman"/>
-              </a:rPr>
-              <a:t>р</a:t>
-            </a:r>
-            <a:r>
-              <a:rPr lang="ru-RU" sz="1600" dirty="0" smtClean="0">
-                <a:solidFill>
-                  <a:srgbClr val="000000"/>
-                </a:solidFill>
-                <a:latin typeface="Times New Roman"/>
-                <a:cs typeface="Times New Roman"/>
-              </a:rPr>
-              <a:t>азработать </a:t>
-            </a:r>
-            <a:r>
-              <a:rPr lang="ru-RU" sz="1600" dirty="0">
-                <a:solidFill>
-                  <a:srgbClr val="000000"/>
-                </a:solidFill>
-                <a:latin typeface="Times New Roman"/>
-                <a:cs typeface="Times New Roman"/>
-              </a:rPr>
-              <a:t>приложение для мониторинга погоды, используя текстовый редактор </a:t>
-            </a:r>
-            <a:r>
-              <a:rPr lang="en-US" sz="1600" dirty="0">
-                <a:solidFill>
-                  <a:srgbClr val="000000"/>
-                </a:solidFill>
-                <a:latin typeface="Times New Roman"/>
-                <a:cs typeface="Times New Roman"/>
-              </a:rPr>
-              <a:t>Visual</a:t>
-            </a:r>
-            <a:r>
-              <a:rPr lang="ru-RU" sz="1600" dirty="0">
-                <a:solidFill>
-                  <a:srgbClr val="000000"/>
-                </a:solidFill>
-                <a:latin typeface="Times New Roman"/>
-                <a:cs typeface="Times New Roman"/>
-              </a:rPr>
-              <a:t> </a:t>
-            </a:r>
-            <a:r>
-              <a:rPr lang="en-US" sz="1600" dirty="0">
-                <a:solidFill>
-                  <a:srgbClr val="000000"/>
-                </a:solidFill>
-                <a:latin typeface="Times New Roman"/>
-                <a:cs typeface="Times New Roman"/>
-              </a:rPr>
-              <a:t>Studio</a:t>
-            </a:r>
-            <a:r>
-              <a:rPr lang="ru-RU" sz="1600" dirty="0">
-                <a:solidFill>
-                  <a:srgbClr val="000000"/>
-                </a:solidFill>
-                <a:latin typeface="Times New Roman"/>
-                <a:cs typeface="Times New Roman"/>
-              </a:rPr>
-              <a:t> </a:t>
-            </a:r>
-            <a:r>
-              <a:rPr lang="en-US" sz="1600" dirty="0">
-                <a:solidFill>
-                  <a:srgbClr val="000000"/>
-                </a:solidFill>
-                <a:latin typeface="Times New Roman"/>
-                <a:cs typeface="Times New Roman"/>
-              </a:rPr>
-              <a:t>Code</a:t>
-            </a:r>
-            <a:r>
-              <a:rPr lang="ru-RU" sz="1600" dirty="0">
-                <a:solidFill>
-                  <a:srgbClr val="000000"/>
-                </a:solidFill>
-                <a:latin typeface="Times New Roman"/>
-                <a:cs typeface="Times New Roman"/>
-              </a:rPr>
-              <a:t> с использование языка программирования </a:t>
-            </a:r>
-            <a:r>
-              <a:rPr lang="en-US" sz="1600" dirty="0">
-                <a:solidFill>
-                  <a:srgbClr val="000000"/>
-                </a:solidFill>
-                <a:latin typeface="Times New Roman"/>
-                <a:cs typeface="Times New Roman"/>
-              </a:rPr>
-              <a:t>JavaScript</a:t>
-            </a:r>
-            <a:r>
-              <a:rPr lang="ru-RU" sz="1600" dirty="0" smtClean="0">
-                <a:solidFill>
-                  <a:srgbClr val="000000"/>
-                </a:solidFill>
-                <a:latin typeface="Times New Roman"/>
-                <a:cs typeface="Times New Roman"/>
-              </a:rPr>
-              <a:t>.</a:t>
-            </a:r>
-          </a:p>
-          <a:p>
-            <a:pPr algn="just">
-              <a:lnSpc>
-                <a:spcPct val="150000"/>
-              </a:lnSpc>
-            </a:pPr>
-            <a:endParaRPr lang="ru-RU" sz="1600" dirty="0" smtClean="0">
-              <a:solidFill>
-                <a:srgbClr val="000000"/>
-              </a:solidFill>
-              <a:latin typeface="Times New Roman"/>
-              <a:cs typeface="Times New Roman"/>
-            </a:endParaRPr>
-          </a:p>
-          <a:p>
-            <a:pPr algn="just">
-              <a:lnSpc>
-                <a:spcPct val="150000"/>
-              </a:lnSpc>
-            </a:pPr>
-            <a:r>
-              <a:rPr lang="ru-RU" sz="1600" b="1" dirty="0">
-                <a:solidFill>
-                  <a:srgbClr val="111115"/>
-                </a:solidFill>
-                <a:latin typeface="Times New Roman"/>
-                <a:cs typeface="Times New Roman"/>
-              </a:rPr>
-              <a:t>Задачи:</a:t>
-            </a:r>
-            <a:endParaRPr lang="ru-RU" sz="1600" dirty="0">
+            <a:pPr algn="just"/>
+            <a:endParaRPr lang="ru-RU" sz="2000" dirty="0">
               <a:solidFill>
                 <a:srgbClr val="111115"/>
               </a:solidFill>
-              <a:latin typeface="Times New Roman"/>
               <a:cs typeface="Times New Roman"/>
             </a:endParaRPr>
           </a:p>
-          <a:p>
-            <a:pPr marL="342900" indent="-342900" algn="just">
-              <a:lnSpc>
-                <a:spcPct val="150000"/>
-              </a:lnSpc>
-              <a:buFont typeface="+mj-lt"/>
-              <a:buAutoNum type="arabicParenR"/>
-            </a:pPr>
-            <a:r>
-              <a:rPr lang="ru-RU" sz="1600" dirty="0" smtClean="0">
-                <a:latin typeface="Times New Roman"/>
-                <a:cs typeface="Times New Roman"/>
-              </a:rPr>
-              <a:t>изучить </a:t>
-            </a:r>
-            <a:r>
-              <a:rPr lang="ru-RU" sz="1600" dirty="0">
-                <a:latin typeface="Times New Roman"/>
-                <a:cs typeface="Times New Roman"/>
-              </a:rPr>
-              <a:t>соответствующие аналоги;</a:t>
-            </a:r>
-          </a:p>
-          <a:p>
-            <a:pPr marL="342900" indent="-342900" algn="just">
-              <a:lnSpc>
-                <a:spcPct val="150000"/>
-              </a:lnSpc>
-              <a:buFont typeface="+mj-lt"/>
-              <a:buAutoNum type="arabicParenR"/>
-            </a:pPr>
-            <a:r>
-              <a:rPr lang="ru-RU" sz="1600" dirty="0" smtClean="0">
-                <a:latin typeface="Times New Roman"/>
-                <a:cs typeface="Times New Roman"/>
-              </a:rPr>
-              <a:t>создать </a:t>
-            </a:r>
-            <a:r>
-              <a:rPr lang="ru-RU" sz="1600" dirty="0">
-                <a:latin typeface="Times New Roman"/>
-                <a:cs typeface="Times New Roman"/>
-              </a:rPr>
-              <a:t>код приложения и интерфейсных компонентов на основе выбранных алгоритмов;</a:t>
-            </a:r>
-          </a:p>
-          <a:p>
-            <a:pPr marL="342900" indent="-342900" algn="just">
-              <a:lnSpc>
-                <a:spcPct val="150000"/>
-              </a:lnSpc>
-              <a:buFont typeface="+mj-lt"/>
-              <a:buAutoNum type="arabicParenR"/>
-            </a:pPr>
-            <a:r>
-              <a:rPr lang="ru-RU" sz="1600" dirty="0" smtClean="0">
-                <a:latin typeface="Times New Roman"/>
-                <a:cs typeface="Times New Roman"/>
-              </a:rPr>
-              <a:t>разработать </a:t>
-            </a:r>
-            <a:r>
-              <a:rPr lang="ru-RU" sz="1600" dirty="0">
-                <a:latin typeface="Times New Roman"/>
-                <a:cs typeface="Times New Roman"/>
-              </a:rPr>
-              <a:t>интерфейс приложения;</a:t>
-            </a:r>
-            <a:endParaRPr lang="en-US" sz="1600" dirty="0">
-              <a:latin typeface="Times New Roman"/>
-              <a:cs typeface="Times New Roman"/>
-            </a:endParaRPr>
-          </a:p>
-          <a:p>
-            <a:pPr marL="342900" indent="-342900" algn="just">
-              <a:lnSpc>
-                <a:spcPct val="150000"/>
-              </a:lnSpc>
-              <a:buFont typeface="+mj-lt"/>
-              <a:buAutoNum type="arabicParenR"/>
-            </a:pPr>
-            <a:r>
-              <a:rPr lang="ru-RU" sz="1600" dirty="0" smtClean="0">
-                <a:latin typeface="Times New Roman"/>
-                <a:cs typeface="Times New Roman"/>
-              </a:rPr>
-              <a:t>протестировать </a:t>
-            </a:r>
-            <a:r>
-              <a:rPr lang="ru-RU" sz="1600" dirty="0">
-                <a:latin typeface="Times New Roman"/>
-                <a:cs typeface="Times New Roman"/>
-              </a:rPr>
-              <a:t>программу с целью выявления ошибок.</a:t>
-            </a:r>
-            <a:endParaRPr lang="en-US" sz="1600" dirty="0">
-              <a:latin typeface="Times New Roman"/>
-              <a:cs typeface="Times New Roman"/>
-            </a:endParaRPr>
-          </a:p>
-          <a:p>
-            <a:pPr algn="just">
-              <a:lnSpc>
-                <a:spcPct val="150000"/>
-              </a:lnSpc>
-            </a:pPr>
-            <a:endParaRPr lang="ru-RU" sz="1400" dirty="0">
-              <a:solidFill>
-                <a:srgbClr val="000000"/>
-              </a:solidFill>
-              <a:latin typeface="Times New Roman" panose="02020603050405020304" pitchFamily="18" charset="0"/>
-              <a:cs typeface="Times New Roman" panose="02020603050405020304" pitchFamily="18" charset="0"/>
-            </a:endParaRPr>
-          </a:p>
-          <a:p>
-            <a:pPr algn="just"/>
-            <a:endParaRPr lang="ru-RU" sz="1400" dirty="0">
-              <a:solidFill>
-                <a:srgbClr val="111115"/>
-              </a:solidFill>
-              <a:latin typeface="Times New Roman"/>
-              <a:cs typeface="Times New Roman"/>
-            </a:endParaRPr>
-          </a:p>
-        </p:txBody>
-      </p:sp>
+        </p:txBody>
+      </p:sp>
+      <p:pic>
+        <p:nvPicPr>
+          <p:cNvPr id="3" name="Рисунок 2"/>
+          <p:cNvPicPr>
+            <a:picLocks noChangeAspect="1"/>
+          </p:cNvPicPr>
+          <p:nvPr/>
+        </p:nvPicPr>
+        <p:blipFill>
+          <a:blip r:embed="rId3"/>
+          <a:stretch>
+            <a:fillRect/>
+          </a:stretch>
+        </p:blipFill>
+        <p:spPr>
+          <a:xfrm>
+            <a:off x="821849" y="3934708"/>
+            <a:ext cx="2729363" cy="2410655"/>
+          </a:xfrm>
+          <a:prstGeom prst="rect">
+            <a:avLst/>
+          </a:prstGeom>
+        </p:spPr>
+      </p:pic>
+      <p:pic>
+        <p:nvPicPr>
+          <p:cNvPr id="4" name="Рисунок 3"/>
+          <p:cNvPicPr>
+            <a:picLocks noChangeAspect="1"/>
+          </p:cNvPicPr>
+          <p:nvPr/>
+        </p:nvPicPr>
+        <p:blipFill>
+          <a:blip r:embed="rId4"/>
+          <a:stretch>
+            <a:fillRect/>
+          </a:stretch>
+        </p:blipFill>
+        <p:spPr>
+          <a:xfrm>
+            <a:off x="4199767" y="3833756"/>
+            <a:ext cx="4383270" cy="2440605"/>
+          </a:xfrm>
+          <a:prstGeom prst="rect">
+            <a:avLst/>
+          </a:prstGeom>
+        </p:spPr>
+      </p:pic>
     </p:spTree>
     <p:extLst>
       <p:ext uri="{BB962C8B-B14F-4D97-AF65-F5344CB8AC3E}">
@@ -5423,43 +5294,25 @@
         </p:nvSpPr>
         <p:spPr>
           <a:xfrm>
-            <a:off x="3634174" y="249606"/>
+            <a:off x="3926716" y="365126"/>
             <a:ext cx="5903084" cy="959640"/>
           </a:xfrm>
         </p:spPr>
         <p:txBody>
           <a:bodyPr>
-            <a:normAutofit fontScale="90000"/>
+            <a:normAutofit/>
           </a:bodyPr>
           <a:lstStyle/>
           <a:p>
             <a:r>
-              <a:rPr lang="ru-RU" b="1" dirty="0">
+              <a:rPr lang="ru-RU" sz="4000" b="1" dirty="0">
                 <a:solidFill>
                   <a:schemeClr val="bg1"/>
                 </a:solidFill>
-                <a:latin typeface="Times New Roman" panose="02020603050405020304" pitchFamily="18" charset="0"/>
                 <a:cs typeface="Times New Roman" panose="02020603050405020304" pitchFamily="18" charset="0"/>
               </a:rPr>
-              <a:t>Описание предметной </a:t>
-            </a:r>
-            <a:r>
-              <a:rPr lang="ru-RU" b="1" dirty="0" smtClean="0">
-                <a:solidFill>
-                  <a:schemeClr val="bg1"/>
-                </a:solidFill>
-                <a:latin typeface="Times New Roman" panose="02020603050405020304" pitchFamily="18" charset="0"/>
-                <a:cs typeface="Times New Roman" panose="02020603050405020304" pitchFamily="18" charset="0"/>
-              </a:rPr>
-              <a:t>области и аналоги</a:t>
-            </a:r>
-            <a:endParaRPr lang="ru-RU" b="1" dirty="0">
-              <a:solidFill>
-                <a:schemeClr val="bg1"/>
-              </a:solidFill>
-              <a:latin typeface="Times New Roman" panose="02020603050405020304" pitchFamily="18" charset="0"/>
-              <a:cs typeface="Times New Roman" panose="02020603050405020304" pitchFamily="18" charset="0"/>
-            </a:endParaRPr>
+              <a:t>Содержание</a:t>
+            </a:r>
           </a:p>
         </p:txBody>
       </p:sp>
@@ -5471,8 +5324,8 @@
         </p:nvSpPr>
         <p:spPr>
           <a:xfrm>
-            <a:off x="209046" y="1549359"/>
-            <a:ext cx="8286244" cy="1846659"/>
+            <a:off x="173293" y="1508273"/>
+            <a:ext cx="8606565" cy="5401479"/>
           </a:xfrm>
           <a:prstGeom prst="rect">
             <a:avLst/>
@@ -5491,16 +5344,122 @@
               </a:lnSpc>
             </a:pPr>
             <a:r>
-              <a:rPr lang="ru-RU" sz="1600" dirty="0">
-                <a:latin typeface="Times New Roman" panose="02020603050405020304" pitchFamily="18" charset="0"/>
-                <a:cs typeface="Times New Roman" panose="02020603050405020304" pitchFamily="18" charset="0"/>
-              </a:rPr>
-              <a:t>Предметная область мониторинга прогноза погоды включает в себя сбор, обработку и анализ метеорологических данных с целью предоставления точной и надежной информации о погодных условиях в различных регионах мира. </a:t>
-            </a:r>
-            <a:endParaRPr lang="ru-RU" sz="1600" dirty="0" smtClean="0">
-              <a:latin typeface="Times New Roman" panose="02020603050405020304" pitchFamily="18" charset="0"/>
-              <a:cs typeface="Times New Roman" panose="02020603050405020304" pitchFamily="18" charset="0"/>
-            </a:endParaRPr>
+              <a:rPr lang="ru-RU" sz="2000" b="1" dirty="0" smtClean="0">
+                <a:solidFill>
+                  <a:srgbClr val="000000"/>
+                </a:solidFill>
+                <a:cs typeface="Times New Roman"/>
+              </a:rPr>
+              <a:t>Цель</a:t>
+            </a:r>
+            <a:r>
+              <a:rPr lang="ru-RU" sz="2000" b="1" dirty="0">
+                <a:solidFill>
+                  <a:srgbClr val="000000"/>
+                </a:solidFill>
+                <a:cs typeface="Times New Roman"/>
+              </a:rPr>
+              <a:t>: </a:t>
+            </a:r>
+            <a:r>
+              <a:rPr lang="ru-RU" sz="2000" dirty="0">
+                <a:solidFill>
+                  <a:srgbClr val="000000"/>
+                </a:solidFill>
+                <a:cs typeface="Times New Roman"/>
+              </a:rPr>
+              <a:t>р</a:t>
+            </a:r>
+            <a:r>
+              <a:rPr lang="ru-RU" sz="2000" dirty="0" smtClean="0">
+                <a:solidFill>
+                  <a:srgbClr val="000000"/>
+                </a:solidFill>
+                <a:cs typeface="Times New Roman"/>
+              </a:rPr>
+              <a:t>азработать </a:t>
+            </a:r>
+            <a:r>
+              <a:rPr lang="ru-RU" sz="2000" dirty="0">
+                <a:solidFill>
+                  <a:srgbClr val="000000"/>
+                </a:solidFill>
+                <a:cs typeface="Times New Roman"/>
+              </a:rPr>
+              <a:t>приложение для мониторинга погоды, используя текстовый редактор </a:t>
+            </a:r>
+            <a:r>
+              <a:rPr lang="en-US" sz="2000" dirty="0">
+                <a:solidFill>
+                  <a:srgbClr val="000000"/>
+                </a:solidFill>
+                <a:cs typeface="Times New Roman"/>
+              </a:rPr>
+              <a:t>Visual</a:t>
+            </a:r>
+            <a:r>
+              <a:rPr lang="ru-RU" sz="2000" dirty="0">
+                <a:solidFill>
+                  <a:srgbClr val="000000"/>
+                </a:solidFill>
+                <a:cs typeface="Times New Roman"/>
+              </a:rPr>
+              <a:t> </a:t>
+            </a:r>
+            <a:r>
+              <a:rPr lang="en-US" sz="2000" dirty="0">
+                <a:solidFill>
+                  <a:srgbClr val="000000"/>
+                </a:solidFill>
+                <a:cs typeface="Times New Roman"/>
+              </a:rPr>
+              <a:t>Studio</a:t>
+            </a:r>
+            <a:r>
+              <a:rPr lang="ru-RU" sz="2000" dirty="0">
+                <a:solidFill>
+                  <a:srgbClr val="000000"/>
+                </a:solidFill>
+                <a:cs typeface="Times New Roman"/>
+              </a:rPr>
+              <a:t> </a:t>
+            </a:r>
+            <a:r>
+              <a:rPr lang="en-US" sz="2000" dirty="0">
+                <a:solidFill>
+                  <a:srgbClr val="000000"/>
+                </a:solidFill>
+                <a:cs typeface="Times New Roman"/>
+              </a:rPr>
+              <a:t>Code</a:t>
+            </a:r>
+            <a:r>
+              <a:rPr lang="ru-RU" sz="2000" dirty="0">
+                <a:solidFill>
+                  <a:srgbClr val="000000"/>
+                </a:solidFill>
+                <a:cs typeface="Times New Roman"/>
+              </a:rPr>
+              <a:t> с использование языка программирования </a:t>
+            </a:r>
+            <a:r>
+              <a:rPr lang="en-US" sz="2000" dirty="0">
+                <a:solidFill>
+                  <a:srgbClr val="000000"/>
+                </a:solidFill>
+                <a:cs typeface="Times New Roman"/>
+              </a:rPr>
+              <a:t>JavaScript</a:t>
+            </a:r>
+            <a:r>
+              <a:rPr lang="ru-RU" sz="2000" dirty="0" smtClean="0">
+                <a:solidFill>
+                  <a:srgbClr val="000000"/>
+                </a:solidFill>
+                <a:cs typeface="Times New Roman"/>
+              </a:rPr>
+              <a:t>.</a:t>
+            </a:r>
           </a:p>
           <a:p>
             <a:pPr algn="just">
@@ -5508,9 +5467,11 @@
                 <a:spcPct val="150000"/>
               </a:lnSpc>
             </a:pPr>
-            <a:endParaRPr lang="ru-RU" sz="1400" dirty="0">
-              <a:latin typeface="Times New Roman" panose="02020603050405020304" pitchFamily="18" charset="0"/>
-              <a:cs typeface="Times New Roman" panose="02020603050405020304" pitchFamily="18" charset="0"/>
+            <a:endParaRPr lang="ru-RU" sz="2000" dirty="0" smtClean="0">
+              <a:solidFill>
+                <a:srgbClr val="000000"/>
+              </a:solidFill>
+              <a:cs typeface="Times New Roman"/>
             </a:endParaRPr>
           </a:p>
           <a:p>
@@ -5519,154 +5480,131 @@
                 <a:spcPct val="150000"/>
               </a:lnSpc>
             </a:pPr>
-            <a:endParaRPr lang="ru-RU" sz="1400" dirty="0">
-              <a:latin typeface="Times New Roman"/>
+            <a:r>
+              <a:rPr lang="ru-RU" sz="2000" b="1" dirty="0">
+                <a:solidFill>
+                  <a:srgbClr val="111115"/>
+                </a:solidFill>
+                <a:cs typeface="Times New Roman"/>
+              </a:rPr>
+              <a:t>Задачи:</a:t>
+            </a:r>
+            <a:endParaRPr lang="ru-RU" sz="2000" dirty="0">
+              <a:solidFill>
+                <a:srgbClr val="111115"/>
+              </a:solidFill>
               <a:cs typeface="Times New Roman"/>
             </a:endParaRPr>
           </a:p>
-        </p:txBody>
-      </p:sp>
-      <p:pic>
-        <p:nvPicPr>
-          <p:cNvPr id="4" name="Рисунок 3"/>
-          <p:cNvPicPr/>
-          <p:nvPr/>
-        </p:nvPicPr>
-        <p:blipFill>
-          <a:blip r:embed="rId3"/>
-          <a:stretch>
-            <a:fillRect/>
-          </a:stretch>
-        </p:blipFill>
-        <p:spPr>
-          <a:xfrm>
-            <a:off x="4343788" y="2816029"/>
-            <a:ext cx="4483857" cy="2905040"/>
-          </a:xfrm>
-          <a:prstGeom prst="rect">
-            <a:avLst/>
-          </a:prstGeom>
-        </p:spPr>
-      </p:pic>
-      <p:sp>
-        <p:nvSpPr>
-          <p:cNvPr id="6" name="TextBox 5"/>
-          <p:cNvSpPr txBox="1"/>
-          <p:nvPr/>
-        </p:nvSpPr>
-        <p:spPr>
-          <a:xfrm>
-            <a:off x="209046" y="2660590"/>
-            <a:ext cx="4068658" cy="4431983"/>
-          </a:xfrm>
-          <a:prstGeom prst="rect">
-            <a:avLst/>
-          </a:prstGeom>
-          <a:noFill/>
-        </p:spPr>
-        <p:txBody>
-          <a:bodyPr wrap="square" lIns="91440" tIns="45720" rIns="91440" bIns="45720" rtlCol="0" anchor="t">
-            <a:spAutoFit/>
-          </a:bodyPr>
-          <a:lstStyle/>
+          <a:p>
+            <a:pPr marL="342900" indent="-342900" algn="just">
+              <a:lnSpc>
+                <a:spcPct val="150000"/>
+              </a:lnSpc>
+              <a:buFont typeface="+mj-lt"/>
+              <a:buAutoNum type="arabicParenR"/>
+            </a:pPr>
+            <a:r>
+              <a:rPr lang="ru-RU" sz="2000" dirty="0" smtClean="0">
+                <a:cs typeface="Times New Roman"/>
+              </a:rPr>
+              <a:t>изучить </a:t>
+            </a:r>
+            <a:r>
+              <a:rPr lang="ru-RU" sz="2000" dirty="0">
+                <a:cs typeface="Times New Roman"/>
+              </a:rPr>
+              <a:t>соответствующие аналоги;</a:t>
+            </a:r>
+          </a:p>
+          <a:p>
+            <a:pPr marL="342900" indent="-342900" algn="just">
+              <a:lnSpc>
+                <a:spcPct val="150000"/>
+              </a:lnSpc>
+              <a:buFont typeface="+mj-lt"/>
+              <a:buAutoNum type="arabicParenR"/>
+            </a:pPr>
+            <a:r>
+              <a:rPr lang="ru-RU" sz="2000" dirty="0" smtClean="0">
+                <a:cs typeface="Times New Roman"/>
+              </a:rPr>
+              <a:t>создать </a:t>
+            </a:r>
+            <a:r>
+              <a:rPr lang="ru-RU" sz="2000" dirty="0">
+                <a:cs typeface="Times New Roman"/>
+              </a:rPr>
+              <a:t>код приложения и интерфейсных компонентов на основе выбранных алгоритмов;</a:t>
+            </a:r>
+          </a:p>
+          <a:p>
+            <a:pPr marL="342900" indent="-342900" algn="just">
+              <a:lnSpc>
+                <a:spcPct val="150000"/>
+              </a:lnSpc>
+              <a:buFont typeface="+mj-lt"/>
+              <a:buAutoNum type="arabicParenR"/>
+            </a:pPr>
+            <a:r>
+              <a:rPr lang="ru-RU" sz="2000" dirty="0" smtClean="0">
+                <a:cs typeface="Times New Roman"/>
+              </a:rPr>
+              <a:t>разработать </a:t>
+            </a:r>
+            <a:r>
+              <a:rPr lang="ru-RU" sz="2000" dirty="0">
+                <a:cs typeface="Times New Roman"/>
+              </a:rPr>
+              <a:t>интерфейс приложения;</a:t>
+            </a:r>
+            <a:endParaRPr lang="en-US" sz="2000" dirty="0">
+              <a:cs typeface="Times New Roman"/>
+            </a:endParaRPr>
+          </a:p>
+          <a:p>
+            <a:pPr marL="342900" indent="-342900" algn="just">
+              <a:lnSpc>
+                <a:spcPct val="150000"/>
+              </a:lnSpc>
+              <a:buFont typeface="+mj-lt"/>
+              <a:buAutoNum type="arabicParenR"/>
+            </a:pPr>
+            <a:r>
+              <a:rPr lang="ru-RU" sz="2000" dirty="0" smtClean="0">
+                <a:cs typeface="Times New Roman"/>
+              </a:rPr>
+              <a:t>протестировать </a:t>
+            </a:r>
+            <a:r>
+              <a:rPr lang="ru-RU" sz="2000" dirty="0">
+                <a:cs typeface="Times New Roman"/>
+              </a:rPr>
+              <a:t>программу с целью выявления ошибок.</a:t>
+            </a:r>
+            <a:endParaRPr lang="en-US" sz="2000" dirty="0">
+              <a:cs typeface="Times New Roman"/>
+            </a:endParaRPr>
+          </a:p>
           <a:p>
             <a:pPr algn="just">
               <a:lnSpc>
                 <a:spcPct val="150000"/>
               </a:lnSpc>
             </a:pPr>
-            <a:r>
-              <a:rPr lang="ru-RU" sz="1600" dirty="0">
-                <a:latin typeface="Times New Roman" panose="02020603050405020304" pitchFamily="18" charset="0"/>
-                <a:cs typeface="Times New Roman" panose="02020603050405020304" pitchFamily="18" charset="0"/>
-              </a:rPr>
-              <a:t> </a:t>
-            </a:r>
-            <a:r>
-              <a:rPr lang="ru-RU" sz="1600" dirty="0" smtClean="0">
-                <a:latin typeface="Times New Roman"/>
-                <a:cs typeface="Times New Roman"/>
-              </a:rPr>
-              <a:t>1</a:t>
-            </a:r>
-            <a:r>
-              <a:rPr lang="ru-RU" sz="1600" dirty="0">
-                <a:latin typeface="Times New Roman"/>
-                <a:cs typeface="Times New Roman"/>
-              </a:rPr>
-              <a:t>. </a:t>
-            </a:r>
-            <a:r>
-              <a:rPr lang="ru-RU" sz="1600" dirty="0" err="1" smtClean="0">
-                <a:solidFill>
-                  <a:srgbClr val="1D1D1F"/>
-                </a:solidFill>
-                <a:latin typeface="Times New Roman"/>
-                <a:cs typeface="Times New Roman"/>
-              </a:rPr>
-              <a:t>Яндекс.Погода</a:t>
-            </a:r>
-            <a:r>
-              <a:rPr lang="ru-RU" sz="1600" dirty="0" smtClean="0">
-                <a:solidFill>
-                  <a:srgbClr val="1D1D1F"/>
-                </a:solidFill>
-                <a:latin typeface="Times New Roman"/>
-                <a:cs typeface="Times New Roman"/>
-              </a:rPr>
-              <a:t> — </a:t>
-            </a:r>
-            <a:r>
-              <a:rPr lang="ru-RU" sz="1600" dirty="0">
-                <a:solidFill>
-                  <a:srgbClr val="1D1D1F"/>
-                </a:solidFill>
-                <a:latin typeface="Times New Roman"/>
-                <a:cs typeface="Times New Roman"/>
-              </a:rPr>
-              <a:t>это бесплатное приложение для пользователей в России, которые предоставляет прогноз погоды на ближайшие 10 дней, а также информацию о температуре, атмосферном давлении, скорости ветра и вероятности выпадения осадков. В основе сервиса — искусственный интеллект </a:t>
-            </a:r>
-            <a:r>
-              <a:rPr lang="ru-RU" sz="1600" dirty="0" err="1">
-                <a:solidFill>
-                  <a:srgbClr val="1D1D1F"/>
-                </a:solidFill>
-                <a:latin typeface="Times New Roman"/>
-                <a:cs typeface="Times New Roman"/>
-              </a:rPr>
-              <a:t>Meteum</a:t>
-            </a:r>
-            <a:r>
-              <a:rPr lang="ru-RU" sz="1600" dirty="0">
-                <a:solidFill>
-                  <a:srgbClr val="1D1D1F"/>
-                </a:solidFill>
-                <a:latin typeface="Times New Roman"/>
-                <a:cs typeface="Times New Roman"/>
-              </a:rPr>
-              <a:t>, который обрабатывает показания тысяч приборов на земле и в космосе.</a:t>
-            </a:r>
-            <a:endParaRPr lang="ru-RU" sz="1600" dirty="0"/>
-          </a:p>
-          <a:p>
-            <a:pPr algn="just">
-              <a:lnSpc>
-                <a:spcPct val="150000"/>
-              </a:lnSpc>
-            </a:pPr>
-            <a:endParaRPr lang="ru-RU" sz="1400" dirty="0">
-              <a:latin typeface="Times New Roman" panose="02020603050405020304" pitchFamily="18" charset="0"/>
+            <a:endParaRPr lang="ru-RU" dirty="0">
+              <a:solidFill>
+                <a:srgbClr val="000000"/>
+              </a:solidFill>
               <a:cs typeface="Times New Roman" panose="02020603050405020304" pitchFamily="18" charset="0"/>
             </a:endParaRPr>
           </a:p>
           <a:p>
-            <a:pPr algn="just">
-              <a:lnSpc>
-                <a:spcPct val="150000"/>
-              </a:lnSpc>
-            </a:pPr>
-            <a:endParaRPr lang="ru-RU" sz="1400" dirty="0">
-              <a:latin typeface="Times New Roman"/>
+            <a:pPr algn="just"/>
+            <a:endParaRPr lang="ru-RU" dirty="0">
+              <a:solidFill>
+                <a:srgbClr val="111115"/>
+              </a:solidFill>
               <a:cs typeface="Times New Roman"/>
             </a:endParaRPr>
           </a:p>
@@ -5675,7 +5613,7 @@
     </p:spTree>
     <p:extLst>
       <p:ext uri="{BB962C8B-B14F-4D97-AF65-F5344CB8AC3E}">
-        <p14:creationId xmlns:p14="http://schemas.microsoft.com/office/powerpoint/2010/main" val="2789828017"/>
+        <p14:creationId xmlns:p14="http://schemas.microsoft.com/office/powerpoint/2010/main" val="1706645867"/>
       </p:ext>
     </p:extLst>
   </p:cSld>
@@ -5728,6 +5666,316 @@
         </p:nvSpPr>
         <p:spPr>
           <a:xfrm>
+            <a:off x="3634174" y="249606"/>
+            <a:ext cx="5903084" cy="959640"/>
+          </a:xfrm>
+        </p:spPr>
+        <p:txBody>
+          <a:bodyPr>
+            <a:normAutofit fontScale="90000"/>
+          </a:bodyPr>
+          <a:lstStyle/>
+          <a:p>
+            <a:r>
+              <a:rPr lang="ru-RU" b="1" dirty="0">
+                <a:solidFill>
+                  <a:schemeClr val="bg1"/>
+                </a:solidFill>
+                <a:cs typeface="Times New Roman" panose="02020603050405020304" pitchFamily="18" charset="0"/>
+              </a:rPr>
+              <a:t>Описание предметной </a:t>
+            </a:r>
+            <a:r>
+              <a:rPr lang="ru-RU" b="1" dirty="0" smtClean="0">
+                <a:solidFill>
+                  <a:schemeClr val="bg1"/>
+                </a:solidFill>
+                <a:cs typeface="Times New Roman" panose="02020603050405020304" pitchFamily="18" charset="0"/>
+              </a:rPr>
+              <a:t>области и аналоги</a:t>
+            </a:r>
+            <a:endParaRPr lang="ru-RU" b="1" dirty="0">
+              <a:solidFill>
+                <a:schemeClr val="bg1"/>
+              </a:solidFill>
+              <a:cs typeface="Times New Roman" panose="02020603050405020304" pitchFamily="18" charset="0"/>
+            </a:endParaRPr>
+          </a:p>
+        </p:txBody>
+      </p:sp>
+      <p:sp>
+        <p:nvSpPr>
+          <p:cNvPr id="5" name="TextBox 4"/>
+          <p:cNvSpPr txBox="1"/>
+          <p:nvPr/>
+        </p:nvSpPr>
+        <p:spPr>
+          <a:xfrm>
+            <a:off x="200666" y="1403702"/>
+            <a:ext cx="8286244" cy="1846659"/>
+          </a:xfrm>
+          <a:prstGeom prst="rect">
+            <a:avLst/>
+          </a:prstGeom>
+          <a:noFill/>
+        </p:spPr>
+        <p:txBody>
+          <a:bodyPr wrap="square" lIns="91440" tIns="45720" rIns="91440" bIns="45720" rtlCol="0" anchor="t">
+            <a:spAutoFit/>
+          </a:bodyPr>
+          <a:lstStyle/>
+          <a:p>
+            <a:pPr algn="just">
+              <a:lnSpc>
+                <a:spcPct val="150000"/>
+              </a:lnSpc>
+            </a:pPr>
+            <a:r>
+              <a:rPr lang="ru-RU" sz="1600" dirty="0">
+                <a:cs typeface="Times New Roman" panose="02020603050405020304" pitchFamily="18" charset="0"/>
+              </a:rPr>
+              <a:t>Предметная область мониторинга прогноза погоды включает в себя сбор, обработку и анализ метеорологических данных с целью предоставления точной и надежной информации о погодных условиях в различных регионах мира. </a:t>
+            </a:r>
+            <a:endParaRPr lang="ru-RU" sz="1600" dirty="0" smtClean="0">
+              <a:cs typeface="Times New Roman" panose="02020603050405020304" pitchFamily="18" charset="0"/>
+            </a:endParaRPr>
+          </a:p>
+          <a:p>
+            <a:pPr algn="just">
+              <a:lnSpc>
+                <a:spcPct val="150000"/>
+              </a:lnSpc>
+            </a:pPr>
+            <a:endParaRPr lang="ru-RU" sz="1400" dirty="0">
+              <a:cs typeface="Times New Roman" panose="02020603050405020304" pitchFamily="18" charset="0"/>
+            </a:endParaRPr>
+          </a:p>
+          <a:p>
+            <a:pPr algn="just">
+              <a:lnSpc>
+                <a:spcPct val="150000"/>
+              </a:lnSpc>
+            </a:pPr>
+            <a:endParaRPr lang="ru-RU" sz="1400" dirty="0">
+              <a:cs typeface="Times New Roman"/>
+            </a:endParaRPr>
+          </a:p>
+        </p:txBody>
+      </p:sp>
+      <p:pic>
+        <p:nvPicPr>
+          <p:cNvPr id="4" name="Рисунок 3"/>
+          <p:cNvPicPr/>
+          <p:nvPr/>
+        </p:nvPicPr>
+        <p:blipFill>
+          <a:blip r:embed="rId3"/>
+          <a:stretch>
+            <a:fillRect/>
+          </a:stretch>
+        </p:blipFill>
+        <p:spPr>
+          <a:xfrm>
+            <a:off x="4343788" y="2816029"/>
+            <a:ext cx="4483857" cy="2905040"/>
+          </a:xfrm>
+          <a:prstGeom prst="rect">
+            <a:avLst/>
+          </a:prstGeom>
+        </p:spPr>
+      </p:pic>
+      <p:sp>
+        <p:nvSpPr>
+          <p:cNvPr id="6" name="TextBox 5"/>
+          <p:cNvSpPr txBox="1"/>
+          <p:nvPr/>
+        </p:nvSpPr>
+        <p:spPr>
+          <a:xfrm>
+            <a:off x="237898" y="2474473"/>
+            <a:ext cx="4068658" cy="4801314"/>
+          </a:xfrm>
+          <a:prstGeom prst="rect">
+            <a:avLst/>
+          </a:prstGeom>
+          <a:noFill/>
+        </p:spPr>
+        <p:txBody>
+          <a:bodyPr wrap="square" lIns="91440" tIns="45720" rIns="91440" bIns="45720" rtlCol="0" anchor="t">
+            <a:spAutoFit/>
+          </a:bodyPr>
+          <a:lstStyle/>
+          <a:p>
+            <a:pPr algn="just">
+              <a:lnSpc>
+                <a:spcPct val="150000"/>
+              </a:lnSpc>
+            </a:pPr>
+            <a:r>
+              <a:rPr lang="ru-RU" sz="1600" dirty="0">
+                <a:cs typeface="Times New Roman" panose="02020603050405020304" pitchFamily="18" charset="0"/>
+              </a:rPr>
+              <a:t> </a:t>
+            </a:r>
+            <a:r>
+              <a:rPr lang="ru-RU" sz="1600" dirty="0" smtClean="0">
+                <a:cs typeface="Times New Roman" panose="02020603050405020304" pitchFamily="18" charset="0"/>
+              </a:rPr>
+              <a:t>Аналоги</a:t>
+            </a:r>
+          </a:p>
+          <a:p>
+            <a:pPr algn="just">
+              <a:lnSpc>
+                <a:spcPct val="150000"/>
+              </a:lnSpc>
+            </a:pPr>
+            <a:r>
+              <a:rPr lang="ru-RU" sz="1600" dirty="0" smtClean="0">
+                <a:cs typeface="Times New Roman"/>
+              </a:rPr>
+              <a:t>1</a:t>
+            </a:r>
+            <a:r>
+              <a:rPr lang="ru-RU" sz="1600" dirty="0">
+                <a:cs typeface="Times New Roman"/>
+              </a:rPr>
+              <a:t>. </a:t>
+            </a:r>
+            <a:r>
+              <a:rPr lang="ru-RU" sz="1600" dirty="0" err="1" smtClean="0">
+                <a:solidFill>
+                  <a:srgbClr val="1D1D1F"/>
+                </a:solidFill>
+                <a:cs typeface="Times New Roman"/>
+              </a:rPr>
+              <a:t>Яндекс.Погода</a:t>
+            </a:r>
+            <a:r>
+              <a:rPr lang="ru-RU" sz="1600" dirty="0" smtClean="0">
+                <a:solidFill>
+                  <a:srgbClr val="1D1D1F"/>
+                </a:solidFill>
+                <a:cs typeface="Times New Roman"/>
+              </a:rPr>
+              <a:t> </a:t>
+            </a:r>
+            <a:r>
+              <a:rPr lang="ru-RU" sz="1600" dirty="0" smtClean="0">
+                <a:solidFill>
+                  <a:srgbClr val="1D1D1F"/>
+                </a:solidFill>
+                <a:cs typeface="Times New Roman"/>
+              </a:rPr>
+              <a:t>— </a:t>
+            </a:r>
+            <a:r>
+              <a:rPr lang="ru-RU" sz="1600" dirty="0">
+                <a:solidFill>
+                  <a:srgbClr val="1D1D1F"/>
+                </a:solidFill>
+                <a:cs typeface="Times New Roman"/>
+              </a:rPr>
+              <a:t>это бесплатное приложение для пользователей в России, которые предоставляет прогноз погоды на ближайшие 10 дней, а также информацию о температуре, атмосферном давлении, скорости ветра и вероятности выпадения осадков. В основе сервиса — искусственный интеллект </a:t>
+            </a:r>
+            <a:r>
+              <a:rPr lang="ru-RU" sz="1600" dirty="0" err="1">
+                <a:solidFill>
+                  <a:srgbClr val="1D1D1F"/>
+                </a:solidFill>
+                <a:cs typeface="Times New Roman"/>
+              </a:rPr>
+              <a:t>Meteum</a:t>
+            </a:r>
+            <a:r>
+              <a:rPr lang="ru-RU" sz="1600" dirty="0">
+                <a:solidFill>
+                  <a:srgbClr val="1D1D1F"/>
+                </a:solidFill>
+                <a:cs typeface="Times New Roman"/>
+              </a:rPr>
+              <a:t>, который обрабатывает показания тысяч приборов на земле и в космосе.</a:t>
+            </a:r>
+            <a:endParaRPr lang="ru-RU" sz="1600" dirty="0"/>
+          </a:p>
+          <a:p>
+            <a:pPr algn="just">
+              <a:lnSpc>
+                <a:spcPct val="150000"/>
+              </a:lnSpc>
+            </a:pPr>
+            <a:endParaRPr lang="ru-RU" sz="1400" dirty="0">
+              <a:cs typeface="Times New Roman" panose="02020603050405020304" pitchFamily="18" charset="0"/>
+            </a:endParaRPr>
+          </a:p>
+          <a:p>
+            <a:pPr algn="just">
+              <a:lnSpc>
+                <a:spcPct val="150000"/>
+              </a:lnSpc>
+            </a:pPr>
+            <a:endParaRPr lang="ru-RU" sz="1400" dirty="0">
+              <a:cs typeface="Times New Roman"/>
+            </a:endParaRPr>
+          </a:p>
+        </p:txBody>
+      </p:sp>
+    </p:spTree>
+    <p:extLst>
+      <p:ext uri="{BB962C8B-B14F-4D97-AF65-F5344CB8AC3E}">
+        <p14:creationId xmlns:p14="http://schemas.microsoft.com/office/powerpoint/2010/main" val="2789828017"/>
+      </p:ext>
+    </p:extLst>
+  </p:cSld>
+  <p:clrMapOvr>
+    <a:masterClrMapping/>
+  </p:clrMapOvr>
+</p:sld>
+</file>
+
+<file path=ppt/slides/slide6.xml><?xml version="1.0" encoding="utf-8"?>
+<p:sld xmlns:a="http://schemas.openxmlformats.org/drawingml/2006/main" xmlns:r="http://schemas.openxmlformats.org/officeDocument/2006/relationships" xmlns:p="http://schemas.openxmlformats.org/presentationml/2006/main">
+  <p:cSld>
+    <p:bg>
+      <p:bgPr>
+        <a:blipFill dpi="0" rotWithShape="1">
+          <a:blip r:embed="rId2">
+            <a:lum/>
+          </a:blip>
+          <a:srcRect/>
+          <a:stretch>
+            <a:fillRect/>
+          </a:stretch>
+        </a:blipFill>
+        <a:effectLst/>
+      </p:bgPr>
+    </p:bg>
+    <p:spTree>
+      <p:nvGrpSpPr>
+        <p:cNvPr id="1" name=""/>
+        <p:cNvGrpSpPr/>
+        <p:nvPr/>
+      </p:nvGrpSpPr>
+      <p:grpSpPr>
+        <a:xfrm>
+          <a:off x="0" y="0"/>
+          <a:ext cx="0" cy="0"/>
+          <a:chOff x="0" y="0"/>
+          <a:chExt cx="0" cy="0"/>
+        </a:xfrm>
+      </p:grpSpPr>
+      <p:sp>
+        <p:nvSpPr>
+          <p:cNvPr id="2" name="Заголовок 1"/>
+          <p:cNvSpPr>
+            <a:spLocks noGrp="1"/>
+          </p:cNvSpPr>
+          <p:nvPr>
+            <p:ph type="title"/>
+          </p:nvPr>
+        </p:nvSpPr>
+        <p:spPr>
+          <a:xfrm>
             <a:off x="3869919" y="134173"/>
             <a:ext cx="5903084" cy="1115216"/>
           </a:xfrm>
@@ -5744,7 +5992,7 @@
                 <a:solidFill>
                   <a:schemeClr val="bg1"/>
                 </a:solidFill>
-                <a:latin typeface="Times New Roman" panose="02020603050405020304" pitchFamily="18" charset="0"/>
+                <a:latin typeface="+mj-lt"/>
                 <a:cs typeface="Times New Roman" panose="02020603050405020304" pitchFamily="18" charset="0"/>
               </a:rPr>
               <a:t>Обзор имеющихся аналогов</a:t>
@@ -5780,7 +6028,6 @@
               </a:lnSpc>
             </a:pPr>
             <a:endParaRPr lang="ru-RU" sz="1400" dirty="0">
-              <a:latin typeface="Times New Roman"/>
               <a:cs typeface="Times New Roman"/>
             </a:endParaRPr>
           </a:p>
@@ -5792,28 +6039,24 @@
             </a:pPr>
             <a:r>
               <a:rPr lang="ru-RU" sz="1400" dirty="0" smtClean="0">
-                <a:latin typeface="Times New Roman"/>
                 <a:cs typeface="Times New Roman"/>
               </a:rPr>
               <a:t>2. </a:t>
             </a:r>
             <a:r>
               <a:rPr lang="en-US" sz="1400" dirty="0" err="1">
-                <a:latin typeface="Times New Roman"/>
                 <a:cs typeface="Times New Roman"/>
               </a:rPr>
               <a:t>AccuWeather</a:t>
             </a:r>
             <a:r>
               <a:rPr lang="ru-RU" sz="1400" dirty="0">
-                <a:latin typeface="Times New Roman"/>
                 <a:cs typeface="Times New Roman"/>
               </a:rPr>
               <a:t> </a:t>
             </a:r>
             <a:r>
               <a:rPr lang="ru-RU" sz="1400" dirty="0" smtClean="0">
-                <a:latin typeface="Times New Roman"/>
                 <a:cs typeface="Times New Roman"/>
               </a:rPr>
               <a:t>— </a:t>
@@ -5823,7 +6066,6 @@
                 <a:solidFill>
                   <a:srgbClr val="323238"/>
                 </a:solidFill>
-                <a:latin typeface="Times New Roman"/>
                 <a:cs typeface="Times New Roman"/>
               </a:rPr>
               <a:t>это одно из наиболее популярных приложений для отслеживания погоды, которое может отображать еженедельные, ежедневные и ежечасные метеосводки. </a:t>
@@ -5833,7 +6075,6 @@
                 <a:solidFill>
                   <a:srgbClr val="333333"/>
                 </a:solidFill>
-                <a:latin typeface="Times New Roman"/>
                 <a:cs typeface="Times New Roman"/>
               </a:rPr>
               <a:t>Каждый день более полутора миллиардов человек по всему миру полагаются на ресурс </a:t>
@@ -5843,7 +6084,6 @@
                 <a:solidFill>
                   <a:srgbClr val="333333"/>
                 </a:solidFill>
-                <a:latin typeface="Times New Roman"/>
                 <a:cs typeface="Times New Roman"/>
               </a:rPr>
               <a:t>AccuWeather</a:t>
@@ -5853,7 +6093,6 @@
                 <a:solidFill>
                   <a:srgbClr val="333333"/>
                 </a:solidFill>
-                <a:latin typeface="Times New Roman"/>
                 <a:cs typeface="Times New Roman"/>
               </a:rPr>
               <a:t>, который помогает им планировать свою жизнь, защищать бизнес и эффективно использовать </a:t>
@@ -5863,13 +6102,11 @@
                 <a:solidFill>
                   <a:srgbClr val="333333"/>
                 </a:solidFill>
-                <a:latin typeface="Times New Roman"/>
                 <a:cs typeface="Times New Roman"/>
               </a:rPr>
               <a:t>время.</a:t>
             </a:r>
             <a:endParaRPr lang="ru-RU" sz="1400" dirty="0">
-              <a:latin typeface="Times New Roman"/>
               <a:cs typeface="Times New Roman"/>
             </a:endParaRPr>
           </a:p>
@@ -5881,41 +6118,35 @@
             </a:pPr>
             <a:r>
               <a:rPr lang="ru-RU" sz="1400" dirty="0" smtClean="0">
-                <a:latin typeface="Times New Roman"/>
                 <a:cs typeface="Times New Roman"/>
               </a:rPr>
               <a:t>3. </a:t>
             </a:r>
             <a:r>
               <a:rPr lang="en-US" sz="1400" dirty="0" err="1" smtClean="0">
-                <a:latin typeface="Times New Roman"/>
                 <a:cs typeface="Times New Roman"/>
               </a:rPr>
               <a:t>Gismeteo</a:t>
             </a:r>
             <a:r>
               <a:rPr lang="ru-RU" sz="1400" dirty="0" smtClean="0">
-                <a:latin typeface="Times New Roman"/>
                 <a:cs typeface="Times New Roman"/>
               </a:rPr>
               <a:t> — </a:t>
             </a:r>
             <a:r>
               <a:rPr lang="ru-RU" sz="1400" dirty="0">
-                <a:latin typeface="Times New Roman"/>
                 <a:cs typeface="Times New Roman"/>
               </a:rPr>
               <a:t>это метеорологический ресурс, которым ежедневно пользуются миллионы людей по всему миру. При помощи сайта, мобильных приложений и виджетов можно за секунду узнать текущую погоду, а также получить прогноз температуры, осадков и других необходимых параметров в различных пунктах по всей Земле</a:t>
             </a:r>
             <a:r>
               <a:rPr lang="ru-RU" sz="1400" dirty="0" smtClean="0">
-                <a:latin typeface="Times New Roman"/>
                 <a:cs typeface="Times New Roman"/>
               </a:rPr>
               <a:t>..</a:t>
             </a:r>
             <a:endParaRPr lang="ru-RU" sz="1400" dirty="0">
-              <a:latin typeface="Times New Roman"/>
               <a:cs typeface="Times New Roman"/>
             </a:endParaRPr>
           </a:p>
@@ -5926,7 +6157,6 @@
               </a:lnSpc>
             </a:pPr>
             <a:endParaRPr lang="ru-RU" sz="1400" dirty="0">
-              <a:latin typeface="Calibri" panose="020F0502020204030204"/>
               <a:cs typeface="Calibri" panose="020F0502020204030204"/>
             </a:endParaRPr>
           </a:p>
@@ -6011,274 +6241,6 @@
 </p:sld>
 </file>
 
-<file path=ppt/slides/slide6.xml><?xml version="1.0" encoding="utf-8"?>
-<p:sld xmlns:a="http://schemas.openxmlformats.org/drawingml/2006/main" xmlns:r="http://schemas.openxmlformats.org/officeDocument/2006/relationships" xmlns:p="http://schemas.openxmlformats.org/presentationml/2006/main">
-  <p:cSld>
-    <p:bg>
-      <p:bgPr>
-        <a:blipFill dpi="0" rotWithShape="1">
-          <a:blip r:embed="rId2">
-            <a:lum/>
-          </a:blip>
-          <a:srcRect/>
-          <a:stretch>
-            <a:fillRect/>
-          </a:stretch>
-        </a:blipFill>
-        <a:effectLst/>
-      </p:bgPr>
-    </p:bg>
-    <p:spTree>
-      <p:nvGrpSpPr>
-        <p:cNvPr id="1" name=""/>
-        <p:cNvGrpSpPr/>
-        <p:nvPr/>
-      </p:nvGrpSpPr>
-      <p:grpSpPr>
-        <a:xfrm>
-          <a:off x="0" y="0"/>
-          <a:ext cx="0" cy="0"/>
-          <a:chOff x="0" y="0"/>
-          <a:chExt cx="0" cy="0"/>
-        </a:xfrm>
-      </p:grpSpPr>
-      <p:sp>
-        <p:nvSpPr>
-          <p:cNvPr id="2" name="Заголовок 1"/>
-          <p:cNvSpPr>
-            <a:spLocks noGrp="1"/>
-          </p:cNvSpPr>
-          <p:nvPr>
-            <p:ph type="title"/>
-          </p:nvPr>
-        </p:nvSpPr>
-        <p:spPr>
-          <a:xfrm>
-            <a:off x="3660806" y="73265"/>
-            <a:ext cx="5361813" cy="1115216"/>
-          </a:xfrm>
-        </p:spPr>
-        <p:txBody>
-          <a:bodyPr>
-            <a:noAutofit/>
-          </a:bodyPr>
-          <a:lstStyle/>
-          <a:p>
-            <a:pPr lvl="1"/>
-            <a:r>
-              <a:rPr lang="ru-RU" sz="3200" b="1" dirty="0">
-                <a:solidFill>
-                  <a:schemeClr val="bg1"/>
-                </a:solidFill>
-                <a:latin typeface="Times New Roman"/>
-                <a:cs typeface="Times New Roman"/>
-              </a:rPr>
-              <a:t>Обоснование необходимости разработки</a:t>
-            </a:r>
-            <a:endParaRPr lang="ru-RU" sz="3200" b="1" dirty="0">
-              <a:solidFill>
-                <a:schemeClr val="bg1"/>
-              </a:solidFill>
-              <a:latin typeface="Times New Roman" panose="02020603050405020304" pitchFamily="18" charset="0"/>
-              <a:cs typeface="Times New Roman" panose="02020603050405020304" pitchFamily="18" charset="0"/>
-            </a:endParaRPr>
-          </a:p>
-        </p:txBody>
-      </p:sp>
-      <p:sp>
-        <p:nvSpPr>
-          <p:cNvPr id="5" name="TextBox 4"/>
-          <p:cNvSpPr txBox="1"/>
-          <p:nvPr/>
-        </p:nvSpPr>
-        <p:spPr>
-          <a:xfrm>
-            <a:off x="153750" y="1406967"/>
-            <a:ext cx="8796042" cy="4670317"/>
-          </a:xfrm>
-          <a:prstGeom prst="rect">
-            <a:avLst/>
-          </a:prstGeom>
-          <a:noFill/>
-        </p:spPr>
-        <p:txBody>
-          <a:bodyPr wrap="square" lIns="91440" tIns="45720" rIns="91440" bIns="45720" rtlCol="0" anchor="t">
-            <a:spAutoFit/>
-          </a:bodyPr>
-          <a:lstStyle/>
-          <a:p>
-            <a:pPr algn="just">
-              <a:lnSpc>
-                <a:spcPct val="150000"/>
-              </a:lnSpc>
-            </a:pPr>
-            <a:r>
-              <a:rPr lang="ru-RU" dirty="0">
-                <a:latin typeface="Times New Roman"/>
-                <a:cs typeface="Times New Roman"/>
-              </a:rPr>
-              <a:t>Существует множество причин, почему приложения для мониторинга погоды являются необходимыми. Ниже перечислены некоторые из них:</a:t>
-            </a:r>
-            <a:endParaRPr lang="ru-RU" dirty="0"/>
-          </a:p>
-          <a:p>
-            <a:pPr marL="571500" indent="-285750" algn="just">
-              <a:lnSpc>
-                <a:spcPct val="150000"/>
-              </a:lnSpc>
-              <a:buFont typeface="Arial" panose="020B0604020202020204" pitchFamily="34" charset="0"/>
-              <a:buChar char="•"/>
-            </a:pPr>
-            <a:r>
-              <a:rPr lang="ru-RU" dirty="0" smtClean="0">
-                <a:latin typeface="Times New Roman"/>
-                <a:cs typeface="Times New Roman"/>
-              </a:rPr>
-              <a:t>Безопасность</a:t>
-            </a:r>
-          </a:p>
-          <a:p>
-            <a:pPr marL="571500" indent="-285750" algn="just">
-              <a:lnSpc>
-                <a:spcPct val="150000"/>
-              </a:lnSpc>
-              <a:buFont typeface="Arial" panose="020B0604020202020204" pitchFamily="34" charset="0"/>
-              <a:buChar char="•"/>
-            </a:pPr>
-            <a:r>
-              <a:rPr lang="ru-RU" dirty="0" smtClean="0">
-                <a:latin typeface="Times New Roman"/>
-                <a:cs typeface="Times New Roman"/>
-              </a:rPr>
-              <a:t>Планирование</a:t>
-            </a:r>
-          </a:p>
-          <a:p>
-            <a:pPr marL="571500" indent="-285750" algn="just">
-              <a:lnSpc>
-                <a:spcPct val="150000"/>
-              </a:lnSpc>
-              <a:buFont typeface="Arial" panose="020B0604020202020204" pitchFamily="34" charset="0"/>
-              <a:buChar char="•"/>
-            </a:pPr>
-            <a:r>
-              <a:rPr lang="ru-RU" dirty="0" smtClean="0">
-                <a:latin typeface="Times New Roman"/>
-                <a:cs typeface="Times New Roman"/>
-              </a:rPr>
-              <a:t>Экономия </a:t>
-            </a:r>
-            <a:r>
-              <a:rPr lang="ru-RU" dirty="0">
-                <a:latin typeface="Times New Roman"/>
-                <a:cs typeface="Times New Roman"/>
-              </a:rPr>
-              <a:t>времени и </a:t>
-            </a:r>
-            <a:r>
-              <a:rPr lang="ru-RU" dirty="0" smtClean="0">
-                <a:latin typeface="Times New Roman"/>
-                <a:cs typeface="Times New Roman"/>
-              </a:rPr>
-              <a:t>денег</a:t>
-            </a:r>
-          </a:p>
-          <a:p>
-            <a:pPr marL="571500" indent="-285750" algn="just">
-              <a:lnSpc>
-                <a:spcPct val="150000"/>
-              </a:lnSpc>
-              <a:buFont typeface="Arial" panose="020B0604020202020204" pitchFamily="34" charset="0"/>
-              <a:buChar char="•"/>
-            </a:pPr>
-            <a:r>
-              <a:rPr lang="ru-RU" dirty="0" smtClean="0">
-                <a:latin typeface="Times New Roman"/>
-                <a:cs typeface="Times New Roman"/>
-              </a:rPr>
-              <a:t>Помощь </a:t>
-            </a:r>
-            <a:r>
-              <a:rPr lang="ru-RU" dirty="0">
-                <a:latin typeface="Times New Roman"/>
-                <a:cs typeface="Times New Roman"/>
-              </a:rPr>
-              <a:t>в уходе за </a:t>
-            </a:r>
-            <a:r>
-              <a:rPr lang="ru-RU" dirty="0" smtClean="0">
-                <a:latin typeface="Times New Roman"/>
-                <a:cs typeface="Times New Roman"/>
-              </a:rPr>
-              <a:t>здоровьем</a:t>
-            </a:r>
-          </a:p>
-          <a:p>
-            <a:pPr marL="571500" indent="-285750" algn="just">
-              <a:lnSpc>
-                <a:spcPct val="150000"/>
-              </a:lnSpc>
-              <a:buFont typeface="Arial" panose="020B0604020202020204" pitchFamily="34" charset="0"/>
-              <a:buChar char="•"/>
-            </a:pPr>
-            <a:r>
-              <a:rPr lang="ru-RU" dirty="0" smtClean="0">
-                <a:latin typeface="Times New Roman"/>
-                <a:cs typeface="Times New Roman"/>
-              </a:rPr>
-              <a:t>Удобство</a:t>
-            </a:r>
-            <a:endParaRPr lang="ru-RU" dirty="0">
-              <a:latin typeface="Times New Roman"/>
-              <a:cs typeface="Times New Roman"/>
-            </a:endParaRPr>
-          </a:p>
-          <a:p>
-            <a:pPr algn="just"/>
-            <a:r>
-              <a:rPr lang="ru-RU" dirty="0">
-                <a:latin typeface="Times New Roman"/>
-                <a:cs typeface="Times New Roman"/>
-              </a:rPr>
-              <a:t>В целом, приложения для мониторинга погоды являются важным инструментом, который помогает людям принимать умные и информированные решения о своей жизни в зависимости от погодных условий.</a:t>
-            </a:r>
-          </a:p>
-          <a:p>
-            <a:pPr algn="just"/>
-            <a:r>
-              <a:rPr lang="ru-RU" dirty="0">
-                <a:latin typeface="Times New Roman"/>
-                <a:cs typeface="Times New Roman"/>
-              </a:rPr>
-              <a:t>Разработка своего приложения для мониторинга погоды может быть связана с желанием создать что-то уникальное, удобное и полезное для пользователей.</a:t>
-            </a:r>
-          </a:p>
-          <a:p>
-            <a:pPr algn="just">
-              <a:lnSpc>
-                <a:spcPct val="150000"/>
-              </a:lnSpc>
-            </a:pPr>
-            <a:endParaRPr lang="ru-RU" sz="1400" dirty="0">
-              <a:latin typeface="Times New Roman"/>
-              <a:cs typeface="Times New Roman"/>
-            </a:endParaRPr>
-          </a:p>
-        </p:txBody>
-      </p:sp>
-    </p:spTree>
-    <p:extLst>
-      <p:ext uri="{BB962C8B-B14F-4D97-AF65-F5344CB8AC3E}">
-        <p14:creationId xmlns:p14="http://schemas.microsoft.com/office/powerpoint/2010/main" val="3494924978"/>
-      </p:ext>
-    </p:extLst>
-  </p:cSld>
-  <p:clrMapOvr>
-    <a:masterClrMapping/>
-  </p:clrMapOvr>
-</p:sld>
-</file>
-
 <file path=ppt/slides/slide7.xml><?xml version="1.0" encoding="utf-8"?>
 <p:sld xmlns:a="http://schemas.openxmlformats.org/drawingml/2006/main" xmlns:r="http://schemas.openxmlformats.org/officeDocument/2006/relationships" xmlns:p="http://schemas.openxmlformats.org/presentationml/2006/main">
   <p:cSld>
@@ -6322,8 +6284,8 @@
         </p:nvSpPr>
         <p:spPr>
           <a:xfrm>
-            <a:off x="3698116" y="114300"/>
-            <a:ext cx="6629642" cy="1115216"/>
+            <a:off x="3660806" y="73265"/>
+            <a:ext cx="5361813" cy="1115216"/>
           </a:xfrm>
         </p:spPr>
         <p:txBody>
@@ -6334,19 +6296,21 @@
           <a:p>
             <a:pPr lvl="1"/>
             <a:r>
-              <a:rPr lang="ru-RU" sz="4000" b="1" dirty="0">
+              <a:rPr lang="ru-RU" sz="3200" b="1" dirty="0">
                 <a:solidFill>
                   <a:schemeClr val="bg1"/>
                 </a:solidFill>
-                <a:latin typeface="Times New Roman"/>
-                <a:cs typeface="Times New Roman"/>
-              </a:rPr>
-              <a:t>Выбор средства автоматизации</a:t>
-            </a:r>
-            <a:endParaRPr lang="ru-RU" sz="4000" dirty="0">
+                <a:latin typeface="+mj-lt"/>
+                <a:cs typeface="Times New Roman"/>
+              </a:rPr>
+              <a:t>Обоснование необходимости разработки</a:t>
+            </a:r>
+            <a:endParaRPr lang="ru-RU" sz="3200" b="1" dirty="0">
               <a:solidFill>
                 <a:schemeClr val="bg1"/>
               </a:solidFill>
+              <a:latin typeface="+mj-lt"/>
+              <a:cs typeface="Times New Roman" panose="02020603050405020304" pitchFamily="18" charset="0"/>
             </a:endParaRPr>
           </a:p>
         </p:txBody>
@@ -6359,8 +6323,8 @@
         </p:nvSpPr>
         <p:spPr>
           <a:xfrm>
-            <a:off x="210392" y="1637468"/>
-            <a:ext cx="8658479" cy="4185761"/>
+            <a:off x="153750" y="1406967"/>
+            <a:ext cx="8796042" cy="4670317"/>
           </a:xfrm>
           <a:prstGeom prst="rect">
             <a:avLst/>
@@ -6373,316 +6337,146 @@
           </a:bodyPr>
           <a:lstStyle/>
           <a:p>
-            <a:pPr algn="just"/>
+            <a:pPr algn="just">
+              <a:lnSpc>
+                <a:spcPct val="150000"/>
+              </a:lnSpc>
+            </a:pPr>
             <a:r>
               <a:rPr lang="ru-RU" dirty="0">
-                <a:latin typeface="Times New Roman" panose="02020603050405020304" pitchFamily="18" charset="0"/>
-                <a:cs typeface="Times New Roman" panose="02020603050405020304" pitchFamily="18" charset="0"/>
-              </a:rPr>
-              <a:t>Данный проект </a:t>
-            </a:r>
-            <a:r>
-              <a:rPr lang="ru-RU" dirty="0" smtClean="0">
-                <a:latin typeface="Times New Roman" panose="02020603050405020304" pitchFamily="18" charset="0"/>
-                <a:cs typeface="Times New Roman" panose="02020603050405020304" pitchFamily="18" charset="0"/>
-              </a:rPr>
-              <a:t>был реализован в </a:t>
-            </a:r>
-            <a:r>
-              <a:rPr lang="ru-RU" dirty="0">
-                <a:latin typeface="Times New Roman" panose="02020603050405020304" pitchFamily="18" charset="0"/>
-                <a:cs typeface="Times New Roman" panose="02020603050405020304" pitchFamily="18" charset="0"/>
-              </a:rPr>
-              <a:t>среде программирования </a:t>
-            </a:r>
-            <a:r>
-              <a:rPr lang="en-US" dirty="0">
-                <a:latin typeface="Times New Roman" panose="02020603050405020304" pitchFamily="18" charset="0"/>
-                <a:cs typeface="Times New Roman" panose="02020603050405020304" pitchFamily="18" charset="0"/>
-              </a:rPr>
-              <a:t>Visual</a:t>
-            </a:r>
-            <a:r>
-              <a:rPr lang="ru-RU" dirty="0">
-                <a:latin typeface="Times New Roman" panose="02020603050405020304" pitchFamily="18" charset="0"/>
-                <a:cs typeface="Times New Roman" panose="02020603050405020304" pitchFamily="18" charset="0"/>
-              </a:rPr>
-              <a:t> </a:t>
-            </a:r>
-            <a:r>
-              <a:rPr lang="en-US" dirty="0">
-                <a:latin typeface="Times New Roman" panose="02020603050405020304" pitchFamily="18" charset="0"/>
-                <a:cs typeface="Times New Roman" panose="02020603050405020304" pitchFamily="18" charset="0"/>
-              </a:rPr>
-              <a:t>Studio</a:t>
-            </a:r>
-            <a:r>
-              <a:rPr lang="ru-RU" dirty="0">
-                <a:latin typeface="Times New Roman" panose="02020603050405020304" pitchFamily="18" charset="0"/>
-                <a:cs typeface="Times New Roman" panose="02020603050405020304" pitchFamily="18" charset="0"/>
-              </a:rPr>
-              <a:t> </a:t>
-            </a:r>
-            <a:r>
-              <a:rPr lang="en-US" dirty="0">
-                <a:latin typeface="Times New Roman" panose="02020603050405020304" pitchFamily="18" charset="0"/>
-                <a:cs typeface="Times New Roman" panose="02020603050405020304" pitchFamily="18" charset="0"/>
-              </a:rPr>
-              <a:t>Code</a:t>
-            </a:r>
-            <a:r>
-              <a:rPr lang="ru-RU" dirty="0">
-                <a:latin typeface="Times New Roman" panose="02020603050405020304" pitchFamily="18" charset="0"/>
-                <a:cs typeface="Times New Roman" panose="02020603050405020304" pitchFamily="18" charset="0"/>
-              </a:rPr>
-              <a:t> с помощью языка </a:t>
-            </a:r>
-            <a:r>
-              <a:rPr lang="en-US" dirty="0">
-                <a:latin typeface="Times New Roman" panose="02020603050405020304" pitchFamily="18" charset="0"/>
-                <a:cs typeface="Times New Roman" panose="02020603050405020304" pitchFamily="18" charset="0"/>
-              </a:rPr>
-              <a:t>JavaScript</a:t>
-            </a:r>
-            <a:r>
-              <a:rPr lang="ru-RU" dirty="0">
-                <a:latin typeface="Times New Roman" panose="02020603050405020304" pitchFamily="18" charset="0"/>
-                <a:cs typeface="Times New Roman" panose="02020603050405020304" pitchFamily="18" charset="0"/>
-              </a:rPr>
-              <a:t>.</a:t>
-            </a:r>
-          </a:p>
-          <a:p>
-            <a:pPr algn="just"/>
-            <a:r>
-              <a:rPr lang="en-US" dirty="0">
-                <a:latin typeface="Times New Roman" panose="02020603050405020304" pitchFamily="18" charset="0"/>
-                <a:cs typeface="Times New Roman" panose="02020603050405020304" pitchFamily="18" charset="0"/>
-              </a:rPr>
-              <a:t>Visual</a:t>
-            </a:r>
-            <a:r>
-              <a:rPr lang="ru-RU" dirty="0">
-                <a:latin typeface="Times New Roman" panose="02020603050405020304" pitchFamily="18" charset="0"/>
-                <a:cs typeface="Times New Roman" panose="02020603050405020304" pitchFamily="18" charset="0"/>
-              </a:rPr>
-              <a:t> </a:t>
-            </a:r>
-            <a:r>
-              <a:rPr lang="en-US" dirty="0">
-                <a:latin typeface="Times New Roman" panose="02020603050405020304" pitchFamily="18" charset="0"/>
-                <a:cs typeface="Times New Roman" panose="02020603050405020304" pitchFamily="18" charset="0"/>
-              </a:rPr>
-              <a:t>Studio</a:t>
-            </a:r>
-            <a:r>
-              <a:rPr lang="ru-RU" dirty="0">
-                <a:latin typeface="Times New Roman" panose="02020603050405020304" pitchFamily="18" charset="0"/>
-                <a:cs typeface="Times New Roman" panose="02020603050405020304" pitchFamily="18" charset="0"/>
-              </a:rPr>
-              <a:t> </a:t>
-            </a:r>
-            <a:r>
-              <a:rPr lang="en-US" dirty="0">
-                <a:latin typeface="Times New Roman" panose="02020603050405020304" pitchFamily="18" charset="0"/>
-                <a:cs typeface="Times New Roman" panose="02020603050405020304" pitchFamily="18" charset="0"/>
-              </a:rPr>
-              <a:t>Code</a:t>
-            </a:r>
-            <a:r>
-              <a:rPr lang="ru-RU" dirty="0">
-                <a:latin typeface="Times New Roman" panose="02020603050405020304" pitchFamily="18" charset="0"/>
-                <a:cs typeface="Times New Roman" panose="02020603050405020304" pitchFamily="18" charset="0"/>
-              </a:rPr>
-              <a:t> (</a:t>
-            </a:r>
-            <a:r>
-              <a:rPr lang="en-US" dirty="0">
-                <a:latin typeface="Times New Roman" panose="02020603050405020304" pitchFamily="18" charset="0"/>
-                <a:cs typeface="Times New Roman" panose="02020603050405020304" pitchFamily="18" charset="0"/>
-              </a:rPr>
-              <a:t>VS</a:t>
-            </a:r>
-            <a:r>
-              <a:rPr lang="ru-RU" dirty="0">
-                <a:latin typeface="Times New Roman" panose="02020603050405020304" pitchFamily="18" charset="0"/>
-                <a:cs typeface="Times New Roman" panose="02020603050405020304" pitchFamily="18" charset="0"/>
-              </a:rPr>
-              <a:t> </a:t>
-            </a:r>
-            <a:r>
-              <a:rPr lang="en-US" dirty="0">
-                <a:latin typeface="Times New Roman" panose="02020603050405020304" pitchFamily="18" charset="0"/>
-                <a:cs typeface="Times New Roman" panose="02020603050405020304" pitchFamily="18" charset="0"/>
-              </a:rPr>
-              <a:t>Code</a:t>
-            </a:r>
-            <a:r>
-              <a:rPr lang="ru-RU" dirty="0">
-                <a:latin typeface="Times New Roman" panose="02020603050405020304" pitchFamily="18" charset="0"/>
-                <a:cs typeface="Times New Roman" panose="02020603050405020304" pitchFamily="18" charset="0"/>
-              </a:rPr>
-              <a:t>) — текстовый редактор, разработанный </a:t>
-            </a:r>
-            <a:r>
-              <a:rPr lang="en-US" dirty="0">
-                <a:latin typeface="Times New Roman" panose="02020603050405020304" pitchFamily="18" charset="0"/>
-                <a:cs typeface="Times New Roman" panose="02020603050405020304" pitchFamily="18" charset="0"/>
-              </a:rPr>
-              <a:t>Microsoft</a:t>
-            </a:r>
-            <a:r>
-              <a:rPr lang="ru-RU" dirty="0">
-                <a:latin typeface="Times New Roman" panose="02020603050405020304" pitchFamily="18" charset="0"/>
-                <a:cs typeface="Times New Roman" panose="02020603050405020304" pitchFamily="18" charset="0"/>
-              </a:rPr>
-              <a:t> для </a:t>
-            </a:r>
-            <a:r>
-              <a:rPr lang="en-US" dirty="0">
-                <a:latin typeface="Times New Roman" panose="02020603050405020304" pitchFamily="18" charset="0"/>
-                <a:cs typeface="Times New Roman" panose="02020603050405020304" pitchFamily="18" charset="0"/>
-              </a:rPr>
-              <a:t>Windows</a:t>
-            </a:r>
-            <a:r>
-              <a:rPr lang="ru-RU" dirty="0">
-                <a:latin typeface="Times New Roman" panose="02020603050405020304" pitchFamily="18" charset="0"/>
-                <a:cs typeface="Times New Roman" panose="02020603050405020304" pitchFamily="18" charset="0"/>
-              </a:rPr>
-              <a:t>, </a:t>
-            </a:r>
-            <a:r>
-              <a:rPr lang="en-US" dirty="0">
-                <a:latin typeface="Times New Roman" panose="02020603050405020304" pitchFamily="18" charset="0"/>
-                <a:cs typeface="Times New Roman" panose="02020603050405020304" pitchFamily="18" charset="0"/>
-              </a:rPr>
-              <a:t>Linux</a:t>
-            </a:r>
-            <a:r>
-              <a:rPr lang="ru-RU" dirty="0">
-                <a:latin typeface="Times New Roman" panose="02020603050405020304" pitchFamily="18" charset="0"/>
-                <a:cs typeface="Times New Roman" panose="02020603050405020304" pitchFamily="18" charset="0"/>
-              </a:rPr>
-              <a:t> и </a:t>
-            </a:r>
-            <a:r>
-              <a:rPr lang="en-US" dirty="0">
-                <a:latin typeface="Times New Roman" panose="02020603050405020304" pitchFamily="18" charset="0"/>
-                <a:cs typeface="Times New Roman" panose="02020603050405020304" pitchFamily="18" charset="0"/>
-              </a:rPr>
-              <a:t>macOS</a:t>
-            </a:r>
-            <a:r>
-              <a:rPr lang="ru-RU" dirty="0">
-                <a:latin typeface="Times New Roman" panose="02020603050405020304" pitchFamily="18" charset="0"/>
-                <a:cs typeface="Times New Roman" panose="02020603050405020304" pitchFamily="18" charset="0"/>
-              </a:rPr>
-              <a:t>. Позиционируется как «лёгкий» редактор кода для кроссплатформенной разработки веб- и облачных приложений</a:t>
-            </a:r>
-            <a:r>
-              <a:rPr lang="ru-RU" dirty="0" smtClean="0">
-                <a:latin typeface="Times New Roman" panose="02020603050405020304" pitchFamily="18" charset="0"/>
-                <a:cs typeface="Times New Roman" panose="02020603050405020304" pitchFamily="18" charset="0"/>
-              </a:rPr>
-              <a:t>.</a:t>
-            </a:r>
-          </a:p>
-          <a:p>
-            <a:r>
-              <a:rPr lang="ru-RU" dirty="0">
-                <a:latin typeface="Times New Roman" panose="02020603050405020304" pitchFamily="18" charset="0"/>
-                <a:cs typeface="Times New Roman" panose="02020603050405020304" pitchFamily="18" charset="0"/>
-              </a:rPr>
-              <a:t>Плагины:</a:t>
-            </a:r>
-          </a:p>
-          <a:p>
-            <a:pPr marL="285750" indent="-285750">
+                <a:cs typeface="Times New Roman"/>
+              </a:rPr>
+              <a:t>Существует множество причин, почему приложения для мониторинга погоды являются необходимыми. Ниже перечислены некоторые из них:</a:t>
+            </a:r>
+            <a:endParaRPr lang="ru-RU" dirty="0"/>
+          </a:p>
+          <a:p>
+            <a:pPr marL="571500" indent="-285750" algn="just">
+              <a:lnSpc>
+                <a:spcPct val="150000"/>
+              </a:lnSpc>
               <a:buFont typeface="Arial" panose="020B0604020202020204" pitchFamily="34" charset="0"/>
               <a:buChar char="•"/>
             </a:pPr>
             <a:r>
-              <a:rPr lang="ru-RU" dirty="0" err="1" smtClean="0">
-                <a:latin typeface="Times New Roman" panose="02020603050405020304" pitchFamily="18" charset="0"/>
-                <a:cs typeface="Times New Roman" panose="02020603050405020304" pitchFamily="18" charset="0"/>
-              </a:rPr>
-              <a:t>Live</a:t>
-            </a:r>
-            <a:r>
               <a:rPr lang="ru-RU" dirty="0" smtClean="0">
-                <a:latin typeface="Times New Roman" panose="02020603050405020304" pitchFamily="18" charset="0"/>
-                <a:cs typeface="Times New Roman" panose="02020603050405020304" pitchFamily="18" charset="0"/>
-              </a:rPr>
-              <a:t> </a:t>
-            </a:r>
-            <a:r>
-              <a:rPr lang="ru-RU" dirty="0" err="1">
-                <a:latin typeface="Times New Roman" panose="02020603050405020304" pitchFamily="18" charset="0"/>
-                <a:cs typeface="Times New Roman" panose="02020603050405020304" pitchFamily="18" charset="0"/>
-              </a:rPr>
-              <a:t>Server</a:t>
-            </a:r>
-            <a:r>
-              <a:rPr lang="ru-RU" dirty="0">
-                <a:latin typeface="Times New Roman" panose="02020603050405020304" pitchFamily="18" charset="0"/>
-                <a:cs typeface="Times New Roman" panose="02020603050405020304" pitchFamily="18" charset="0"/>
-              </a:rPr>
-              <a:t> – позволяет вам видеть изменения кода, отраженные в браузере. Он запускает локальный сервер разработки с функцией перезагрузки в реальном времени как для статических, так и для динамических страниц. Каждый раз, когда вы сохраняете свой код, вы мгновенно видите изменения, отраженные в браузере.</a:t>
-            </a:r>
-          </a:p>
-          <a:p>
-            <a:pPr marL="285750" indent="-285750">
+                <a:cs typeface="Times New Roman"/>
+              </a:rPr>
+              <a:t>Безопасность</a:t>
+            </a:r>
+          </a:p>
+          <a:p>
+            <a:pPr marL="571500" indent="-285750" algn="just">
+              <a:lnSpc>
+                <a:spcPct val="150000"/>
+              </a:lnSpc>
               <a:buFont typeface="Arial" panose="020B0604020202020204" pitchFamily="34" charset="0"/>
               <a:buChar char="•"/>
             </a:pPr>
             <a:r>
               <a:rPr lang="ru-RU" dirty="0" smtClean="0">
-                <a:latin typeface="Times New Roman" panose="02020603050405020304" pitchFamily="18" charset="0"/>
-                <a:cs typeface="Times New Roman" panose="02020603050405020304" pitchFamily="18" charset="0"/>
-              </a:rPr>
-              <a:t>Prettier </a:t>
+                <a:cs typeface="Times New Roman"/>
+              </a:rPr>
+              <a:t>Планирование</a:t>
+            </a:r>
+          </a:p>
+          <a:p>
+            <a:pPr marL="571500" indent="-285750" algn="just">
+              <a:lnSpc>
+                <a:spcPct val="150000"/>
+              </a:lnSpc>
+              <a:buFont typeface="Arial" panose="020B0604020202020204" pitchFamily="34" charset="0"/>
+              <a:buChar char="•"/>
+            </a:pPr>
+            <a:r>
+              <a:rPr lang="ru-RU" dirty="0" smtClean="0">
+                <a:cs typeface="Times New Roman"/>
+              </a:rPr>
+              <a:t>Экономия </a:t>
             </a:r>
             <a:r>
               <a:rPr lang="ru-RU" dirty="0">
-                <a:latin typeface="Times New Roman" panose="02020603050405020304" pitchFamily="18" charset="0"/>
-                <a:cs typeface="Times New Roman" panose="02020603050405020304" pitchFamily="18" charset="0"/>
-              </a:rPr>
-              <a:t>– </a:t>
-            </a:r>
-            <a:r>
-              <a:rPr lang="en-US" dirty="0">
-                <a:latin typeface="Times New Roman" panose="02020603050405020304" pitchFamily="18" charset="0"/>
-                <a:cs typeface="Times New Roman" panose="02020603050405020304" pitchFamily="18" charset="0"/>
-              </a:rPr>
-              <a:t>Code Formatter</a:t>
+                <a:cs typeface="Times New Roman"/>
+              </a:rPr>
+              <a:t>времени и </a:t>
+            </a:r>
+            <a:r>
+              <a:rPr lang="ru-RU" dirty="0" smtClean="0">
+                <a:cs typeface="Times New Roman"/>
+              </a:rPr>
+              <a:t>денег</a:t>
+            </a:r>
+          </a:p>
+          <a:p>
+            <a:pPr marL="571500" indent="-285750" algn="just">
+              <a:lnSpc>
+                <a:spcPct val="150000"/>
+              </a:lnSpc>
+              <a:buFont typeface="Arial" panose="020B0604020202020204" pitchFamily="34" charset="0"/>
+              <a:buChar char="•"/>
+            </a:pPr>
+            <a:r>
+              <a:rPr lang="ru-RU" dirty="0" smtClean="0">
+                <a:cs typeface="Times New Roman"/>
+              </a:rPr>
+              <a:t>Помощь </a:t>
             </a:r>
             <a:r>
               <a:rPr lang="ru-RU" dirty="0">
-                <a:latin typeface="Times New Roman" panose="02020603050405020304" pitchFamily="18" charset="0"/>
-                <a:cs typeface="Times New Roman" panose="02020603050405020304" pitchFamily="18" charset="0"/>
-              </a:rPr>
-              <a:t> – самоуверенный </a:t>
-            </a:r>
-            <a:r>
-              <a:rPr lang="ru-RU" dirty="0" err="1">
-                <a:latin typeface="Times New Roman" panose="02020603050405020304" pitchFamily="18" charset="0"/>
-                <a:cs typeface="Times New Roman" panose="02020603050405020304" pitchFamily="18" charset="0"/>
-              </a:rPr>
-              <a:t>форматировщик</a:t>
-            </a:r>
+                <a:cs typeface="Times New Roman"/>
+              </a:rPr>
+              <a:t>в уходе за </a:t>
+            </a:r>
+            <a:r>
+              <a:rPr lang="ru-RU" dirty="0" smtClean="0">
+                <a:cs typeface="Times New Roman"/>
+              </a:rPr>
+              <a:t>здоровьем</a:t>
+            </a:r>
+          </a:p>
+          <a:p>
+            <a:pPr marL="571500" indent="-285750" algn="just">
+              <a:lnSpc>
+                <a:spcPct val="150000"/>
+              </a:lnSpc>
+              <a:buFont typeface="Arial" panose="020B0604020202020204" pitchFamily="34" charset="0"/>
+              <a:buChar char="•"/>
+            </a:pPr>
+            <a:r>
+              <a:rPr lang="ru-RU" dirty="0" smtClean="0">
+                <a:cs typeface="Times New Roman"/>
+              </a:rPr>
+              <a:t>Удобство</a:t>
+            </a:r>
+            <a:endParaRPr lang="ru-RU" dirty="0">
+              <a:cs typeface="Times New Roman"/>
+            </a:endParaRPr>
+          </a:p>
+          <a:p>
+            <a:pPr algn="just"/>
             <a:r>
               <a:rPr lang="ru-RU" dirty="0">
-                <a:latin typeface="Times New Roman" panose="02020603050405020304" pitchFamily="18" charset="0"/>
-                <a:cs typeface="Times New Roman" panose="02020603050405020304" pitchFamily="18" charset="0"/>
-              </a:rPr>
-              <a:t> кода. Он обеспечивает согласованный стиль, анализируя ваш код и перепечатывая его с помощью собственных правил, учитывающих максимальную длину строки, при необходимости перенося код.</a:t>
+                <a:cs typeface="Times New Roman"/>
+              </a:rPr>
+              <a:t>В целом, приложения для мониторинга погоды являются важным инструментом, который помогает людям принимать умные и информированные решения о своей жизни в зависимости от погодных условий.</a:t>
             </a:r>
           </a:p>
           <a:p>
             <a:pPr algn="just"/>
+            <a:r>
+              <a:rPr lang="ru-RU" dirty="0">
+                <a:cs typeface="Times New Roman"/>
+              </a:rPr>
+              <a:t>Разработка своего приложения для мониторинга погоды может быть связана с желанием создать что-то уникальное, удобное и полезное для пользователей.</a:t>
+            </a:r>
+          </a:p>
+          <a:p>
+            <a:pPr algn="just">
+              <a:lnSpc>
+                <a:spcPct val="150000"/>
+              </a:lnSpc>
+            </a:pPr>
             <a:endParaRPr lang="ru-RU" sz="1400" dirty="0">
-              <a:latin typeface="Times New Roman"/>
               <a:cs typeface="Times New Roman"/>
             </a:endParaRPr>
           </a:p>
@@ -6691,7 +6485,7 @@
     </p:spTree>
     <p:extLst>
       <p:ext uri="{BB962C8B-B14F-4D97-AF65-F5344CB8AC3E}">
-        <p14:creationId xmlns:p14="http://schemas.microsoft.com/office/powerpoint/2010/main" val="1954929922"/>
+        <p14:creationId xmlns:p14="http://schemas.microsoft.com/office/powerpoint/2010/main" val="3494924978"/>
       </p:ext>
     </p:extLst>
   </p:cSld>
@@ -6745,7 +6539,7 @@
         <p:spPr>
           <a:xfrm>
             <a:off x="3698116" y="114300"/>
-            <a:ext cx="5903084" cy="1115216"/>
+            <a:ext cx="6629642" cy="1115216"/>
           </a:xfrm>
         </p:spPr>
         <p:txBody>
@@ -6760,17 +6554,16 @@
                 <a:solidFill>
                   <a:schemeClr val="bg1"/>
                 </a:solidFill>
-                <a:latin typeface="Times New Roman"/>
-                <a:cs typeface="Times New Roman"/>
-              </a:rPr>
-              <a:t>Требования к программе</a:t>
-            </a:r>
-            <a:endParaRPr lang="ru-RU" sz="4000" b="1" dirty="0">
+                <a:latin typeface="+mj-lt"/>
+                <a:cs typeface="Times New Roman"/>
+              </a:rPr>
+              <a:t>Выбор средства автоматизации</a:t>
+            </a:r>
+            <a:endParaRPr lang="ru-RU" sz="4000" dirty="0">
               <a:solidFill>
                 <a:schemeClr val="bg1"/>
               </a:solidFill>
-              <a:latin typeface="Times New Roman" panose="02020603050405020304" pitchFamily="18" charset="0"/>
-              <a:cs typeface="Times New Roman" panose="02020603050405020304" pitchFamily="18" charset="0"/>
+              <a:latin typeface="+mj-lt"/>
             </a:endParaRPr>
           </a:p>
         </p:txBody>
@@ -6783,8 +6576,8 @@
         </p:nvSpPr>
         <p:spPr>
           <a:xfrm>
-            <a:off x="153589" y="1335929"/>
-            <a:ext cx="8658637" cy="3000821"/>
+            <a:off x="210392" y="1637468"/>
+            <a:ext cx="8658479" cy="4185761"/>
           </a:xfrm>
           <a:prstGeom prst="rect">
             <a:avLst/>
@@ -6797,153 +6590,283 @@
           </a:bodyPr>
           <a:lstStyle/>
           <a:p>
-            <a:pPr algn="just">
-              <a:lnSpc>
-                <a:spcPct val="150000"/>
-              </a:lnSpc>
-            </a:pPr>
+            <a:pPr algn="just"/>
             <a:r>
               <a:rPr lang="ru-RU" dirty="0">
-                <a:latin typeface="Times New Roman"/>
-                <a:cs typeface="Times New Roman"/>
-              </a:rPr>
-              <a:t>Моя программа должна выполнять такие функции как:</a:t>
-            </a:r>
-            <a:endParaRPr lang="ru-RU" sz="2400" dirty="0"/>
-          </a:p>
-          <a:p>
-            <a:pPr marL="571500" indent="-285750" algn="just">
-              <a:lnSpc>
-                <a:spcPct val="150000"/>
-              </a:lnSpc>
+                <a:cs typeface="Times New Roman" panose="02020603050405020304" pitchFamily="18" charset="0"/>
+              </a:rPr>
+              <a:t>Данный проект </a:t>
+            </a:r>
+            <a:r>
+              <a:rPr lang="ru-RU" dirty="0" smtClean="0">
+                <a:cs typeface="Times New Roman" panose="02020603050405020304" pitchFamily="18" charset="0"/>
+              </a:rPr>
+              <a:t>был реализован в </a:t>
+            </a:r>
+            <a:r>
+              <a:rPr lang="ru-RU" dirty="0">
+                <a:cs typeface="Times New Roman" panose="02020603050405020304" pitchFamily="18" charset="0"/>
+              </a:rPr>
+              <a:t>среде программирования </a:t>
+            </a:r>
+            <a:r>
+              <a:rPr lang="en-US" dirty="0">
+                <a:cs typeface="Times New Roman" panose="02020603050405020304" pitchFamily="18" charset="0"/>
+              </a:rPr>
+              <a:t>Visual</a:t>
+            </a:r>
+            <a:r>
+              <a:rPr lang="ru-RU" dirty="0">
+                <a:cs typeface="Times New Roman" panose="02020603050405020304" pitchFamily="18" charset="0"/>
+              </a:rPr>
+              <a:t> </a:t>
+            </a:r>
+            <a:r>
+              <a:rPr lang="en-US" dirty="0">
+                <a:cs typeface="Times New Roman" panose="02020603050405020304" pitchFamily="18" charset="0"/>
+              </a:rPr>
+              <a:t>Studio</a:t>
+            </a:r>
+            <a:r>
+              <a:rPr lang="ru-RU" dirty="0">
+                <a:cs typeface="Times New Roman" panose="02020603050405020304" pitchFamily="18" charset="0"/>
+              </a:rPr>
+              <a:t> </a:t>
+            </a:r>
+            <a:r>
+              <a:rPr lang="en-US" dirty="0">
+                <a:cs typeface="Times New Roman" panose="02020603050405020304" pitchFamily="18" charset="0"/>
+              </a:rPr>
+              <a:t>Code</a:t>
+            </a:r>
+            <a:r>
+              <a:rPr lang="ru-RU" dirty="0">
+                <a:cs typeface="Times New Roman" panose="02020603050405020304" pitchFamily="18" charset="0"/>
+              </a:rPr>
+              <a:t> с помощью языка </a:t>
+            </a:r>
+            <a:r>
+              <a:rPr lang="en-US" dirty="0">
+                <a:cs typeface="Times New Roman" panose="02020603050405020304" pitchFamily="18" charset="0"/>
+              </a:rPr>
+              <a:t>JavaScript</a:t>
+            </a:r>
+            <a:r>
+              <a:rPr lang="ru-RU" dirty="0">
+                <a:cs typeface="Times New Roman" panose="02020603050405020304" pitchFamily="18" charset="0"/>
+              </a:rPr>
+              <a:t>.</a:t>
+            </a:r>
+          </a:p>
+          <a:p>
+            <a:pPr algn="just"/>
+            <a:r>
+              <a:rPr lang="en-US" dirty="0">
+                <a:cs typeface="Times New Roman" panose="02020603050405020304" pitchFamily="18" charset="0"/>
+              </a:rPr>
+              <a:t>Visual</a:t>
+            </a:r>
+            <a:r>
+              <a:rPr lang="ru-RU" dirty="0">
+                <a:cs typeface="Times New Roman" panose="02020603050405020304" pitchFamily="18" charset="0"/>
+              </a:rPr>
+              <a:t> </a:t>
+            </a:r>
+            <a:r>
+              <a:rPr lang="en-US" dirty="0">
+                <a:cs typeface="Times New Roman" panose="02020603050405020304" pitchFamily="18" charset="0"/>
+              </a:rPr>
+              <a:t>Studio</a:t>
+            </a:r>
+            <a:r>
+              <a:rPr lang="ru-RU" dirty="0">
+                <a:cs typeface="Times New Roman" panose="02020603050405020304" pitchFamily="18" charset="0"/>
+              </a:rPr>
+              <a:t> </a:t>
+            </a:r>
+            <a:r>
+              <a:rPr lang="en-US" dirty="0">
+                <a:cs typeface="Times New Roman" panose="02020603050405020304" pitchFamily="18" charset="0"/>
+              </a:rPr>
+              <a:t>Code</a:t>
+            </a:r>
+            <a:r>
+              <a:rPr lang="ru-RU" dirty="0">
+                <a:cs typeface="Times New Roman" panose="02020603050405020304" pitchFamily="18" charset="0"/>
+              </a:rPr>
+              <a:t> (</a:t>
+            </a:r>
+            <a:r>
+              <a:rPr lang="en-US" dirty="0">
+                <a:cs typeface="Times New Roman" panose="02020603050405020304" pitchFamily="18" charset="0"/>
+              </a:rPr>
+              <a:t>VS</a:t>
+            </a:r>
+            <a:r>
+              <a:rPr lang="ru-RU" dirty="0">
+                <a:cs typeface="Times New Roman" panose="02020603050405020304" pitchFamily="18" charset="0"/>
+              </a:rPr>
+              <a:t> </a:t>
+            </a:r>
+            <a:r>
+              <a:rPr lang="en-US" dirty="0">
+                <a:cs typeface="Times New Roman" panose="02020603050405020304" pitchFamily="18" charset="0"/>
+              </a:rPr>
+              <a:t>Code</a:t>
+            </a:r>
+            <a:r>
+              <a:rPr lang="ru-RU" dirty="0">
+                <a:cs typeface="Times New Roman" panose="02020603050405020304" pitchFamily="18" charset="0"/>
+              </a:rPr>
+              <a:t>) — текстовый редактор, разработанный </a:t>
+            </a:r>
+            <a:r>
+              <a:rPr lang="en-US" dirty="0">
+                <a:cs typeface="Times New Roman" panose="02020603050405020304" pitchFamily="18" charset="0"/>
+              </a:rPr>
+              <a:t>Microsoft</a:t>
+            </a:r>
+            <a:r>
+              <a:rPr lang="ru-RU" dirty="0">
+                <a:cs typeface="Times New Roman" panose="02020603050405020304" pitchFamily="18" charset="0"/>
+              </a:rPr>
+              <a:t> для </a:t>
+            </a:r>
+            <a:r>
+              <a:rPr lang="en-US" dirty="0">
+                <a:cs typeface="Times New Roman" panose="02020603050405020304" pitchFamily="18" charset="0"/>
+              </a:rPr>
+              <a:t>Windows</a:t>
+            </a:r>
+            <a:r>
+              <a:rPr lang="ru-RU" dirty="0">
+                <a:cs typeface="Times New Roman" panose="02020603050405020304" pitchFamily="18" charset="0"/>
+              </a:rPr>
+              <a:t>, </a:t>
+            </a:r>
+            <a:r>
+              <a:rPr lang="en-US" dirty="0">
+                <a:cs typeface="Times New Roman" panose="02020603050405020304" pitchFamily="18" charset="0"/>
+              </a:rPr>
+              <a:t>Linux</a:t>
+            </a:r>
+            <a:r>
+              <a:rPr lang="ru-RU" dirty="0">
+                <a:cs typeface="Times New Roman" panose="02020603050405020304" pitchFamily="18" charset="0"/>
+              </a:rPr>
+              <a:t> и </a:t>
+            </a:r>
+            <a:r>
+              <a:rPr lang="en-US" dirty="0">
+                <a:cs typeface="Times New Roman" panose="02020603050405020304" pitchFamily="18" charset="0"/>
+              </a:rPr>
+              <a:t>macOS</a:t>
+            </a:r>
+            <a:r>
+              <a:rPr lang="ru-RU" dirty="0">
+                <a:cs typeface="Times New Roman" panose="02020603050405020304" pitchFamily="18" charset="0"/>
+              </a:rPr>
+              <a:t>. Позиционируется как «лёгкий» редактор кода для кроссплатформенной разработки веб- и облачных приложений</a:t>
+            </a:r>
+            <a:r>
+              <a:rPr lang="ru-RU" dirty="0" smtClean="0">
+                <a:cs typeface="Times New Roman" panose="02020603050405020304" pitchFamily="18" charset="0"/>
+              </a:rPr>
+              <a:t>.</a:t>
+            </a:r>
+          </a:p>
+          <a:p>
+            <a:r>
+              <a:rPr lang="ru-RU" dirty="0">
+                <a:cs typeface="Times New Roman" panose="02020603050405020304" pitchFamily="18" charset="0"/>
+              </a:rPr>
+              <a:t>Плагины:</a:t>
+            </a:r>
+          </a:p>
+          <a:p>
+            <a:pPr marL="285750" indent="-285750">
               <a:buFont typeface="Arial" panose="020B0604020202020204" pitchFamily="34" charset="0"/>
               <a:buChar char="•"/>
             </a:pPr>
             <a:r>
+              <a:rPr lang="ru-RU" dirty="0" err="1" smtClean="0">
+                <a:cs typeface="Times New Roman" panose="02020603050405020304" pitchFamily="18" charset="0"/>
+              </a:rPr>
+              <a:t>Live</a:t>
+            </a:r>
+            <a:r>
+              <a:rPr lang="ru-RU" dirty="0" smtClean="0">
+                <a:cs typeface="Times New Roman" panose="02020603050405020304" pitchFamily="18" charset="0"/>
+              </a:rPr>
+              <a:t> </a:t>
+            </a:r>
+            <a:r>
+              <a:rPr lang="ru-RU" dirty="0" err="1">
+                <a:cs typeface="Times New Roman" panose="02020603050405020304" pitchFamily="18" charset="0"/>
+              </a:rPr>
+              <a:t>Server</a:t>
+            </a:r>
+            <a:r>
               <a:rPr lang="ru-RU" dirty="0">
-                <a:latin typeface="Times New Roman"/>
-                <a:cs typeface="Times New Roman"/>
-              </a:rPr>
-              <a:t>Иметь простой и интуитивно понятный интерфейс, позволяющий быстро и легко получать информацию о погоде.</a:t>
-            </a:r>
-          </a:p>
-          <a:p>
-            <a:pPr marL="571500" indent="-285750" algn="just">
-              <a:lnSpc>
-                <a:spcPct val="150000"/>
-              </a:lnSpc>
+                <a:cs typeface="Times New Roman" panose="02020603050405020304" pitchFamily="18" charset="0"/>
+              </a:rPr>
+              <a:t> – позволяет вам видеть изменения кода, отраженные в браузере. Он запускает локальный сервер разработки с функцией перезагрузки в реальном времени как для статических, так и для динамических страниц. Каждый раз, когда вы сохраняете свой код, вы мгновенно видите изменения, отраженные в браузере.</a:t>
+            </a:r>
+          </a:p>
+          <a:p>
+            <a:pPr marL="285750" indent="-285750">
               <a:buFont typeface="Arial" panose="020B0604020202020204" pitchFamily="34" charset="0"/>
               <a:buChar char="•"/>
             </a:pPr>
             <a:r>
+              <a:rPr lang="ru-RU" dirty="0" smtClean="0">
+                <a:cs typeface="Times New Roman" panose="02020603050405020304" pitchFamily="18" charset="0"/>
+              </a:rPr>
+              <a:t>Prettier </a:t>
+            </a:r>
+            <a:r>
               <a:rPr lang="ru-RU" dirty="0">
-                <a:latin typeface="Times New Roman"/>
-                <a:cs typeface="Times New Roman"/>
-              </a:rPr>
-              <a:t>Принимать значения, введенные пользователем и после обрабатывать их.</a:t>
-            </a:r>
-          </a:p>
-          <a:p>
-            <a:pPr marL="571500" indent="-285750" algn="just">
-              <a:lnSpc>
-                <a:spcPct val="150000"/>
-              </a:lnSpc>
-              <a:buFont typeface="Arial" panose="020B0604020202020204" pitchFamily="34" charset="0"/>
-              <a:buChar char="•"/>
-            </a:pPr>
+                <a:cs typeface="Times New Roman" panose="02020603050405020304" pitchFamily="18" charset="0"/>
+              </a:rPr>
+              <a:t>– </a:t>
+            </a:r>
+            <a:r>
+              <a:rPr lang="en-US" dirty="0">
+                <a:cs typeface="Times New Roman" panose="02020603050405020304" pitchFamily="18" charset="0"/>
+              </a:rPr>
+              <a:t>Code Formatter</a:t>
+            </a:r>
             <a:r>
               <a:rPr lang="ru-RU" dirty="0">
-                <a:latin typeface="Times New Roman"/>
-                <a:cs typeface="Times New Roman"/>
-              </a:rPr>
-              <a:t>Принимать данные из </a:t>
-            </a:r>
-            <a:r>
-              <a:rPr lang="en-US" dirty="0">
-                <a:latin typeface="Times New Roman"/>
-                <a:cs typeface="Times New Roman"/>
-              </a:rPr>
-              <a:t>API</a:t>
+                <a:cs typeface="Times New Roman" panose="02020603050405020304" pitchFamily="18" charset="0"/>
+              </a:rPr>
+              <a:t> – самоуверенный </a:t>
+            </a:r>
+            <a:r>
+              <a:rPr lang="ru-RU" dirty="0" err="1">
+                <a:cs typeface="Times New Roman" panose="02020603050405020304" pitchFamily="18" charset="0"/>
+              </a:rPr>
+              <a:t>форматировщик</a:t>
             </a:r>
             <a:r>
               <a:rPr lang="ru-RU" dirty="0">
-                <a:latin typeface="Times New Roman"/>
-                <a:cs typeface="Times New Roman"/>
-              </a:rPr>
-              <a:t> сайтов</a:t>
-            </a:r>
-            <a:r>
-              <a:rPr lang="ru-RU" dirty="0" smtClean="0">
-                <a:latin typeface="Times New Roman"/>
-                <a:cs typeface="Times New Roman"/>
-              </a:rPr>
-              <a:t>.</a:t>
-            </a:r>
-          </a:p>
-          <a:p>
-            <a:pPr marL="571500" indent="-285750" algn="just">
-              <a:lnSpc>
-                <a:spcPct val="150000"/>
-              </a:lnSpc>
-              <a:buFont typeface="Arial" panose="020B0604020202020204" pitchFamily="34" charset="0"/>
-              <a:buChar char="•"/>
-            </a:pPr>
-            <a:r>
-              <a:rPr lang="ru-RU" dirty="0" smtClean="0">
-                <a:latin typeface="Times New Roman"/>
-                <a:cs typeface="Times New Roman"/>
-              </a:rPr>
-              <a:t>Предоставлять </a:t>
-            </a:r>
-            <a:r>
-              <a:rPr lang="ru-RU" dirty="0">
-                <a:latin typeface="Times New Roman"/>
-                <a:cs typeface="Times New Roman"/>
-              </a:rPr>
-              <a:t>актуальные и точные данные о погоде на текущий момент </a:t>
-            </a:r>
-            <a:r>
-              <a:rPr lang="ru-RU" dirty="0" smtClean="0">
-                <a:latin typeface="Times New Roman"/>
-                <a:cs typeface="Times New Roman"/>
-              </a:rPr>
-              <a:t>времени.</a:t>
-            </a:r>
-            <a:endParaRPr lang="ru-RU" sz="1600" dirty="0">
-              <a:latin typeface="Times New Roman" panose="02020603050405020304" pitchFamily="18" charset="0"/>
-              <a:cs typeface="Times New Roman" panose="02020603050405020304" pitchFamily="18" charset="0"/>
+                <a:cs typeface="Times New Roman" panose="02020603050405020304" pitchFamily="18" charset="0"/>
+              </a:rPr>
+              <a:t> кода. Он обеспечивает согласованный стиль, анализируя ваш код и перепечатывая его с помощью собственных правил, учитывающих максимальную длину строки, при необходимости перенося код.</a:t>
+            </a:r>
+          </a:p>
+          <a:p>
+            <a:pPr algn="just"/>
+            <a:endParaRPr lang="ru-RU" sz="1400" dirty="0">
+              <a:cs typeface="Times New Roman"/>
             </a:endParaRPr>
           </a:p>
         </p:txBody>
       </p:sp>
-      <p:pic>
-        <p:nvPicPr>
-          <p:cNvPr id="6" name="Рисунок 5"/>
-          <p:cNvPicPr>
-            <a:picLocks noChangeAspect="1"/>
-          </p:cNvPicPr>
-          <p:nvPr/>
-        </p:nvPicPr>
-        <p:blipFill>
-          <a:blip r:embed="rId3"/>
-          <a:stretch>
-            <a:fillRect/>
-          </a:stretch>
-        </p:blipFill>
-        <p:spPr>
-          <a:xfrm>
-            <a:off x="934549" y="4562157"/>
-            <a:ext cx="7508736" cy="1494303"/>
-          </a:xfrm>
-          <a:prstGeom prst="rect">
-            <a:avLst/>
-          </a:prstGeom>
-        </p:spPr>
-      </p:pic>
     </p:spTree>
     <p:extLst>
       <p:ext uri="{BB962C8B-B14F-4D97-AF65-F5344CB8AC3E}">
-        <p14:creationId xmlns:p14="http://schemas.microsoft.com/office/powerpoint/2010/main" val="3781486808"/>
+        <p14:creationId xmlns:p14="http://schemas.microsoft.com/office/powerpoint/2010/main" val="1954929922"/>
       </p:ext>
     </p:extLst>
   </p:cSld>
@@ -6996,7 +6919,7 @@
         </p:nvSpPr>
         <p:spPr>
           <a:xfrm>
-            <a:off x="3698116" y="114300"/>
+            <a:off x="3601012" y="108010"/>
             <a:ext cx="5903084" cy="1115216"/>
           </a:xfrm>
         </p:spPr>
@@ -7012,15 +6935,27 @@
                 <a:solidFill>
                   <a:schemeClr val="bg1"/>
                 </a:solidFill>
-                <a:latin typeface="Times New Roman"/>
-                <a:cs typeface="Times New Roman"/>
-              </a:rPr>
-              <a:t>Проектирование программного продукта</a:t>
-            </a:r>
-            <a:endParaRPr lang="ru-RU" sz="4000" dirty="0">
+                <a:latin typeface="+mj-lt"/>
+                <a:cs typeface="Times New Roman"/>
+              </a:rPr>
+              <a:t>Требования к </a:t>
+            </a:r>
+            <a:r>
+              <a:rPr lang="ru-RU" sz="4000" b="1" dirty="0" smtClean="0">
+                <a:solidFill>
+                  <a:schemeClr val="bg1"/>
+                </a:solidFill>
+                <a:latin typeface="+mj-lt"/>
+                <a:cs typeface="Times New Roman"/>
+              </a:rPr>
+              <a:t>программе</a:t>
+            </a:r>
+            <a:endParaRPr lang="ru-RU" sz="4000" b="1" dirty="0">
               <a:solidFill>
                 <a:schemeClr val="bg1"/>
               </a:solidFill>
+              <a:latin typeface="+mj-lt"/>
+              <a:cs typeface="Times New Roman" panose="02020603050405020304" pitchFamily="18" charset="0"/>
             </a:endParaRPr>
           </a:p>
         </p:txBody>
@@ -7033,8 +6968,8 @@
         </p:nvSpPr>
         <p:spPr>
           <a:xfrm>
-            <a:off x="299404" y="1761332"/>
-            <a:ext cx="8561375" cy="1061829"/>
+            <a:off x="153589" y="1335929"/>
+            <a:ext cx="8658637" cy="3000821"/>
           </a:xfrm>
           <a:prstGeom prst="rect">
             <a:avLst/>
@@ -7053,22 +6988,103 @@
               </a:lnSpc>
             </a:pPr>
             <a:r>
-              <a:rPr lang="ru-RU" sz="1400" dirty="0">
-                <a:latin typeface="Times New Roman"/>
-                <a:cs typeface="Times New Roman"/>
-              </a:rPr>
-              <a:t>При создании приложения «Мониторинг погоды» был использован следующий прием – модульное программирование.</a:t>
-            </a:r>
-            <a:endParaRPr lang="ru-RU" dirty="0"/>
-          </a:p>
-          <a:p>
-            <a:pPr algn="just">
+              <a:rPr lang="ru-RU" dirty="0">
+                <a:cs typeface="Times New Roman"/>
+              </a:rPr>
+              <a:t>Моя программа должна выполнять такие функции как:</a:t>
+            </a:r>
+            <a:endParaRPr lang="ru-RU" sz="2400" dirty="0"/>
+          </a:p>
+          <a:p>
+            <a:pPr marL="571500" indent="-285750" algn="just">
               <a:lnSpc>
                 <a:spcPct val="150000"/>
               </a:lnSpc>
+              <a:buFont typeface="Arial" panose="020B0604020202020204" pitchFamily="34" charset="0"/>
+              <a:buChar char="•"/>
             </a:pPr>
-            <a:endParaRPr lang="ru-RU" sz="1400" dirty="0">
-              <a:latin typeface="Times New Roman" panose="02020603050405020304" pitchFamily="18" charset="0"/>
+            <a:r>
+              <a:rPr lang="ru-RU" dirty="0">
+                <a:cs typeface="Times New Roman"/>
+              </a:rPr>
+              <a:t>Иметь простой и интуитивно понятный интерфейс, позволяющий быстро и легко получать информацию о погоде.</a:t>
+            </a:r>
+          </a:p>
+          <a:p>
+            <a:pPr marL="571500" indent="-285750" algn="just">
+              <a:lnSpc>
+                <a:spcPct val="150000"/>
+              </a:lnSpc>
+              <a:buFont typeface="Arial" panose="020B0604020202020204" pitchFamily="34" charset="0"/>
+              <a:buChar char="•"/>
+            </a:pPr>
+            <a:r>
+              <a:rPr lang="ru-RU" dirty="0">
+                <a:cs typeface="Times New Roman"/>
+              </a:rPr>
+              <a:t>Принимать значения, введенные пользователем и после обрабатывать их.</a:t>
+            </a:r>
+          </a:p>
+          <a:p>
+            <a:pPr marL="571500" indent="-285750" algn="just">
+              <a:lnSpc>
+                <a:spcPct val="150000"/>
+              </a:lnSpc>
+              <a:buFont typeface="Arial" panose="020B0604020202020204" pitchFamily="34" charset="0"/>
+              <a:buChar char="•"/>
+            </a:pPr>
+            <a:r>
+              <a:rPr lang="ru-RU" dirty="0">
+                <a:cs typeface="Times New Roman"/>
+              </a:rPr>
+              <a:t>Принимать данные из </a:t>
+            </a:r>
+            <a:r>
+              <a:rPr lang="en-US" dirty="0">
+                <a:cs typeface="Times New Roman"/>
+              </a:rPr>
+              <a:t>API</a:t>
+            </a:r>
+            <a:r>
+              <a:rPr lang="ru-RU" dirty="0">
+                <a:cs typeface="Times New Roman"/>
+              </a:rPr>
+              <a:t> сайтов</a:t>
+            </a:r>
+            <a:r>
+              <a:rPr lang="ru-RU" dirty="0" smtClean="0">
+                <a:cs typeface="Times New Roman"/>
+              </a:rPr>
+              <a:t>.</a:t>
+            </a:r>
+          </a:p>
+          <a:p>
+            <a:pPr marL="571500" indent="-285750" algn="just">
+              <a:lnSpc>
+                <a:spcPct val="150000"/>
+              </a:lnSpc>
+              <a:buFont typeface="Arial" panose="020B0604020202020204" pitchFamily="34" charset="0"/>
+              <a:buChar char="•"/>
+            </a:pPr>
+            <a:r>
+              <a:rPr lang="ru-RU" dirty="0" smtClean="0">
+                <a:cs typeface="Times New Roman"/>
+              </a:rPr>
+              <a:t>Предоставлять </a:t>
+            </a:r>
+            <a:r>
+              <a:rPr lang="ru-RU" dirty="0">
+                <a:cs typeface="Times New Roman"/>
+              </a:rPr>
+              <a:t>актуальные и точные данные о погоде на текущий момент </a:t>
+            </a:r>
+            <a:r>
+              <a:rPr lang="ru-RU" dirty="0" smtClean="0">
+                <a:cs typeface="Times New Roman"/>
+              </a:rPr>
+              <a:t>времени.</a:t>
+            </a:r>
+            <a:endParaRPr lang="ru-RU" sz="1600" dirty="0">
               <a:cs typeface="Times New Roman" panose="02020603050405020304" pitchFamily="18" charset="0"/>
             </a:endParaRPr>
           </a:p>
@@ -7076,7 +7092,7 @@
       </p:sp>
       <p:pic>
         <p:nvPicPr>
-          <p:cNvPr id="3" name="Рисунок 2"/>
+          <p:cNvPr id="6" name="Рисунок 5"/>
           <p:cNvPicPr>
             <a:picLocks noChangeAspect="1"/>
           </p:cNvPicPr>
@@ -7090,8 +7106,8 @@
         </p:blipFill>
         <p:spPr>
           <a:xfrm>
-            <a:off x="2081604" y="2652447"/>
-            <a:ext cx="4124987" cy="3557941"/>
+            <a:off x="934549" y="4562157"/>
+            <a:ext cx="7508736" cy="1494303"/>
           </a:xfrm>
           <a:prstGeom prst="rect">
             <a:avLst/>
@@ -7101,7 +7117,7 @@
     </p:spTree>
     <p:extLst>
       <p:ext uri="{BB962C8B-B14F-4D97-AF65-F5344CB8AC3E}">
-        <p14:creationId xmlns:p14="http://schemas.microsoft.com/office/powerpoint/2010/main" val="3899551562"/>
+        <p14:creationId xmlns:p14="http://schemas.microsoft.com/office/powerpoint/2010/main" val="3781486808"/>
       </p:ext>
     </p:extLst>
   </p:cSld>

--- a/Кузьмин презентация.pptx
+++ b/Кузьмин презентация.pptx
@@ -16,9 +16,10 @@
     <p:sldId id="268" r:id="rId10"/>
     <p:sldId id="269" r:id="rId11"/>
     <p:sldId id="270" r:id="rId12"/>
-    <p:sldId id="272" r:id="rId13"/>
-    <p:sldId id="273" r:id="rId14"/>
-    <p:sldId id="260" r:id="rId15"/>
+    <p:sldId id="275" r:id="rId13"/>
+    <p:sldId id="272" r:id="rId14"/>
+    <p:sldId id="273" r:id="rId15"/>
+    <p:sldId id="260" r:id="rId16"/>
   </p:sldIdLst>
   <p:sldSz cx="9144000" cy="6858000" type="screen4x3"/>
   <p:notesSz cx="6858000" cy="9144000"/>
@@ -266,7 +267,7 @@
           <a:p>
             <a:fld id="{6D913171-EE1C-46F5-8A66-985EB9AE93EB}" type="datetimeFigureOut">
               <a:rPr lang="ru-RU" smtClean="0"/>
-              <a:t>19.05.2023</a:t>
+              <a:t>29.05.2023</a:t>
             </a:fld>
             <a:endParaRPr lang="ru-RU"/>
           </a:p>
@@ -436,7 +437,7 @@
           <a:p>
             <a:fld id="{6D913171-EE1C-46F5-8A66-985EB9AE93EB}" type="datetimeFigureOut">
               <a:rPr lang="ru-RU" smtClean="0"/>
-              <a:t>19.05.2023</a:t>
+              <a:t>29.05.2023</a:t>
             </a:fld>
             <a:endParaRPr lang="ru-RU"/>
           </a:p>
@@ -616,7 +617,7 @@
           <a:p>
             <a:fld id="{6D913171-EE1C-46F5-8A66-985EB9AE93EB}" type="datetimeFigureOut">
               <a:rPr lang="ru-RU" smtClean="0"/>
-              <a:t>19.05.2023</a:t>
+              <a:t>29.05.2023</a:t>
             </a:fld>
             <a:endParaRPr lang="ru-RU"/>
           </a:p>
@@ -786,7 +787,7 @@
           <a:p>
             <a:fld id="{6D913171-EE1C-46F5-8A66-985EB9AE93EB}" type="datetimeFigureOut">
               <a:rPr lang="ru-RU" smtClean="0"/>
-              <a:t>19.05.2023</a:t>
+              <a:t>29.05.2023</a:t>
             </a:fld>
             <a:endParaRPr lang="ru-RU"/>
           </a:p>
@@ -1030,7 +1031,7 @@
           <a:p>
             <a:fld id="{6D913171-EE1C-46F5-8A66-985EB9AE93EB}" type="datetimeFigureOut">
               <a:rPr lang="ru-RU" smtClean="0"/>
-              <a:t>19.05.2023</a:t>
+              <a:t>29.05.2023</a:t>
             </a:fld>
             <a:endParaRPr lang="ru-RU"/>
           </a:p>
@@ -1262,7 +1263,7 @@
           <a:p>
             <a:fld id="{6D913171-EE1C-46F5-8A66-985EB9AE93EB}" type="datetimeFigureOut">
               <a:rPr lang="ru-RU" smtClean="0"/>
-              <a:t>19.05.2023</a:t>
+              <a:t>29.05.2023</a:t>
             </a:fld>
             <a:endParaRPr lang="ru-RU"/>
           </a:p>
@@ -1629,7 +1630,7 @@
           <a:p>
             <a:fld id="{6D913171-EE1C-46F5-8A66-985EB9AE93EB}" type="datetimeFigureOut">
               <a:rPr lang="ru-RU" smtClean="0"/>
-              <a:t>19.05.2023</a:t>
+              <a:t>29.05.2023</a:t>
             </a:fld>
             <a:endParaRPr lang="ru-RU"/>
           </a:p>
@@ -1747,7 +1748,7 @@
           <a:p>
             <a:fld id="{6D913171-EE1C-46F5-8A66-985EB9AE93EB}" type="datetimeFigureOut">
               <a:rPr lang="ru-RU" smtClean="0"/>
-              <a:t>19.05.2023</a:t>
+              <a:t>29.05.2023</a:t>
             </a:fld>
             <a:endParaRPr lang="ru-RU"/>
           </a:p>
@@ -1842,7 +1843,7 @@
           <a:p>
             <a:fld id="{6D913171-EE1C-46F5-8A66-985EB9AE93EB}" type="datetimeFigureOut">
               <a:rPr lang="ru-RU" smtClean="0"/>
-              <a:t>19.05.2023</a:t>
+              <a:t>29.05.2023</a:t>
             </a:fld>
             <a:endParaRPr lang="ru-RU"/>
           </a:p>
@@ -2119,7 +2120,7 @@
           <a:p>
             <a:fld id="{6D913171-EE1C-46F5-8A66-985EB9AE93EB}" type="datetimeFigureOut">
               <a:rPr lang="ru-RU" smtClean="0"/>
-              <a:t>19.05.2023</a:t>
+              <a:t>29.05.2023</a:t>
             </a:fld>
             <a:endParaRPr lang="ru-RU"/>
           </a:p>
@@ -2376,7 +2377,7 @@
           <a:p>
             <a:fld id="{6D913171-EE1C-46F5-8A66-985EB9AE93EB}" type="datetimeFigureOut">
               <a:rPr lang="ru-RU" smtClean="0"/>
-              <a:t>19.05.2023</a:t>
+              <a:t>29.05.2023</a:t>
             </a:fld>
             <a:endParaRPr lang="ru-RU"/>
           </a:p>
@@ -2589,7 +2590,7 @@
           <a:p>
             <a:fld id="{6D913171-EE1C-46F5-8A66-985EB9AE93EB}" type="datetimeFigureOut">
               <a:rPr lang="ru-RU" smtClean="0"/>
-              <a:t>19.05.2023</a:t>
+              <a:t>29.05.2023</a:t>
             </a:fld>
             <a:endParaRPr lang="ru-RU"/>
           </a:p>
@@ -3362,7 +3363,7 @@
           <p:cNvPr id="4" name="TextBox 3">
             <a:extLst>
               <a:ext uri="{FF2B5EF4-FFF2-40B4-BE49-F238E27FC236}">
-                <a16:creationId xmlns="" xmlns:a16="http://schemas.microsoft.com/office/drawing/2014/main" id="{B7C4C22B-F077-3D1F-547F-944EFA374D1C}"/>
+                <a16:creationId xmlns:a16="http://schemas.microsoft.com/office/drawing/2014/main" xmlns="" id="{B7C4C22B-F077-3D1F-547F-944EFA374D1C}"/>
               </a:ext>
             </a:extLst>
           </p:cNvPr>
@@ -3865,7 +3866,7 @@
           <p:cNvPr id="6" name="TextBox 5">
             <a:extLst>
               <a:ext uri="{FF2B5EF4-FFF2-40B4-BE49-F238E27FC236}">
-                <a16:creationId xmlns="" xmlns:a16="http://schemas.microsoft.com/office/drawing/2014/main" id="{3C9CF4A2-79CA-F1C9-46BA-C86037CFA5D6}"/>
+                <a16:creationId xmlns:a16="http://schemas.microsoft.com/office/drawing/2014/main" xmlns="" id="{3C9CF4A2-79CA-F1C9-46BA-C86037CFA5D6}"/>
               </a:ext>
             </a:extLst>
           </p:cNvPr>
@@ -4235,8 +4236,8 @@
         </p:nvSpPr>
         <p:spPr>
           <a:xfrm>
-            <a:off x="3544367" y="106208"/>
-            <a:ext cx="5903084" cy="1115216"/>
+            <a:off x="3698117" y="114300"/>
+            <a:ext cx="6319525" cy="1115216"/>
           </a:xfrm>
         </p:spPr>
         <p:txBody>
@@ -4247,16 +4248,16 @@
           <a:p>
             <a:pPr lvl="1"/>
             <a:r>
-              <a:rPr lang="ru-RU" sz="4000" b="1" dirty="0">
+              <a:rPr lang="ru-RU" sz="4000" b="1" dirty="0" smtClean="0">
                 <a:solidFill>
                   <a:schemeClr val="bg1"/>
                 </a:solidFill>
                 <a:latin typeface="+mj-lt"/>
                 <a:cs typeface="Times New Roman"/>
               </a:rPr>
-              <a:t>Тестирование и отладка</a:t>
-            </a:r>
-            <a:endParaRPr lang="ru-RU" dirty="0">
+              <a:t>Интерфейс программы</a:t>
+            </a:r>
+            <a:endParaRPr lang="ru-RU" sz="4000" dirty="0">
               <a:solidFill>
                 <a:schemeClr val="bg1"/>
               </a:solidFill>
@@ -4265,183 +4266,58 @@
           </a:p>
         </p:txBody>
       </p:sp>
-      <p:sp>
-        <p:nvSpPr>
-          <p:cNvPr id="5" name="TextBox 4"/>
-          <p:cNvSpPr txBox="1"/>
+      <p:pic>
+        <p:nvPicPr>
+          <p:cNvPr id="3" name="Рисунок 2"/>
+          <p:cNvPicPr>
+            <a:picLocks noChangeAspect="1"/>
+          </p:cNvPicPr>
           <p:nvPr/>
-        </p:nvSpPr>
+        </p:nvPicPr>
+        <p:blipFill>
+          <a:blip r:embed="rId3"/>
+          <a:stretch>
+            <a:fillRect/>
+          </a:stretch>
+        </p:blipFill>
         <p:spPr>
           <a:xfrm>
-            <a:off x="115972" y="1518571"/>
-            <a:ext cx="8704348" cy="4247317"/>
+            <a:off x="259751" y="2089575"/>
+            <a:ext cx="4239421" cy="2318433"/>
           </a:xfrm>
           <a:prstGeom prst="rect">
             <a:avLst/>
           </a:prstGeom>
-          <a:noFill/>
         </p:spPr>
-        <p:txBody>
-          <a:bodyPr wrap="square" lIns="91440" tIns="45720" rIns="91440" bIns="45720" rtlCol="0" anchor="t">
-            <a:spAutoFit/>
-          </a:bodyPr>
-          <a:lstStyle/>
-          <a:p>
-            <a:pPr marL="285750" indent="-285750" algn="just">
-              <a:buFont typeface="Arial" panose="020B0604020202020204" pitchFamily="34" charset="0"/>
-              <a:buChar char="•"/>
-            </a:pPr>
-            <a:r>
-              <a:rPr lang="ru-RU" dirty="0" smtClean="0">
-                <a:cs typeface="Times New Roman"/>
-              </a:rPr>
-              <a:t>Функциональное </a:t>
-            </a:r>
-            <a:r>
-              <a:rPr lang="ru-RU" dirty="0">
-                <a:cs typeface="Times New Roman"/>
-              </a:rPr>
-              <a:t>тестирование. Проверка корректности работы каждой функции приложения и достижения ожидаемого результата. Например, тестирование определения текущей </a:t>
-            </a:r>
-            <a:r>
-              <a:rPr lang="ru-RU" dirty="0" smtClean="0">
-                <a:cs typeface="Times New Roman"/>
-              </a:rPr>
-              <a:t>погоды</a:t>
-            </a:r>
-            <a:r>
-              <a:rPr lang="ru-RU" dirty="0" smtClean="0">
-                <a:cs typeface="Times New Roman"/>
-              </a:rPr>
-              <a:t>.</a:t>
-            </a:r>
-          </a:p>
-          <a:p>
-            <a:pPr marL="342900" indent="-342900" algn="just">
-              <a:buFont typeface="+mj-lt"/>
-              <a:buAutoNum type="arabicPeriod"/>
-            </a:pPr>
-            <a:r>
-              <a:rPr lang="ru-RU" dirty="0">
-                <a:cs typeface="Times New Roman" panose="02020603050405020304" pitchFamily="18" charset="0"/>
-              </a:rPr>
-              <a:t>Проверка корректности ввода данных: при запуске приложения пользователь </a:t>
-            </a:r>
-            <a:r>
-              <a:rPr lang="ru-RU" dirty="0" smtClean="0">
-                <a:cs typeface="Times New Roman" panose="02020603050405020304" pitchFamily="18" charset="0"/>
-              </a:rPr>
-              <a:t>должен</a:t>
-            </a:r>
-            <a:r>
-              <a:rPr lang="en-US" dirty="0" smtClean="0">
-                <a:cs typeface="Times New Roman" panose="02020603050405020304" pitchFamily="18" charset="0"/>
-              </a:rPr>
-              <a:t> </a:t>
-            </a:r>
-            <a:r>
-              <a:rPr lang="ru-RU" dirty="0" smtClean="0">
-                <a:cs typeface="Times New Roman" panose="02020603050405020304" pitchFamily="18" charset="0"/>
-              </a:rPr>
-              <a:t>ввести желаемый город для получения информации о погоде.</a:t>
-            </a:r>
-            <a:endParaRPr lang="ru-RU" dirty="0">
-              <a:cs typeface="Times New Roman"/>
-            </a:endParaRPr>
-          </a:p>
-          <a:p>
-            <a:pPr marL="342900" indent="-342900" algn="just">
-              <a:buFont typeface="+mj-lt"/>
-              <a:buAutoNum type="arabicPeriod"/>
-            </a:pPr>
-            <a:r>
-              <a:rPr lang="ru-RU" dirty="0">
-                <a:cs typeface="Times New Roman" panose="02020603050405020304" pitchFamily="18" charset="0"/>
-              </a:rPr>
-              <a:t>Проверка вывода результата</a:t>
-            </a:r>
-            <a:r>
-              <a:rPr lang="ru-RU" dirty="0" smtClean="0">
-                <a:cs typeface="Times New Roman" panose="02020603050405020304" pitchFamily="18" charset="0"/>
-              </a:rPr>
-              <a:t>: приложение должно корректно вывести данные о погоде введенного населенного пункта.</a:t>
-            </a:r>
-          </a:p>
-          <a:p>
-            <a:pPr marL="342900" indent="-342900" algn="just">
-              <a:buFont typeface="+mj-lt"/>
-              <a:buAutoNum type="arabicPeriod"/>
-            </a:pPr>
-            <a:r>
-              <a:rPr lang="ru-RU" dirty="0">
-                <a:cs typeface="Times New Roman" panose="02020603050405020304" pitchFamily="18" charset="0"/>
-              </a:rPr>
-              <a:t>Проверка обработки ошибок: приложение должно корректно обрабатывать ошибки, например, если пользователь вводит </a:t>
-            </a:r>
-            <a:r>
-              <a:rPr lang="ru-RU" dirty="0" smtClean="0">
-                <a:cs typeface="Times New Roman" panose="02020603050405020304" pitchFamily="18" charset="0"/>
-              </a:rPr>
-              <a:t>некорректный населенный пункт. </a:t>
-            </a:r>
-            <a:r>
-              <a:rPr lang="ru-RU" dirty="0">
-                <a:cs typeface="Times New Roman" panose="02020603050405020304" pitchFamily="18" charset="0"/>
-              </a:rPr>
-              <a:t>Необходимо проверить, что приложение выводит </a:t>
-            </a:r>
-            <a:r>
-              <a:rPr lang="ru-RU" dirty="0" smtClean="0">
-                <a:cs typeface="Times New Roman" panose="02020603050405020304" pitchFamily="18" charset="0"/>
-              </a:rPr>
-              <a:t>сообщение </a:t>
-            </a:r>
-            <a:r>
-              <a:rPr lang="ru-RU" dirty="0">
-                <a:cs typeface="Times New Roman" panose="02020603050405020304" pitchFamily="18" charset="0"/>
-              </a:rPr>
-              <a:t>об </a:t>
-            </a:r>
-            <a:r>
-              <a:rPr lang="ru-RU" dirty="0" smtClean="0">
-                <a:cs typeface="Times New Roman" panose="02020603050405020304" pitchFamily="18" charset="0"/>
-              </a:rPr>
-              <a:t>ошибке.</a:t>
-            </a:r>
-            <a:endParaRPr lang="ru-RU" dirty="0">
-              <a:cs typeface="Times New Roman" panose="02020603050405020304" pitchFamily="18" charset="0"/>
-            </a:endParaRPr>
-          </a:p>
-          <a:p>
-            <a:pPr marL="342900" indent="-342900" algn="just">
-              <a:buFont typeface="+mj-lt"/>
-              <a:buAutoNum type="arabicPeriod"/>
-            </a:pPr>
-            <a:r>
-              <a:rPr lang="ru-RU" dirty="0">
-                <a:cs typeface="Times New Roman" panose="02020603050405020304" pitchFamily="18" charset="0"/>
-              </a:rPr>
-              <a:t>Проверка отладки: приложение должно быть отлажено перед выпуском, чтобы гарантировать его корректную работу. Необходимо провести тестирование на разных устройствах и в разных условиях, чтобы выявить и исправить все возможные ошибки и проблемы.</a:t>
-            </a:r>
-            <a:endParaRPr lang="ru-RU" dirty="0" smtClean="0">
-              <a:cs typeface="Times New Roman" panose="02020603050405020304" pitchFamily="18" charset="0"/>
-            </a:endParaRPr>
-          </a:p>
-          <a:p>
-            <a:pPr marL="342900" indent="-342900" algn="just">
-              <a:buFont typeface="+mj-lt"/>
-              <a:buAutoNum type="arabicPeriod"/>
-            </a:pPr>
-            <a:endParaRPr lang="en-US" dirty="0" smtClean="0">
-              <a:cs typeface="Times New Roman"/>
-            </a:endParaRPr>
-          </a:p>
-        </p:txBody>
-      </p:sp>
+      </p:pic>
+      <p:pic>
+        <p:nvPicPr>
+          <p:cNvPr id="8" name="Рисунок 7"/>
+          <p:cNvPicPr>
+            <a:picLocks noChangeAspect="1"/>
+          </p:cNvPicPr>
+          <p:nvPr/>
+        </p:nvPicPr>
+        <p:blipFill>
+          <a:blip r:embed="rId4"/>
+          <a:stretch>
+            <a:fillRect/>
+          </a:stretch>
+        </p:blipFill>
+        <p:spPr>
+          <a:xfrm>
+            <a:off x="4740554" y="2093184"/>
+            <a:ext cx="4234649" cy="2314824"/>
+          </a:xfrm>
+          <a:prstGeom prst="rect">
+            <a:avLst/>
+          </a:prstGeom>
+        </p:spPr>
+      </p:pic>
     </p:spTree>
     <p:extLst>
       <p:ext uri="{BB962C8B-B14F-4D97-AF65-F5344CB8AC3E}">
-        <p14:creationId xmlns:p14="http://schemas.microsoft.com/office/powerpoint/2010/main" val="486506308"/>
+        <p14:creationId xmlns:p14="http://schemas.microsoft.com/office/powerpoint/2010/main" val="17879075"/>
       </p:ext>
     </p:extLst>
   </p:cSld>
@@ -4494,6 +4370,259 @@
         </p:nvSpPr>
         <p:spPr>
           <a:xfrm>
+            <a:off x="3544367" y="106208"/>
+            <a:ext cx="5903084" cy="1115216"/>
+          </a:xfrm>
+        </p:spPr>
+        <p:txBody>
+          <a:bodyPr>
+            <a:noAutofit/>
+          </a:bodyPr>
+          <a:lstStyle/>
+          <a:p>
+            <a:pPr lvl="1"/>
+            <a:r>
+              <a:rPr lang="ru-RU" sz="4000" b="1" dirty="0">
+                <a:solidFill>
+                  <a:schemeClr val="bg1"/>
+                </a:solidFill>
+                <a:latin typeface="+mj-lt"/>
+                <a:cs typeface="Times New Roman"/>
+              </a:rPr>
+              <a:t>Тестирование и отладка</a:t>
+            </a:r>
+            <a:endParaRPr lang="ru-RU" dirty="0">
+              <a:solidFill>
+                <a:schemeClr val="bg1"/>
+              </a:solidFill>
+              <a:latin typeface="+mj-lt"/>
+            </a:endParaRPr>
+          </a:p>
+        </p:txBody>
+      </p:sp>
+      <p:sp>
+        <p:nvSpPr>
+          <p:cNvPr id="5" name="TextBox 4"/>
+          <p:cNvSpPr txBox="1"/>
+          <p:nvPr/>
+        </p:nvSpPr>
+        <p:spPr>
+          <a:xfrm>
+            <a:off x="115972" y="1518571"/>
+            <a:ext cx="8704348" cy="4247317"/>
+          </a:xfrm>
+          <a:prstGeom prst="rect">
+            <a:avLst/>
+          </a:prstGeom>
+          <a:noFill/>
+        </p:spPr>
+        <p:txBody>
+          <a:bodyPr wrap="square" lIns="91440" tIns="45720" rIns="91440" bIns="45720" rtlCol="0" anchor="t">
+            <a:spAutoFit/>
+          </a:bodyPr>
+          <a:lstStyle/>
+          <a:p>
+            <a:pPr marL="285750" indent="-285750" algn="just">
+              <a:buFont typeface="Arial" panose="020B0604020202020204" pitchFamily="34" charset="0"/>
+              <a:buChar char="•"/>
+            </a:pPr>
+            <a:r>
+              <a:rPr lang="ru-RU" dirty="0" smtClean="0">
+                <a:cs typeface="Times New Roman"/>
+              </a:rPr>
+              <a:t>Функциональное </a:t>
+            </a:r>
+            <a:r>
+              <a:rPr lang="ru-RU" dirty="0">
+                <a:cs typeface="Times New Roman"/>
+              </a:rPr>
+              <a:t>тестирование. Проверка корректности работы каждой функции приложения и достижения ожидаемого результата. Например, тестирование определения текущей </a:t>
+            </a:r>
+            <a:r>
+              <a:rPr lang="ru-RU" dirty="0" smtClean="0">
+                <a:cs typeface="Times New Roman"/>
+              </a:rPr>
+              <a:t>погоды.</a:t>
+            </a:r>
+          </a:p>
+          <a:p>
+            <a:pPr marL="342900" indent="-342900" algn="just">
+              <a:buFont typeface="+mj-lt"/>
+              <a:buAutoNum type="arabicPeriod"/>
+            </a:pPr>
+            <a:r>
+              <a:rPr lang="ru-RU" dirty="0">
+                <a:cs typeface="Times New Roman" panose="02020603050405020304" pitchFamily="18" charset="0"/>
+              </a:rPr>
+              <a:t>Проверка корректности ввода данных: при запуске приложения пользователь </a:t>
+            </a:r>
+            <a:r>
+              <a:rPr lang="ru-RU" dirty="0" smtClean="0">
+                <a:cs typeface="Times New Roman" panose="02020603050405020304" pitchFamily="18" charset="0"/>
+              </a:rPr>
+              <a:t>должен</a:t>
+            </a:r>
+            <a:r>
+              <a:rPr lang="en-US" dirty="0" smtClean="0">
+                <a:cs typeface="Times New Roman" panose="02020603050405020304" pitchFamily="18" charset="0"/>
+              </a:rPr>
+              <a:t> </a:t>
+            </a:r>
+            <a:r>
+              <a:rPr lang="ru-RU" dirty="0" smtClean="0">
+                <a:cs typeface="Times New Roman" panose="02020603050405020304" pitchFamily="18" charset="0"/>
+              </a:rPr>
+              <a:t>ввести желаемый город для получения информации о погоде.</a:t>
+            </a:r>
+            <a:endParaRPr lang="ru-RU" dirty="0">
+              <a:cs typeface="Times New Roman"/>
+            </a:endParaRPr>
+          </a:p>
+          <a:p>
+            <a:pPr marL="342900" indent="-342900" algn="just">
+              <a:buFont typeface="+mj-lt"/>
+              <a:buAutoNum type="arabicPeriod"/>
+            </a:pPr>
+            <a:r>
+              <a:rPr lang="ru-RU" dirty="0">
+                <a:cs typeface="Times New Roman" panose="02020603050405020304" pitchFamily="18" charset="0"/>
+              </a:rPr>
+              <a:t>Проверка вывода результата</a:t>
+            </a:r>
+            <a:r>
+              <a:rPr lang="ru-RU" dirty="0" smtClean="0">
+                <a:cs typeface="Times New Roman" panose="02020603050405020304" pitchFamily="18" charset="0"/>
+              </a:rPr>
+              <a:t>: приложение должно корректно вывести данные о погоде введенного населенного пункта.</a:t>
+            </a:r>
+          </a:p>
+          <a:p>
+            <a:pPr marL="342900" indent="-342900" algn="just">
+              <a:buFont typeface="+mj-lt"/>
+              <a:buAutoNum type="arabicPeriod"/>
+            </a:pPr>
+            <a:r>
+              <a:rPr lang="ru-RU" dirty="0">
+                <a:cs typeface="Times New Roman" panose="02020603050405020304" pitchFamily="18" charset="0"/>
+              </a:rPr>
+              <a:t>Проверка обработки ошибок: приложение должно корректно обрабатывать ошибки, например, если пользователь вводит </a:t>
+            </a:r>
+            <a:r>
+              <a:rPr lang="ru-RU" dirty="0" smtClean="0">
+                <a:cs typeface="Times New Roman" panose="02020603050405020304" pitchFamily="18" charset="0"/>
+              </a:rPr>
+              <a:t>некорректный населенный пункт. </a:t>
+            </a:r>
+            <a:r>
+              <a:rPr lang="ru-RU" dirty="0">
+                <a:cs typeface="Times New Roman" panose="02020603050405020304" pitchFamily="18" charset="0"/>
+              </a:rPr>
+              <a:t>Необходимо проверить, что приложение выводит </a:t>
+            </a:r>
+            <a:r>
+              <a:rPr lang="ru-RU" dirty="0" smtClean="0">
+                <a:cs typeface="Times New Roman" panose="02020603050405020304" pitchFamily="18" charset="0"/>
+              </a:rPr>
+              <a:t>сообщение </a:t>
+            </a:r>
+            <a:r>
+              <a:rPr lang="ru-RU" dirty="0">
+                <a:cs typeface="Times New Roman" panose="02020603050405020304" pitchFamily="18" charset="0"/>
+              </a:rPr>
+              <a:t>об </a:t>
+            </a:r>
+            <a:r>
+              <a:rPr lang="ru-RU" dirty="0" smtClean="0">
+                <a:cs typeface="Times New Roman" panose="02020603050405020304" pitchFamily="18" charset="0"/>
+              </a:rPr>
+              <a:t>ошибке.</a:t>
+            </a:r>
+            <a:endParaRPr lang="ru-RU" dirty="0">
+              <a:cs typeface="Times New Roman" panose="02020603050405020304" pitchFamily="18" charset="0"/>
+            </a:endParaRPr>
+          </a:p>
+          <a:p>
+            <a:pPr marL="342900" indent="-342900" algn="just">
+              <a:buFont typeface="+mj-lt"/>
+              <a:buAutoNum type="arabicPeriod"/>
+            </a:pPr>
+            <a:r>
+              <a:rPr lang="ru-RU" dirty="0">
+                <a:cs typeface="Times New Roman" panose="02020603050405020304" pitchFamily="18" charset="0"/>
+              </a:rPr>
+              <a:t>Проверка отладки: приложение должно быть отлажено перед выпуском, чтобы гарантировать его корректную работу. Необходимо провести тестирование на разных устройствах и в разных условиях, чтобы выявить и исправить все возможные ошибки и проблемы.</a:t>
+            </a:r>
+            <a:endParaRPr lang="ru-RU" dirty="0" smtClean="0">
+              <a:cs typeface="Times New Roman" panose="02020603050405020304" pitchFamily="18" charset="0"/>
+            </a:endParaRPr>
+          </a:p>
+          <a:p>
+            <a:pPr marL="342900" indent="-342900" algn="just">
+              <a:buFont typeface="+mj-lt"/>
+              <a:buAutoNum type="arabicPeriod"/>
+            </a:pPr>
+            <a:endParaRPr lang="en-US" dirty="0" smtClean="0">
+              <a:cs typeface="Times New Roman"/>
+            </a:endParaRPr>
+          </a:p>
+        </p:txBody>
+      </p:sp>
+    </p:spTree>
+    <p:extLst>
+      <p:ext uri="{BB962C8B-B14F-4D97-AF65-F5344CB8AC3E}">
+        <p14:creationId xmlns:p14="http://schemas.microsoft.com/office/powerpoint/2010/main" val="486506308"/>
+      </p:ext>
+    </p:extLst>
+  </p:cSld>
+  <p:clrMapOvr>
+    <a:masterClrMapping/>
+  </p:clrMapOvr>
+</p:sld>
+</file>
+
+<file path=ppt/slides/slide14.xml><?xml version="1.0" encoding="utf-8"?>
+<p:sld xmlns:a="http://schemas.openxmlformats.org/drawingml/2006/main" xmlns:r="http://schemas.openxmlformats.org/officeDocument/2006/relationships" xmlns:p="http://schemas.openxmlformats.org/presentationml/2006/main">
+  <p:cSld>
+    <p:bg>
+      <p:bgPr>
+        <a:blipFill dpi="0" rotWithShape="1">
+          <a:blip r:embed="rId2">
+            <a:lum/>
+          </a:blip>
+          <a:srcRect/>
+          <a:stretch>
+            <a:fillRect/>
+          </a:stretch>
+        </a:blipFill>
+        <a:effectLst/>
+      </p:bgPr>
+    </p:bg>
+    <p:spTree>
+      <p:nvGrpSpPr>
+        <p:cNvPr id="1" name=""/>
+        <p:cNvGrpSpPr/>
+        <p:nvPr/>
+      </p:nvGrpSpPr>
+      <p:grpSpPr>
+        <a:xfrm>
+          <a:off x="0" y="0"/>
+          <a:ext cx="0" cy="0"/>
+          <a:chOff x="0" y="0"/>
+          <a:chExt cx="0" cy="0"/>
+        </a:xfrm>
+      </p:grpSpPr>
+      <p:sp>
+        <p:nvSpPr>
+          <p:cNvPr id="2" name="Заголовок 1"/>
+          <p:cNvSpPr>
+            <a:spLocks noGrp="1"/>
+          </p:cNvSpPr>
+          <p:nvPr>
+            <p:ph type="title"/>
+          </p:nvPr>
+        </p:nvSpPr>
+        <p:spPr>
+          <a:xfrm>
             <a:off x="3698116" y="114300"/>
             <a:ext cx="5903084" cy="1115216"/>
           </a:xfrm>
@@ -4593,25 +4722,7 @@
               <a:rPr lang="ru-RU" sz="2000" dirty="0" smtClean="0">
                 <a:cs typeface="Times New Roman"/>
               </a:rPr>
-              <a:t>Принимает </a:t>
-            </a:r>
-            <a:r>
-              <a:rPr lang="ru-RU" sz="2000" dirty="0" smtClean="0">
-                <a:cs typeface="Times New Roman"/>
-              </a:rPr>
-              <a:t>значения, введенные пользователем и после </a:t>
-            </a:r>
-            <a:r>
-              <a:rPr lang="ru-RU" sz="2000" dirty="0" smtClean="0">
-                <a:cs typeface="Times New Roman"/>
-              </a:rPr>
-              <a:t>обрабатывает </a:t>
-            </a:r>
-            <a:r>
-              <a:rPr lang="ru-RU" sz="2000" dirty="0" smtClean="0">
-                <a:cs typeface="Times New Roman"/>
-              </a:rPr>
-              <a:t>их.</a:t>
+              <a:t>Принимает значения, введенные пользователем и после обрабатывает их.</a:t>
             </a:r>
           </a:p>
           <a:p>
@@ -4696,7 +4807,7 @@
 </p:sld>
 </file>
 
-<file path=ppt/slides/slide14.xml><?xml version="1.0" encoding="utf-8"?>
+<file path=ppt/slides/slide15.xml><?xml version="1.0" encoding="utf-8"?>
 <p:sld xmlns:a="http://schemas.openxmlformats.org/drawingml/2006/main" xmlns:r="http://schemas.openxmlformats.org/officeDocument/2006/relationships" xmlns:p="http://schemas.openxmlformats.org/presentationml/2006/main">
   <p:cSld>
     <p:bg>
@@ -5060,43 +5171,25 @@
                 </a:solidFill>
                 <a:cs typeface="Times New Roman"/>
               </a:rPr>
-              <a:t>азработка </a:t>
-            </a:r>
-            <a:r>
-              <a:rPr lang="ru-RU" sz="2400" dirty="0" smtClean="0">
+              <a:t>азработка приложения</a:t>
+            </a:r>
+            <a:r>
+              <a:rPr lang="en-US" sz="2400" dirty="0" smtClean="0">
                 <a:solidFill>
                   <a:srgbClr val="000000"/>
                 </a:solidFill>
                 <a:cs typeface="Times New Roman"/>
               </a:rPr>
-              <a:t>приложения</a:t>
-            </a:r>
-            <a:r>
-              <a:rPr lang="en-US" sz="2400" dirty="0" smtClean="0">
+              <a:t> </a:t>
+            </a:r>
+            <a:r>
+              <a:rPr lang="ru-RU" sz="2400" dirty="0">
                 <a:solidFill>
                   <a:srgbClr val="000000"/>
                 </a:solidFill>
                 <a:cs typeface="Times New Roman"/>
               </a:rPr>
-              <a:t> </a:t>
-            </a:r>
-            <a:r>
-              <a:rPr lang="ru-RU" sz="2400" dirty="0">
-                <a:solidFill>
-                  <a:srgbClr val="000000"/>
-                </a:solidFill>
-                <a:cs typeface="Times New Roman"/>
-              </a:rPr>
-              <a:t>для мониторинга прогноза погоды </a:t>
-            </a:r>
-            <a:r>
-              <a:rPr lang="ru-RU" sz="2400" dirty="0">
-                <a:solidFill>
-                  <a:srgbClr val="000000"/>
-                </a:solidFill>
-                <a:cs typeface="Times New Roman"/>
-              </a:rPr>
-              <a:t>с помощью </a:t>
+              <a:t>для мониторинга прогноза погоды с помощью </a:t>
             </a:r>
             <a:r>
               <a:rPr lang="en-US" sz="2400" dirty="0">
@@ -5858,16 +5951,7 @@
                 </a:solidFill>
                 <a:cs typeface="Times New Roman"/>
               </a:rPr>
-              <a:t> </a:t>
-            </a:r>
-            <a:r>
-              <a:rPr lang="ru-RU" sz="1600" dirty="0" smtClean="0">
-                <a:solidFill>
-                  <a:srgbClr val="1D1D1F"/>
-                </a:solidFill>
-                <a:cs typeface="Times New Roman"/>
-              </a:rPr>
-              <a:t>— </a:t>
+              <a:t> — </a:t>
             </a:r>
             <a:r>
               <a:rPr lang="ru-RU" sz="1600" dirty="0">
